--- a/cs447tk_rec_lab10_apr2.pptx
+++ b/cs447tk_rec_lab10_apr2.pptx
@@ -5,7 +5,7 @@
     <p:sldMasterId id="2147483660" r:id="rId1"/>
   </p:sldMasterIdLst>
   <p:notesMasterIdLst>
-    <p:notesMasterId r:id="rId7"/>
+    <p:notesMasterId r:id="rId16"/>
   </p:notesMasterIdLst>
   <p:sldIdLst>
     <p:sldId id="258" r:id="rId2"/>
@@ -13,6 +13,15 @@
     <p:sldId id="285" r:id="rId4"/>
     <p:sldId id="286" r:id="rId5"/>
     <p:sldId id="287" r:id="rId6"/>
+    <p:sldId id="288" r:id="rId7"/>
+    <p:sldId id="289" r:id="rId8"/>
+    <p:sldId id="290" r:id="rId9"/>
+    <p:sldId id="291" r:id="rId10"/>
+    <p:sldId id="292" r:id="rId11"/>
+    <p:sldId id="293" r:id="rId12"/>
+    <p:sldId id="294" r:id="rId13"/>
+    <p:sldId id="295" r:id="rId14"/>
+    <p:sldId id="296" r:id="rId15"/>
   </p:sldIdLst>
   <p:sldSz cx="9144000" cy="6858000" type="screen4x3"/>
   <p:notesSz cx="6858000" cy="9144000"/>
@@ -489,6 +498,762 @@
     </a:lvl9pPr>
   </p:notesStyle>
 </p:notesMaster>
+</file>
+
+<file path=ppt/notesSlides/notesSlide1.xml><?xml version="1.0" encoding="utf-8"?>
+<p:notes xmlns:a="http://schemas.openxmlformats.org/drawingml/2006/main" xmlns:r="http://schemas.openxmlformats.org/officeDocument/2006/relationships" xmlns:p="http://schemas.openxmlformats.org/presentationml/2006/main">
+  <p:cSld>
+    <p:spTree>
+      <p:nvGrpSpPr>
+        <p:cNvPr id="1" name=""/>
+        <p:cNvGrpSpPr/>
+        <p:nvPr/>
+      </p:nvGrpSpPr>
+      <p:grpSpPr>
+        <a:xfrm>
+          <a:off x="0" y="0"/>
+          <a:ext cx="0" cy="0"/>
+          <a:chOff x="0" y="0"/>
+          <a:chExt cx="0" cy="0"/>
+        </a:xfrm>
+      </p:grpSpPr>
+      <p:sp>
+        <p:nvSpPr>
+          <p:cNvPr id="2" name="Slide Image Placeholder 1"/>
+          <p:cNvSpPr>
+            <a:spLocks noGrp="1" noRot="1" noChangeAspect="1"/>
+          </p:cNvSpPr>
+          <p:nvPr>
+            <p:ph type="sldImg"/>
+          </p:nvPr>
+        </p:nvSpPr>
+        <p:spPr/>
+      </p:sp>
+      <p:sp>
+        <p:nvSpPr>
+          <p:cNvPr id="3" name="Notes Placeholder 2"/>
+          <p:cNvSpPr>
+            <a:spLocks noGrp="1"/>
+          </p:cNvSpPr>
+          <p:nvPr>
+            <p:ph type="body" idx="1"/>
+          </p:nvPr>
+        </p:nvSpPr>
+        <p:spPr/>
+        <p:txBody>
+          <a:bodyPr/>
+          <a:lstStyle/>
+          <a:p>
+            <a:endParaRPr lang="en-US" dirty="0"/>
+          </a:p>
+        </p:txBody>
+      </p:sp>
+      <p:sp>
+        <p:nvSpPr>
+          <p:cNvPr id="4" name="Slide Number Placeholder 3"/>
+          <p:cNvSpPr>
+            <a:spLocks noGrp="1"/>
+          </p:cNvSpPr>
+          <p:nvPr>
+            <p:ph type="sldNum" sz="quarter" idx="10"/>
+          </p:nvPr>
+        </p:nvSpPr>
+        <p:spPr/>
+        <p:txBody>
+          <a:bodyPr/>
+          <a:lstStyle/>
+          <a:p>
+            <a:fld id="{EFAF9F6D-6F5B-4492-B20A-F0EFDC100956}" type="slidenum">
+              <a:rPr lang="en-US" smtClean="0"/>
+              <a:t>6</a:t>
+            </a:fld>
+            <a:endParaRPr lang="en-US"/>
+          </a:p>
+        </p:txBody>
+      </p:sp>
+    </p:spTree>
+    <p:extLst>
+      <p:ext uri="{BB962C8B-B14F-4D97-AF65-F5344CB8AC3E}">
+        <p14:creationId xmlns:p14="http://schemas.microsoft.com/office/powerpoint/2010/main" val="1685393650"/>
+      </p:ext>
+    </p:extLst>
+  </p:cSld>
+  <p:clrMapOvr>
+    <a:masterClrMapping/>
+  </p:clrMapOvr>
+</p:notes>
+</file>
+
+<file path=ppt/notesSlides/notesSlide2.xml><?xml version="1.0" encoding="utf-8"?>
+<p:notes xmlns:a="http://schemas.openxmlformats.org/drawingml/2006/main" xmlns:r="http://schemas.openxmlformats.org/officeDocument/2006/relationships" xmlns:p="http://schemas.openxmlformats.org/presentationml/2006/main">
+  <p:cSld>
+    <p:spTree>
+      <p:nvGrpSpPr>
+        <p:cNvPr id="1" name=""/>
+        <p:cNvGrpSpPr/>
+        <p:nvPr/>
+      </p:nvGrpSpPr>
+      <p:grpSpPr>
+        <a:xfrm>
+          <a:off x="0" y="0"/>
+          <a:ext cx="0" cy="0"/>
+          <a:chOff x="0" y="0"/>
+          <a:chExt cx="0" cy="0"/>
+        </a:xfrm>
+      </p:grpSpPr>
+      <p:sp>
+        <p:nvSpPr>
+          <p:cNvPr id="2" name="Slide Image Placeholder 1"/>
+          <p:cNvSpPr>
+            <a:spLocks noGrp="1" noRot="1" noChangeAspect="1"/>
+          </p:cNvSpPr>
+          <p:nvPr>
+            <p:ph type="sldImg"/>
+          </p:nvPr>
+        </p:nvSpPr>
+        <p:spPr/>
+      </p:sp>
+      <p:sp>
+        <p:nvSpPr>
+          <p:cNvPr id="3" name="Notes Placeholder 2"/>
+          <p:cNvSpPr>
+            <a:spLocks noGrp="1"/>
+          </p:cNvSpPr>
+          <p:nvPr>
+            <p:ph type="body" idx="1"/>
+          </p:nvPr>
+        </p:nvSpPr>
+        <p:spPr/>
+        <p:txBody>
+          <a:bodyPr/>
+          <a:lstStyle/>
+          <a:p>
+            <a:endParaRPr lang="en-US" dirty="0"/>
+          </a:p>
+        </p:txBody>
+      </p:sp>
+      <p:sp>
+        <p:nvSpPr>
+          <p:cNvPr id="4" name="Slide Number Placeholder 3"/>
+          <p:cNvSpPr>
+            <a:spLocks noGrp="1"/>
+          </p:cNvSpPr>
+          <p:nvPr>
+            <p:ph type="sldNum" sz="quarter" idx="10"/>
+          </p:nvPr>
+        </p:nvSpPr>
+        <p:spPr/>
+        <p:txBody>
+          <a:bodyPr/>
+          <a:lstStyle/>
+          <a:p>
+            <a:fld id="{EFAF9F6D-6F5B-4492-B20A-F0EFDC100956}" type="slidenum">
+              <a:rPr lang="en-US" smtClean="0"/>
+              <a:t>7</a:t>
+            </a:fld>
+            <a:endParaRPr lang="en-US"/>
+          </a:p>
+        </p:txBody>
+      </p:sp>
+    </p:spTree>
+    <p:extLst>
+      <p:ext uri="{BB962C8B-B14F-4D97-AF65-F5344CB8AC3E}">
+        <p14:creationId xmlns:p14="http://schemas.microsoft.com/office/powerpoint/2010/main" val="942241155"/>
+      </p:ext>
+    </p:extLst>
+  </p:cSld>
+  <p:clrMapOvr>
+    <a:masterClrMapping/>
+  </p:clrMapOvr>
+</p:notes>
+</file>
+
+<file path=ppt/notesSlides/notesSlide3.xml><?xml version="1.0" encoding="utf-8"?>
+<p:notes xmlns:a="http://schemas.openxmlformats.org/drawingml/2006/main" xmlns:r="http://schemas.openxmlformats.org/officeDocument/2006/relationships" xmlns:p="http://schemas.openxmlformats.org/presentationml/2006/main">
+  <p:cSld>
+    <p:spTree>
+      <p:nvGrpSpPr>
+        <p:cNvPr id="1" name=""/>
+        <p:cNvGrpSpPr/>
+        <p:nvPr/>
+      </p:nvGrpSpPr>
+      <p:grpSpPr>
+        <a:xfrm>
+          <a:off x="0" y="0"/>
+          <a:ext cx="0" cy="0"/>
+          <a:chOff x="0" y="0"/>
+          <a:chExt cx="0" cy="0"/>
+        </a:xfrm>
+      </p:grpSpPr>
+      <p:sp>
+        <p:nvSpPr>
+          <p:cNvPr id="2" name="Slide Image Placeholder 1"/>
+          <p:cNvSpPr>
+            <a:spLocks noGrp="1" noRot="1" noChangeAspect="1"/>
+          </p:cNvSpPr>
+          <p:nvPr>
+            <p:ph type="sldImg"/>
+          </p:nvPr>
+        </p:nvSpPr>
+        <p:spPr/>
+      </p:sp>
+      <p:sp>
+        <p:nvSpPr>
+          <p:cNvPr id="3" name="Notes Placeholder 2"/>
+          <p:cNvSpPr>
+            <a:spLocks noGrp="1"/>
+          </p:cNvSpPr>
+          <p:nvPr>
+            <p:ph type="body" idx="1"/>
+          </p:nvPr>
+        </p:nvSpPr>
+        <p:spPr/>
+        <p:txBody>
+          <a:bodyPr/>
+          <a:lstStyle/>
+          <a:p>
+            <a:endParaRPr lang="en-US" dirty="0"/>
+          </a:p>
+        </p:txBody>
+      </p:sp>
+      <p:sp>
+        <p:nvSpPr>
+          <p:cNvPr id="4" name="Slide Number Placeholder 3"/>
+          <p:cNvSpPr>
+            <a:spLocks noGrp="1"/>
+          </p:cNvSpPr>
+          <p:nvPr>
+            <p:ph type="sldNum" sz="quarter" idx="10"/>
+          </p:nvPr>
+        </p:nvSpPr>
+        <p:spPr/>
+        <p:txBody>
+          <a:bodyPr/>
+          <a:lstStyle/>
+          <a:p>
+            <a:fld id="{EFAF9F6D-6F5B-4492-B20A-F0EFDC100956}" type="slidenum">
+              <a:rPr lang="en-US" smtClean="0"/>
+              <a:t>8</a:t>
+            </a:fld>
+            <a:endParaRPr lang="en-US"/>
+          </a:p>
+        </p:txBody>
+      </p:sp>
+    </p:spTree>
+    <p:extLst>
+      <p:ext uri="{BB962C8B-B14F-4D97-AF65-F5344CB8AC3E}">
+        <p14:creationId xmlns:p14="http://schemas.microsoft.com/office/powerpoint/2010/main" val="2246074838"/>
+      </p:ext>
+    </p:extLst>
+  </p:cSld>
+  <p:clrMapOvr>
+    <a:masterClrMapping/>
+  </p:clrMapOvr>
+</p:notes>
+</file>
+
+<file path=ppt/notesSlides/notesSlide4.xml><?xml version="1.0" encoding="utf-8"?>
+<p:notes xmlns:a="http://schemas.openxmlformats.org/drawingml/2006/main" xmlns:r="http://schemas.openxmlformats.org/officeDocument/2006/relationships" xmlns:p="http://schemas.openxmlformats.org/presentationml/2006/main">
+  <p:cSld>
+    <p:spTree>
+      <p:nvGrpSpPr>
+        <p:cNvPr id="1" name=""/>
+        <p:cNvGrpSpPr/>
+        <p:nvPr/>
+      </p:nvGrpSpPr>
+      <p:grpSpPr>
+        <a:xfrm>
+          <a:off x="0" y="0"/>
+          <a:ext cx="0" cy="0"/>
+          <a:chOff x="0" y="0"/>
+          <a:chExt cx="0" cy="0"/>
+        </a:xfrm>
+      </p:grpSpPr>
+      <p:sp>
+        <p:nvSpPr>
+          <p:cNvPr id="2" name="Slide Image Placeholder 1"/>
+          <p:cNvSpPr>
+            <a:spLocks noGrp="1" noRot="1" noChangeAspect="1"/>
+          </p:cNvSpPr>
+          <p:nvPr>
+            <p:ph type="sldImg"/>
+          </p:nvPr>
+        </p:nvSpPr>
+        <p:spPr/>
+      </p:sp>
+      <p:sp>
+        <p:nvSpPr>
+          <p:cNvPr id="3" name="Notes Placeholder 2"/>
+          <p:cNvSpPr>
+            <a:spLocks noGrp="1"/>
+          </p:cNvSpPr>
+          <p:nvPr>
+            <p:ph type="body" idx="1"/>
+          </p:nvPr>
+        </p:nvSpPr>
+        <p:spPr/>
+        <p:txBody>
+          <a:bodyPr/>
+          <a:lstStyle/>
+          <a:p>
+            <a:endParaRPr lang="en-US" dirty="0"/>
+          </a:p>
+        </p:txBody>
+      </p:sp>
+      <p:sp>
+        <p:nvSpPr>
+          <p:cNvPr id="4" name="Slide Number Placeholder 3"/>
+          <p:cNvSpPr>
+            <a:spLocks noGrp="1"/>
+          </p:cNvSpPr>
+          <p:nvPr>
+            <p:ph type="sldNum" sz="quarter" idx="10"/>
+          </p:nvPr>
+        </p:nvSpPr>
+        <p:spPr/>
+        <p:txBody>
+          <a:bodyPr/>
+          <a:lstStyle/>
+          <a:p>
+            <a:fld id="{EFAF9F6D-6F5B-4492-B20A-F0EFDC100956}" type="slidenum">
+              <a:rPr lang="en-US" smtClean="0"/>
+              <a:t>9</a:t>
+            </a:fld>
+            <a:endParaRPr lang="en-US"/>
+          </a:p>
+        </p:txBody>
+      </p:sp>
+    </p:spTree>
+    <p:extLst>
+      <p:ext uri="{BB962C8B-B14F-4D97-AF65-F5344CB8AC3E}">
+        <p14:creationId xmlns:p14="http://schemas.microsoft.com/office/powerpoint/2010/main" val="570370417"/>
+      </p:ext>
+    </p:extLst>
+  </p:cSld>
+  <p:clrMapOvr>
+    <a:masterClrMapping/>
+  </p:clrMapOvr>
+</p:notes>
+</file>
+
+<file path=ppt/notesSlides/notesSlide5.xml><?xml version="1.0" encoding="utf-8"?>
+<p:notes xmlns:a="http://schemas.openxmlformats.org/drawingml/2006/main" xmlns:r="http://schemas.openxmlformats.org/officeDocument/2006/relationships" xmlns:p="http://schemas.openxmlformats.org/presentationml/2006/main">
+  <p:cSld>
+    <p:spTree>
+      <p:nvGrpSpPr>
+        <p:cNvPr id="1" name=""/>
+        <p:cNvGrpSpPr/>
+        <p:nvPr/>
+      </p:nvGrpSpPr>
+      <p:grpSpPr>
+        <a:xfrm>
+          <a:off x="0" y="0"/>
+          <a:ext cx="0" cy="0"/>
+          <a:chOff x="0" y="0"/>
+          <a:chExt cx="0" cy="0"/>
+        </a:xfrm>
+      </p:grpSpPr>
+      <p:sp>
+        <p:nvSpPr>
+          <p:cNvPr id="2" name="Slide Image Placeholder 1"/>
+          <p:cNvSpPr>
+            <a:spLocks noGrp="1" noRot="1" noChangeAspect="1"/>
+          </p:cNvSpPr>
+          <p:nvPr>
+            <p:ph type="sldImg"/>
+          </p:nvPr>
+        </p:nvSpPr>
+        <p:spPr/>
+      </p:sp>
+      <p:sp>
+        <p:nvSpPr>
+          <p:cNvPr id="3" name="Notes Placeholder 2"/>
+          <p:cNvSpPr>
+            <a:spLocks noGrp="1"/>
+          </p:cNvSpPr>
+          <p:nvPr>
+            <p:ph type="body" idx="1"/>
+          </p:nvPr>
+        </p:nvSpPr>
+        <p:spPr/>
+        <p:txBody>
+          <a:bodyPr/>
+          <a:lstStyle/>
+          <a:p>
+            <a:endParaRPr lang="en-US" dirty="0"/>
+          </a:p>
+        </p:txBody>
+      </p:sp>
+      <p:sp>
+        <p:nvSpPr>
+          <p:cNvPr id="4" name="Slide Number Placeholder 3"/>
+          <p:cNvSpPr>
+            <a:spLocks noGrp="1"/>
+          </p:cNvSpPr>
+          <p:nvPr>
+            <p:ph type="sldNum" sz="quarter" idx="10"/>
+          </p:nvPr>
+        </p:nvSpPr>
+        <p:spPr/>
+        <p:txBody>
+          <a:bodyPr/>
+          <a:lstStyle/>
+          <a:p>
+            <a:fld id="{EFAF9F6D-6F5B-4492-B20A-F0EFDC100956}" type="slidenum">
+              <a:rPr lang="en-US" smtClean="0"/>
+              <a:t>10</a:t>
+            </a:fld>
+            <a:endParaRPr lang="en-US"/>
+          </a:p>
+        </p:txBody>
+      </p:sp>
+    </p:spTree>
+    <p:extLst>
+      <p:ext uri="{BB962C8B-B14F-4D97-AF65-F5344CB8AC3E}">
+        <p14:creationId xmlns:p14="http://schemas.microsoft.com/office/powerpoint/2010/main" val="3630720042"/>
+      </p:ext>
+    </p:extLst>
+  </p:cSld>
+  <p:clrMapOvr>
+    <a:masterClrMapping/>
+  </p:clrMapOvr>
+</p:notes>
+</file>
+
+<file path=ppt/notesSlides/notesSlide6.xml><?xml version="1.0" encoding="utf-8"?>
+<p:notes xmlns:a="http://schemas.openxmlformats.org/drawingml/2006/main" xmlns:r="http://schemas.openxmlformats.org/officeDocument/2006/relationships" xmlns:p="http://schemas.openxmlformats.org/presentationml/2006/main">
+  <p:cSld>
+    <p:spTree>
+      <p:nvGrpSpPr>
+        <p:cNvPr id="1" name=""/>
+        <p:cNvGrpSpPr/>
+        <p:nvPr/>
+      </p:nvGrpSpPr>
+      <p:grpSpPr>
+        <a:xfrm>
+          <a:off x="0" y="0"/>
+          <a:ext cx="0" cy="0"/>
+          <a:chOff x="0" y="0"/>
+          <a:chExt cx="0" cy="0"/>
+        </a:xfrm>
+      </p:grpSpPr>
+      <p:sp>
+        <p:nvSpPr>
+          <p:cNvPr id="2" name="Slide Image Placeholder 1"/>
+          <p:cNvSpPr>
+            <a:spLocks noGrp="1" noRot="1" noChangeAspect="1"/>
+          </p:cNvSpPr>
+          <p:nvPr>
+            <p:ph type="sldImg"/>
+          </p:nvPr>
+        </p:nvSpPr>
+        <p:spPr/>
+      </p:sp>
+      <p:sp>
+        <p:nvSpPr>
+          <p:cNvPr id="3" name="Notes Placeholder 2"/>
+          <p:cNvSpPr>
+            <a:spLocks noGrp="1"/>
+          </p:cNvSpPr>
+          <p:nvPr>
+            <p:ph type="body" idx="1"/>
+          </p:nvPr>
+        </p:nvSpPr>
+        <p:spPr/>
+        <p:txBody>
+          <a:bodyPr/>
+          <a:lstStyle/>
+          <a:p>
+            <a:endParaRPr lang="en-US" dirty="0"/>
+          </a:p>
+        </p:txBody>
+      </p:sp>
+      <p:sp>
+        <p:nvSpPr>
+          <p:cNvPr id="4" name="Slide Number Placeholder 3"/>
+          <p:cNvSpPr>
+            <a:spLocks noGrp="1"/>
+          </p:cNvSpPr>
+          <p:nvPr>
+            <p:ph type="sldNum" sz="quarter" idx="10"/>
+          </p:nvPr>
+        </p:nvSpPr>
+        <p:spPr/>
+        <p:txBody>
+          <a:bodyPr/>
+          <a:lstStyle/>
+          <a:p>
+            <a:fld id="{EFAF9F6D-6F5B-4492-B20A-F0EFDC100956}" type="slidenum">
+              <a:rPr lang="en-US" smtClean="0"/>
+              <a:t>11</a:t>
+            </a:fld>
+            <a:endParaRPr lang="en-US"/>
+          </a:p>
+        </p:txBody>
+      </p:sp>
+    </p:spTree>
+    <p:extLst>
+      <p:ext uri="{BB962C8B-B14F-4D97-AF65-F5344CB8AC3E}">
+        <p14:creationId xmlns:p14="http://schemas.microsoft.com/office/powerpoint/2010/main" val="3569311689"/>
+      </p:ext>
+    </p:extLst>
+  </p:cSld>
+  <p:clrMapOvr>
+    <a:masterClrMapping/>
+  </p:clrMapOvr>
+</p:notes>
+</file>
+
+<file path=ppt/notesSlides/notesSlide7.xml><?xml version="1.0" encoding="utf-8"?>
+<p:notes xmlns:a="http://schemas.openxmlformats.org/drawingml/2006/main" xmlns:r="http://schemas.openxmlformats.org/officeDocument/2006/relationships" xmlns:p="http://schemas.openxmlformats.org/presentationml/2006/main">
+  <p:cSld>
+    <p:spTree>
+      <p:nvGrpSpPr>
+        <p:cNvPr id="1" name=""/>
+        <p:cNvGrpSpPr/>
+        <p:nvPr/>
+      </p:nvGrpSpPr>
+      <p:grpSpPr>
+        <a:xfrm>
+          <a:off x="0" y="0"/>
+          <a:ext cx="0" cy="0"/>
+          <a:chOff x="0" y="0"/>
+          <a:chExt cx="0" cy="0"/>
+        </a:xfrm>
+      </p:grpSpPr>
+      <p:sp>
+        <p:nvSpPr>
+          <p:cNvPr id="2" name="Slide Image Placeholder 1"/>
+          <p:cNvSpPr>
+            <a:spLocks noGrp="1" noRot="1" noChangeAspect="1"/>
+          </p:cNvSpPr>
+          <p:nvPr>
+            <p:ph type="sldImg"/>
+          </p:nvPr>
+        </p:nvSpPr>
+        <p:spPr/>
+      </p:sp>
+      <p:sp>
+        <p:nvSpPr>
+          <p:cNvPr id="3" name="Notes Placeholder 2"/>
+          <p:cNvSpPr>
+            <a:spLocks noGrp="1"/>
+          </p:cNvSpPr>
+          <p:nvPr>
+            <p:ph type="body" idx="1"/>
+          </p:nvPr>
+        </p:nvSpPr>
+        <p:spPr/>
+        <p:txBody>
+          <a:bodyPr/>
+          <a:lstStyle/>
+          <a:p>
+            <a:endParaRPr lang="en-US" dirty="0"/>
+          </a:p>
+        </p:txBody>
+      </p:sp>
+      <p:sp>
+        <p:nvSpPr>
+          <p:cNvPr id="4" name="Slide Number Placeholder 3"/>
+          <p:cNvSpPr>
+            <a:spLocks noGrp="1"/>
+          </p:cNvSpPr>
+          <p:nvPr>
+            <p:ph type="sldNum" sz="quarter" idx="10"/>
+          </p:nvPr>
+        </p:nvSpPr>
+        <p:spPr/>
+        <p:txBody>
+          <a:bodyPr/>
+          <a:lstStyle/>
+          <a:p>
+            <a:fld id="{EFAF9F6D-6F5B-4492-B20A-F0EFDC100956}" type="slidenum">
+              <a:rPr lang="en-US" smtClean="0"/>
+              <a:t>12</a:t>
+            </a:fld>
+            <a:endParaRPr lang="en-US"/>
+          </a:p>
+        </p:txBody>
+      </p:sp>
+    </p:spTree>
+    <p:extLst>
+      <p:ext uri="{BB962C8B-B14F-4D97-AF65-F5344CB8AC3E}">
+        <p14:creationId xmlns:p14="http://schemas.microsoft.com/office/powerpoint/2010/main" val="2267955867"/>
+      </p:ext>
+    </p:extLst>
+  </p:cSld>
+  <p:clrMapOvr>
+    <a:masterClrMapping/>
+  </p:clrMapOvr>
+</p:notes>
+</file>
+
+<file path=ppt/notesSlides/notesSlide8.xml><?xml version="1.0" encoding="utf-8"?>
+<p:notes xmlns:a="http://schemas.openxmlformats.org/drawingml/2006/main" xmlns:r="http://schemas.openxmlformats.org/officeDocument/2006/relationships" xmlns:p="http://schemas.openxmlformats.org/presentationml/2006/main">
+  <p:cSld>
+    <p:spTree>
+      <p:nvGrpSpPr>
+        <p:cNvPr id="1" name=""/>
+        <p:cNvGrpSpPr/>
+        <p:nvPr/>
+      </p:nvGrpSpPr>
+      <p:grpSpPr>
+        <a:xfrm>
+          <a:off x="0" y="0"/>
+          <a:ext cx="0" cy="0"/>
+          <a:chOff x="0" y="0"/>
+          <a:chExt cx="0" cy="0"/>
+        </a:xfrm>
+      </p:grpSpPr>
+      <p:sp>
+        <p:nvSpPr>
+          <p:cNvPr id="2" name="Slide Image Placeholder 1"/>
+          <p:cNvSpPr>
+            <a:spLocks noGrp="1" noRot="1" noChangeAspect="1"/>
+          </p:cNvSpPr>
+          <p:nvPr>
+            <p:ph type="sldImg"/>
+          </p:nvPr>
+        </p:nvSpPr>
+        <p:spPr/>
+      </p:sp>
+      <p:sp>
+        <p:nvSpPr>
+          <p:cNvPr id="3" name="Notes Placeholder 2"/>
+          <p:cNvSpPr>
+            <a:spLocks noGrp="1"/>
+          </p:cNvSpPr>
+          <p:nvPr>
+            <p:ph type="body" idx="1"/>
+          </p:nvPr>
+        </p:nvSpPr>
+        <p:spPr/>
+        <p:txBody>
+          <a:bodyPr/>
+          <a:lstStyle/>
+          <a:p>
+            <a:endParaRPr lang="en-US" dirty="0"/>
+          </a:p>
+        </p:txBody>
+      </p:sp>
+      <p:sp>
+        <p:nvSpPr>
+          <p:cNvPr id="4" name="Slide Number Placeholder 3"/>
+          <p:cNvSpPr>
+            <a:spLocks noGrp="1"/>
+          </p:cNvSpPr>
+          <p:nvPr>
+            <p:ph type="sldNum" sz="quarter" idx="10"/>
+          </p:nvPr>
+        </p:nvSpPr>
+        <p:spPr/>
+        <p:txBody>
+          <a:bodyPr/>
+          <a:lstStyle/>
+          <a:p>
+            <a:fld id="{EFAF9F6D-6F5B-4492-B20A-F0EFDC100956}" type="slidenum">
+              <a:rPr lang="en-US" smtClean="0"/>
+              <a:t>13</a:t>
+            </a:fld>
+            <a:endParaRPr lang="en-US"/>
+          </a:p>
+        </p:txBody>
+      </p:sp>
+    </p:spTree>
+    <p:extLst>
+      <p:ext uri="{BB962C8B-B14F-4D97-AF65-F5344CB8AC3E}">
+        <p14:creationId xmlns:p14="http://schemas.microsoft.com/office/powerpoint/2010/main" val="3557286393"/>
+      </p:ext>
+    </p:extLst>
+  </p:cSld>
+  <p:clrMapOvr>
+    <a:masterClrMapping/>
+  </p:clrMapOvr>
+</p:notes>
+</file>
+
+<file path=ppt/notesSlides/notesSlide9.xml><?xml version="1.0" encoding="utf-8"?>
+<p:notes xmlns:a="http://schemas.openxmlformats.org/drawingml/2006/main" xmlns:r="http://schemas.openxmlformats.org/officeDocument/2006/relationships" xmlns:p="http://schemas.openxmlformats.org/presentationml/2006/main">
+  <p:cSld>
+    <p:spTree>
+      <p:nvGrpSpPr>
+        <p:cNvPr id="1" name=""/>
+        <p:cNvGrpSpPr/>
+        <p:nvPr/>
+      </p:nvGrpSpPr>
+      <p:grpSpPr>
+        <a:xfrm>
+          <a:off x="0" y="0"/>
+          <a:ext cx="0" cy="0"/>
+          <a:chOff x="0" y="0"/>
+          <a:chExt cx="0" cy="0"/>
+        </a:xfrm>
+      </p:grpSpPr>
+      <p:sp>
+        <p:nvSpPr>
+          <p:cNvPr id="2" name="Slide Image Placeholder 1"/>
+          <p:cNvSpPr>
+            <a:spLocks noGrp="1" noRot="1" noChangeAspect="1"/>
+          </p:cNvSpPr>
+          <p:nvPr>
+            <p:ph type="sldImg"/>
+          </p:nvPr>
+        </p:nvSpPr>
+        <p:spPr/>
+      </p:sp>
+      <p:sp>
+        <p:nvSpPr>
+          <p:cNvPr id="3" name="Notes Placeholder 2"/>
+          <p:cNvSpPr>
+            <a:spLocks noGrp="1"/>
+          </p:cNvSpPr>
+          <p:nvPr>
+            <p:ph type="body" idx="1"/>
+          </p:nvPr>
+        </p:nvSpPr>
+        <p:spPr/>
+        <p:txBody>
+          <a:bodyPr/>
+          <a:lstStyle/>
+          <a:p>
+            <a:endParaRPr lang="en-US" dirty="0"/>
+          </a:p>
+        </p:txBody>
+      </p:sp>
+      <p:sp>
+        <p:nvSpPr>
+          <p:cNvPr id="4" name="Slide Number Placeholder 3"/>
+          <p:cNvSpPr>
+            <a:spLocks noGrp="1"/>
+          </p:cNvSpPr>
+          <p:nvPr>
+            <p:ph type="sldNum" sz="quarter" idx="10"/>
+          </p:nvPr>
+        </p:nvSpPr>
+        <p:spPr/>
+        <p:txBody>
+          <a:bodyPr/>
+          <a:lstStyle/>
+          <a:p>
+            <a:fld id="{EFAF9F6D-6F5B-4492-B20A-F0EFDC100956}" type="slidenum">
+              <a:rPr lang="en-US" smtClean="0"/>
+              <a:t>14</a:t>
+            </a:fld>
+            <a:endParaRPr lang="en-US"/>
+          </a:p>
+        </p:txBody>
+      </p:sp>
+    </p:spTree>
+    <p:extLst>
+      <p:ext uri="{BB962C8B-B14F-4D97-AF65-F5344CB8AC3E}">
+        <p14:creationId xmlns:p14="http://schemas.microsoft.com/office/powerpoint/2010/main" val="1968221454"/>
+      </p:ext>
+    </p:extLst>
+  </p:cSld>
+  <p:clrMapOvr>
+    <a:masterClrMapping/>
+  </p:clrMapOvr>
+</p:notes>
 </file>
 
 <file path=ppt/slideLayouts/slideLayout1.xml><?xml version="1.0" encoding="utf-8"?>
@@ -3498,6 +4263,967 @@
 </p:sld>
 </file>
 
+<file path=ppt/slides/slide10.xml><?xml version="1.0" encoding="utf-8"?>
+<p:sld xmlns:a="http://schemas.openxmlformats.org/drawingml/2006/main" xmlns:r="http://schemas.openxmlformats.org/officeDocument/2006/relationships" xmlns:p="http://schemas.openxmlformats.org/presentationml/2006/main">
+  <p:cSld>
+    <p:spTree>
+      <p:nvGrpSpPr>
+        <p:cNvPr id="1" name=""/>
+        <p:cNvGrpSpPr/>
+        <p:nvPr/>
+      </p:nvGrpSpPr>
+      <p:grpSpPr>
+        <a:xfrm>
+          <a:off x="0" y="0"/>
+          <a:ext cx="0" cy="0"/>
+          <a:chOff x="0" y="0"/>
+          <a:chExt cx="0" cy="0"/>
+        </a:xfrm>
+      </p:grpSpPr>
+      <p:sp>
+        <p:nvSpPr>
+          <p:cNvPr id="5" name="TextBox 4"/>
+          <p:cNvSpPr txBox="1"/>
+          <p:nvPr/>
+        </p:nvSpPr>
+        <p:spPr>
+          <a:xfrm>
+            <a:off x="-1" y="0"/>
+            <a:ext cx="8984343" cy="954107"/>
+          </a:xfrm>
+          <a:prstGeom prst="rect">
+            <a:avLst/>
+          </a:prstGeom>
+        </p:spPr>
+        <p:txBody>
+          <a:bodyPr wrap="square" rtlCol="0">
+            <a:spAutoFit/>
+          </a:bodyPr>
+          <a:lstStyle/>
+          <a:p>
+            <a:r>
+              <a:rPr lang="en-US" sz="2800" dirty="0">
+                <a:solidFill>
+                  <a:srgbClr val="002060"/>
+                </a:solidFill>
+              </a:rPr>
+              <a:t>Step #9: Build the circuitry to decode the instruction + create the control signals</a:t>
+            </a:r>
+          </a:p>
+        </p:txBody>
+      </p:sp>
+      <p:pic>
+        <p:nvPicPr>
+          <p:cNvPr id="3" name="Picture 2">
+            <a:extLst>
+              <a:ext uri="{FF2B5EF4-FFF2-40B4-BE49-F238E27FC236}">
+                <a16:creationId xmlns:a16="http://schemas.microsoft.com/office/drawing/2014/main" id="{4E6D321C-4C41-42FA-8DD2-8AEE6865C4AE}"/>
+              </a:ext>
+            </a:extLst>
+          </p:cNvPr>
+          <p:cNvPicPr>
+            <a:picLocks noChangeAspect="1"/>
+          </p:cNvPicPr>
+          <p:nvPr/>
+        </p:nvPicPr>
+        <p:blipFill>
+          <a:blip r:embed="rId3"/>
+          <a:stretch>
+            <a:fillRect/>
+          </a:stretch>
+        </p:blipFill>
+        <p:spPr>
+          <a:xfrm>
+            <a:off x="304799" y="1460175"/>
+            <a:ext cx="5149424" cy="2062688"/>
+          </a:xfrm>
+          <a:prstGeom prst="rect">
+            <a:avLst/>
+          </a:prstGeom>
+        </p:spPr>
+      </p:pic>
+      <p:sp>
+        <p:nvSpPr>
+          <p:cNvPr id="4" name="TextBox 3">
+            <a:extLst>
+              <a:ext uri="{FF2B5EF4-FFF2-40B4-BE49-F238E27FC236}">
+                <a16:creationId xmlns:a16="http://schemas.microsoft.com/office/drawing/2014/main" id="{544D9D51-F2AF-4DC7-9280-ACB64598CB3C}"/>
+              </a:ext>
+            </a:extLst>
+          </p:cNvPr>
+          <p:cNvSpPr txBox="1"/>
+          <p:nvPr/>
+        </p:nvSpPr>
+        <p:spPr>
+          <a:xfrm>
+            <a:off x="157740" y="979445"/>
+            <a:ext cx="5152571" cy="430887"/>
+          </a:xfrm>
+          <a:prstGeom prst="rect">
+            <a:avLst/>
+          </a:prstGeom>
+          <a:noFill/>
+        </p:spPr>
+        <p:txBody>
+          <a:bodyPr wrap="square" rtlCol="0">
+            <a:spAutoFit/>
+          </a:bodyPr>
+          <a:lstStyle/>
+          <a:p>
+            <a:r>
+              <a:rPr lang="en-US" sz="2200" dirty="0"/>
+              <a:t>A figure is provided for you: </a:t>
+            </a:r>
+          </a:p>
+        </p:txBody>
+      </p:sp>
+      <p:sp>
+        <p:nvSpPr>
+          <p:cNvPr id="9" name="TextBox 8">
+            <a:extLst>
+              <a:ext uri="{FF2B5EF4-FFF2-40B4-BE49-F238E27FC236}">
+                <a16:creationId xmlns:a16="http://schemas.microsoft.com/office/drawing/2014/main" id="{3887113F-BABE-4611-919F-1B3D9FDFE7ED}"/>
+              </a:ext>
+            </a:extLst>
+          </p:cNvPr>
+          <p:cNvSpPr txBox="1"/>
+          <p:nvPr/>
+        </p:nvSpPr>
+        <p:spPr>
+          <a:xfrm>
+            <a:off x="5862198" y="1014484"/>
+            <a:ext cx="2823028" cy="5016758"/>
+          </a:xfrm>
+          <a:prstGeom prst="rect">
+            <a:avLst/>
+          </a:prstGeom>
+          <a:noFill/>
+        </p:spPr>
+        <p:txBody>
+          <a:bodyPr wrap="square" rtlCol="0">
+            <a:spAutoFit/>
+          </a:bodyPr>
+          <a:lstStyle/>
+          <a:p>
+            <a:r>
+              <a:rPr lang="en-US" sz="2000" dirty="0">
+                <a:solidFill>
+                  <a:srgbClr val="0070C0"/>
+                </a:solidFill>
+              </a:rPr>
+              <a:t>This circuit will take the 4 input bits of the opcode, and map them onto a two-bit input for the </a:t>
+            </a:r>
+            <a:r>
+              <a:rPr lang="en-US" sz="2000" dirty="0" err="1">
+                <a:solidFill>
+                  <a:srgbClr val="0070C0"/>
+                </a:solidFill>
+              </a:rPr>
+              <a:t>ALUop</a:t>
+            </a:r>
+            <a:r>
+              <a:rPr lang="en-US" sz="2000" dirty="0">
+                <a:solidFill>
+                  <a:srgbClr val="0070C0"/>
+                </a:solidFill>
+              </a:rPr>
+              <a:t> MUX, and a 1 bit input to decide whether to write the immediate value or ALU output to the register file.</a:t>
+            </a:r>
+          </a:p>
+          <a:p>
+            <a:endParaRPr lang="en-US" sz="2000" dirty="0">
+              <a:solidFill>
+                <a:srgbClr val="0070C0"/>
+              </a:solidFill>
+            </a:endParaRPr>
+          </a:p>
+          <a:p>
+            <a:r>
+              <a:rPr lang="en-US" sz="2000" dirty="0">
+                <a:solidFill>
+                  <a:srgbClr val="0070C0"/>
+                </a:solidFill>
+              </a:rPr>
+              <a:t>The circuit can be derived by finding the logical expression for the truth table mapping the opcodes to the desired MUX inputs.</a:t>
+            </a:r>
+          </a:p>
+        </p:txBody>
+      </p:sp>
+      <p:pic>
+        <p:nvPicPr>
+          <p:cNvPr id="10" name="Picture 9">
+            <a:extLst>
+              <a:ext uri="{FF2B5EF4-FFF2-40B4-BE49-F238E27FC236}">
+                <a16:creationId xmlns:a16="http://schemas.microsoft.com/office/drawing/2014/main" id="{CE63D47A-141E-454B-AF62-1E127DD41FD9}"/>
+              </a:ext>
+            </a:extLst>
+          </p:cNvPr>
+          <p:cNvPicPr>
+            <a:picLocks noChangeAspect="1"/>
+          </p:cNvPicPr>
+          <p:nvPr/>
+        </p:nvPicPr>
+        <p:blipFill rotWithShape="1">
+          <a:blip r:embed="rId4"/>
+          <a:srcRect r="7793"/>
+          <a:stretch/>
+        </p:blipFill>
+        <p:spPr>
+          <a:xfrm>
+            <a:off x="-1" y="3780010"/>
+            <a:ext cx="5468055" cy="954107"/>
+          </a:xfrm>
+          <a:prstGeom prst="rect">
+            <a:avLst/>
+          </a:prstGeom>
+        </p:spPr>
+      </p:pic>
+      <p:pic>
+        <p:nvPicPr>
+          <p:cNvPr id="11" name="Picture 10">
+            <a:extLst>
+              <a:ext uri="{FF2B5EF4-FFF2-40B4-BE49-F238E27FC236}">
+                <a16:creationId xmlns:a16="http://schemas.microsoft.com/office/drawing/2014/main" id="{199011F2-6104-4640-8A57-AD5623347DD0}"/>
+              </a:ext>
+            </a:extLst>
+          </p:cNvPr>
+          <p:cNvPicPr>
+            <a:picLocks noChangeAspect="1"/>
+          </p:cNvPicPr>
+          <p:nvPr/>
+        </p:nvPicPr>
+        <p:blipFill>
+          <a:blip r:embed="rId5"/>
+          <a:stretch>
+            <a:fillRect/>
+          </a:stretch>
+        </p:blipFill>
+        <p:spPr>
+          <a:xfrm>
+            <a:off x="157740" y="4734117"/>
+            <a:ext cx="4159794" cy="1789909"/>
+          </a:xfrm>
+          <a:prstGeom prst="rect">
+            <a:avLst/>
+          </a:prstGeom>
+        </p:spPr>
+      </p:pic>
+    </p:spTree>
+    <p:extLst>
+      <p:ext uri="{BB962C8B-B14F-4D97-AF65-F5344CB8AC3E}">
+        <p14:creationId xmlns:p14="http://schemas.microsoft.com/office/powerpoint/2010/main" val="1432174485"/>
+      </p:ext>
+    </p:extLst>
+  </p:cSld>
+  <p:clrMapOvr>
+    <a:masterClrMapping/>
+  </p:clrMapOvr>
+</p:sld>
+</file>
+
+<file path=ppt/slides/slide11.xml><?xml version="1.0" encoding="utf-8"?>
+<p:sld xmlns:a="http://schemas.openxmlformats.org/drawingml/2006/main" xmlns:r="http://schemas.openxmlformats.org/officeDocument/2006/relationships" xmlns:p="http://schemas.openxmlformats.org/presentationml/2006/main">
+  <p:cSld>
+    <p:spTree>
+      <p:nvGrpSpPr>
+        <p:cNvPr id="1" name=""/>
+        <p:cNvGrpSpPr/>
+        <p:nvPr/>
+      </p:nvGrpSpPr>
+      <p:grpSpPr>
+        <a:xfrm>
+          <a:off x="0" y="0"/>
+          <a:ext cx="0" cy="0"/>
+          <a:chOff x="0" y="0"/>
+          <a:chExt cx="0" cy="0"/>
+        </a:xfrm>
+      </p:grpSpPr>
+      <p:sp>
+        <p:nvSpPr>
+          <p:cNvPr id="5" name="TextBox 4"/>
+          <p:cNvSpPr txBox="1"/>
+          <p:nvPr/>
+        </p:nvSpPr>
+        <p:spPr>
+          <a:xfrm>
+            <a:off x="-1" y="0"/>
+            <a:ext cx="8984343" cy="954107"/>
+          </a:xfrm>
+          <a:prstGeom prst="rect">
+            <a:avLst/>
+          </a:prstGeom>
+        </p:spPr>
+        <p:txBody>
+          <a:bodyPr wrap="square" rtlCol="0">
+            <a:spAutoFit/>
+          </a:bodyPr>
+          <a:lstStyle/>
+          <a:p>
+            <a:r>
+              <a:rPr lang="en-US" sz="2800" dirty="0">
+                <a:solidFill>
+                  <a:srgbClr val="002060"/>
+                </a:solidFill>
+              </a:rPr>
+              <a:t>Step #10: Build the circuitry to decode the instruction + create the control signals</a:t>
+            </a:r>
+          </a:p>
+        </p:txBody>
+      </p:sp>
+      <p:pic>
+        <p:nvPicPr>
+          <p:cNvPr id="3" name="Picture 2">
+            <a:extLst>
+              <a:ext uri="{FF2B5EF4-FFF2-40B4-BE49-F238E27FC236}">
+                <a16:creationId xmlns:a16="http://schemas.microsoft.com/office/drawing/2014/main" id="{4E6D321C-4C41-42FA-8DD2-8AEE6865C4AE}"/>
+              </a:ext>
+            </a:extLst>
+          </p:cNvPr>
+          <p:cNvPicPr>
+            <a:picLocks noChangeAspect="1"/>
+          </p:cNvPicPr>
+          <p:nvPr/>
+        </p:nvPicPr>
+        <p:blipFill>
+          <a:blip r:embed="rId3"/>
+          <a:stretch>
+            <a:fillRect/>
+          </a:stretch>
+        </p:blipFill>
+        <p:spPr>
+          <a:xfrm>
+            <a:off x="304799" y="1460175"/>
+            <a:ext cx="5149424" cy="2062688"/>
+          </a:xfrm>
+          <a:prstGeom prst="rect">
+            <a:avLst/>
+          </a:prstGeom>
+        </p:spPr>
+      </p:pic>
+      <p:sp>
+        <p:nvSpPr>
+          <p:cNvPr id="4" name="TextBox 3">
+            <a:extLst>
+              <a:ext uri="{FF2B5EF4-FFF2-40B4-BE49-F238E27FC236}">
+                <a16:creationId xmlns:a16="http://schemas.microsoft.com/office/drawing/2014/main" id="{544D9D51-F2AF-4DC7-9280-ACB64598CB3C}"/>
+              </a:ext>
+            </a:extLst>
+          </p:cNvPr>
+          <p:cNvSpPr txBox="1"/>
+          <p:nvPr/>
+        </p:nvSpPr>
+        <p:spPr>
+          <a:xfrm>
+            <a:off x="157740" y="979445"/>
+            <a:ext cx="5152571" cy="430887"/>
+          </a:xfrm>
+          <a:prstGeom prst="rect">
+            <a:avLst/>
+          </a:prstGeom>
+          <a:noFill/>
+        </p:spPr>
+        <p:txBody>
+          <a:bodyPr wrap="square" rtlCol="0">
+            <a:spAutoFit/>
+          </a:bodyPr>
+          <a:lstStyle/>
+          <a:p>
+            <a:r>
+              <a:rPr lang="en-US" sz="2200" dirty="0"/>
+              <a:t>A figure is provided for you: </a:t>
+            </a:r>
+          </a:p>
+        </p:txBody>
+      </p:sp>
+      <p:sp>
+        <p:nvSpPr>
+          <p:cNvPr id="9" name="TextBox 8">
+            <a:extLst>
+              <a:ext uri="{FF2B5EF4-FFF2-40B4-BE49-F238E27FC236}">
+                <a16:creationId xmlns:a16="http://schemas.microsoft.com/office/drawing/2014/main" id="{3887113F-BABE-4611-919F-1B3D9FDFE7ED}"/>
+              </a:ext>
+            </a:extLst>
+          </p:cNvPr>
+          <p:cNvSpPr txBox="1"/>
+          <p:nvPr/>
+        </p:nvSpPr>
+        <p:spPr>
+          <a:xfrm>
+            <a:off x="5862198" y="1014484"/>
+            <a:ext cx="2823028" cy="5016758"/>
+          </a:xfrm>
+          <a:prstGeom prst="rect">
+            <a:avLst/>
+          </a:prstGeom>
+          <a:noFill/>
+        </p:spPr>
+        <p:txBody>
+          <a:bodyPr wrap="square" rtlCol="0">
+            <a:spAutoFit/>
+          </a:bodyPr>
+          <a:lstStyle/>
+          <a:p>
+            <a:r>
+              <a:rPr lang="en-US" sz="2000" dirty="0">
+                <a:solidFill>
+                  <a:srgbClr val="0070C0"/>
+                </a:solidFill>
+              </a:rPr>
+              <a:t>This circuit will take the 4 input bits of the opcode, and map them onto a two-bit input for the </a:t>
+            </a:r>
+            <a:r>
+              <a:rPr lang="en-US" sz="2000" dirty="0" err="1">
+                <a:solidFill>
+                  <a:srgbClr val="0070C0"/>
+                </a:solidFill>
+              </a:rPr>
+              <a:t>ALUop</a:t>
+            </a:r>
+            <a:r>
+              <a:rPr lang="en-US" sz="2000" dirty="0">
+                <a:solidFill>
+                  <a:srgbClr val="0070C0"/>
+                </a:solidFill>
+              </a:rPr>
+              <a:t> MUX, and a 1 bit input to decide whether to write the immediate value or ALU output to the register file.</a:t>
+            </a:r>
+          </a:p>
+          <a:p>
+            <a:endParaRPr lang="en-US" sz="2000" dirty="0">
+              <a:solidFill>
+                <a:srgbClr val="0070C0"/>
+              </a:solidFill>
+            </a:endParaRPr>
+          </a:p>
+          <a:p>
+            <a:r>
+              <a:rPr lang="en-US" sz="2000" dirty="0">
+                <a:solidFill>
+                  <a:srgbClr val="0070C0"/>
+                </a:solidFill>
+              </a:rPr>
+              <a:t>The circuit can be derived by finding the logical expression for the truth table mapping the opcodes to the desired MUX inputs.</a:t>
+            </a:r>
+          </a:p>
+        </p:txBody>
+      </p:sp>
+      <p:pic>
+        <p:nvPicPr>
+          <p:cNvPr id="10" name="Picture 9">
+            <a:extLst>
+              <a:ext uri="{FF2B5EF4-FFF2-40B4-BE49-F238E27FC236}">
+                <a16:creationId xmlns:a16="http://schemas.microsoft.com/office/drawing/2014/main" id="{CE63D47A-141E-454B-AF62-1E127DD41FD9}"/>
+              </a:ext>
+            </a:extLst>
+          </p:cNvPr>
+          <p:cNvPicPr>
+            <a:picLocks noChangeAspect="1"/>
+          </p:cNvPicPr>
+          <p:nvPr/>
+        </p:nvPicPr>
+        <p:blipFill rotWithShape="1">
+          <a:blip r:embed="rId4"/>
+          <a:srcRect r="7793"/>
+          <a:stretch/>
+        </p:blipFill>
+        <p:spPr>
+          <a:xfrm>
+            <a:off x="-1" y="3780010"/>
+            <a:ext cx="5468055" cy="954107"/>
+          </a:xfrm>
+          <a:prstGeom prst="rect">
+            <a:avLst/>
+          </a:prstGeom>
+        </p:spPr>
+      </p:pic>
+      <p:pic>
+        <p:nvPicPr>
+          <p:cNvPr id="11" name="Picture 10">
+            <a:extLst>
+              <a:ext uri="{FF2B5EF4-FFF2-40B4-BE49-F238E27FC236}">
+                <a16:creationId xmlns:a16="http://schemas.microsoft.com/office/drawing/2014/main" id="{199011F2-6104-4640-8A57-AD5623347DD0}"/>
+              </a:ext>
+            </a:extLst>
+          </p:cNvPr>
+          <p:cNvPicPr>
+            <a:picLocks noChangeAspect="1"/>
+          </p:cNvPicPr>
+          <p:nvPr/>
+        </p:nvPicPr>
+        <p:blipFill>
+          <a:blip r:embed="rId5"/>
+          <a:stretch>
+            <a:fillRect/>
+          </a:stretch>
+        </p:blipFill>
+        <p:spPr>
+          <a:xfrm>
+            <a:off x="157740" y="4734117"/>
+            <a:ext cx="4159794" cy="1789909"/>
+          </a:xfrm>
+          <a:prstGeom prst="rect">
+            <a:avLst/>
+          </a:prstGeom>
+        </p:spPr>
+      </p:pic>
+    </p:spTree>
+    <p:extLst>
+      <p:ext uri="{BB962C8B-B14F-4D97-AF65-F5344CB8AC3E}">
+        <p14:creationId xmlns:p14="http://schemas.microsoft.com/office/powerpoint/2010/main" val="3289277431"/>
+      </p:ext>
+    </p:extLst>
+  </p:cSld>
+  <p:clrMapOvr>
+    <a:masterClrMapping/>
+  </p:clrMapOvr>
+</p:sld>
+</file>
+
+<file path=ppt/slides/slide12.xml><?xml version="1.0" encoding="utf-8"?>
+<p:sld xmlns:a="http://schemas.openxmlformats.org/drawingml/2006/main" xmlns:r="http://schemas.openxmlformats.org/officeDocument/2006/relationships" xmlns:p="http://schemas.openxmlformats.org/presentationml/2006/main">
+  <p:cSld>
+    <p:spTree>
+      <p:nvGrpSpPr>
+        <p:cNvPr id="1" name=""/>
+        <p:cNvGrpSpPr/>
+        <p:nvPr/>
+      </p:nvGrpSpPr>
+      <p:grpSpPr>
+        <a:xfrm>
+          <a:off x="0" y="0"/>
+          <a:ext cx="0" cy="0"/>
+          <a:chOff x="0" y="0"/>
+          <a:chExt cx="0" cy="0"/>
+        </a:xfrm>
+      </p:grpSpPr>
+      <p:sp>
+        <p:nvSpPr>
+          <p:cNvPr id="5" name="TextBox 4"/>
+          <p:cNvSpPr txBox="1"/>
+          <p:nvPr/>
+        </p:nvSpPr>
+        <p:spPr>
+          <a:xfrm>
+            <a:off x="-1" y="0"/>
+            <a:ext cx="8984343" cy="523220"/>
+          </a:xfrm>
+          <a:prstGeom prst="rect">
+            <a:avLst/>
+          </a:prstGeom>
+        </p:spPr>
+        <p:txBody>
+          <a:bodyPr wrap="square" rtlCol="0">
+            <a:spAutoFit/>
+          </a:bodyPr>
+          <a:lstStyle/>
+          <a:p>
+            <a:r>
+              <a:rPr lang="en-US" sz="2800" dirty="0">
+                <a:solidFill>
+                  <a:srgbClr val="002060"/>
+                </a:solidFill>
+              </a:rPr>
+              <a:t>Steps #10-12: Wire the remaining components together</a:t>
+            </a:r>
+          </a:p>
+        </p:txBody>
+      </p:sp>
+      <p:sp>
+        <p:nvSpPr>
+          <p:cNvPr id="2" name="TextBox 1">
+            <a:extLst>
+              <a:ext uri="{FF2B5EF4-FFF2-40B4-BE49-F238E27FC236}">
+                <a16:creationId xmlns:a16="http://schemas.microsoft.com/office/drawing/2014/main" id="{FFDEC25B-079B-4F13-A699-4AA43F44F051}"/>
+              </a:ext>
+            </a:extLst>
+          </p:cNvPr>
+          <p:cNvSpPr txBox="1"/>
+          <p:nvPr/>
+        </p:nvSpPr>
+        <p:spPr>
+          <a:xfrm>
+            <a:off x="319313" y="899886"/>
+            <a:ext cx="6952343" cy="3785652"/>
+          </a:xfrm>
+          <a:prstGeom prst="rect">
+            <a:avLst/>
+          </a:prstGeom>
+          <a:noFill/>
+        </p:spPr>
+        <p:txBody>
+          <a:bodyPr wrap="square" rtlCol="0">
+            <a:spAutoFit/>
+          </a:bodyPr>
+          <a:lstStyle/>
+          <a:p>
+            <a:pPr marL="457200" indent="-457200">
+              <a:buFont typeface="+mj-lt"/>
+              <a:buAutoNum type="arabicPeriod"/>
+            </a:pPr>
+            <a:r>
+              <a:rPr lang="en-US" sz="2400" dirty="0"/>
+              <a:t>Inputs/outputs/selection signals to the appropriate pins</a:t>
+            </a:r>
+          </a:p>
+          <a:p>
+            <a:pPr marL="457200" indent="-457200">
+              <a:buFont typeface="+mj-lt"/>
+              <a:buAutoNum type="arabicPeriod"/>
+            </a:pPr>
+            <a:endParaRPr lang="en-US" sz="2400" dirty="0"/>
+          </a:p>
+          <a:p>
+            <a:pPr marL="457200" indent="-457200">
+              <a:buFont typeface="+mj-lt"/>
+              <a:buAutoNum type="arabicPeriod"/>
+            </a:pPr>
+            <a:r>
+              <a:rPr lang="en-US" sz="2400" dirty="0"/>
+              <a:t>Use the $r subfield (from the splitter), combined with logic gates, to write to the appropriate register (note writes occur on every cycle).</a:t>
+            </a:r>
+          </a:p>
+          <a:p>
+            <a:pPr marL="457200" indent="-457200">
+              <a:buFont typeface="+mj-lt"/>
+              <a:buAutoNum type="arabicPeriod"/>
+            </a:pPr>
+            <a:endParaRPr lang="en-US" sz="2400" dirty="0"/>
+          </a:p>
+          <a:p>
+            <a:pPr marL="457200" indent="-457200">
+              <a:buFont typeface="+mj-lt"/>
+              <a:buAutoNum type="arabicPeriod"/>
+            </a:pPr>
+            <a:r>
+              <a:rPr lang="en-US" sz="2400" dirty="0"/>
+              <a:t>Add the clock + connect it to all the registers</a:t>
+            </a:r>
+          </a:p>
+          <a:p>
+            <a:pPr marL="457200" indent="-457200">
+              <a:buFont typeface="+mj-lt"/>
+              <a:buAutoNum type="arabicPeriod"/>
+            </a:pPr>
+            <a:endParaRPr lang="en-US" sz="2400" dirty="0"/>
+          </a:p>
+          <a:p>
+            <a:pPr marL="457200" indent="-457200">
+              <a:buFont typeface="+mj-lt"/>
+              <a:buAutoNum type="arabicPeriod"/>
+            </a:pPr>
+            <a:endParaRPr lang="en-US" sz="2400" dirty="0"/>
+          </a:p>
+        </p:txBody>
+      </p:sp>
+    </p:spTree>
+    <p:extLst>
+      <p:ext uri="{BB962C8B-B14F-4D97-AF65-F5344CB8AC3E}">
+        <p14:creationId xmlns:p14="http://schemas.microsoft.com/office/powerpoint/2010/main" val="800222025"/>
+      </p:ext>
+    </p:extLst>
+  </p:cSld>
+  <p:clrMapOvr>
+    <a:masterClrMapping/>
+  </p:clrMapOvr>
+</p:sld>
+</file>
+
+<file path=ppt/slides/slide13.xml><?xml version="1.0" encoding="utf-8"?>
+<p:sld xmlns:a="http://schemas.openxmlformats.org/drawingml/2006/main" xmlns:r="http://schemas.openxmlformats.org/officeDocument/2006/relationships" xmlns:p="http://schemas.openxmlformats.org/presentationml/2006/main">
+  <p:cSld>
+    <p:spTree>
+      <p:nvGrpSpPr>
+        <p:cNvPr id="1" name=""/>
+        <p:cNvGrpSpPr/>
+        <p:nvPr/>
+      </p:nvGrpSpPr>
+      <p:grpSpPr>
+        <a:xfrm>
+          <a:off x="0" y="0"/>
+          <a:ext cx="0" cy="0"/>
+          <a:chOff x="0" y="0"/>
+          <a:chExt cx="0" cy="0"/>
+        </a:xfrm>
+      </p:grpSpPr>
+      <p:sp>
+        <p:nvSpPr>
+          <p:cNvPr id="5" name="TextBox 4"/>
+          <p:cNvSpPr txBox="1"/>
+          <p:nvPr/>
+        </p:nvSpPr>
+        <p:spPr>
+          <a:xfrm>
+            <a:off x="-1" y="0"/>
+            <a:ext cx="8984343" cy="523220"/>
+          </a:xfrm>
+          <a:prstGeom prst="rect">
+            <a:avLst/>
+          </a:prstGeom>
+        </p:spPr>
+        <p:txBody>
+          <a:bodyPr wrap="square" rtlCol="0">
+            <a:spAutoFit/>
+          </a:bodyPr>
+          <a:lstStyle/>
+          <a:p>
+            <a:r>
+              <a:rPr lang="en-US" sz="2800" dirty="0">
+                <a:solidFill>
+                  <a:srgbClr val="002060"/>
+                </a:solidFill>
+              </a:rPr>
+              <a:t>Steps 13-14: Test</a:t>
+            </a:r>
+          </a:p>
+        </p:txBody>
+      </p:sp>
+      <p:sp>
+        <p:nvSpPr>
+          <p:cNvPr id="2" name="TextBox 1">
+            <a:extLst>
+              <a:ext uri="{FF2B5EF4-FFF2-40B4-BE49-F238E27FC236}">
+                <a16:creationId xmlns:a16="http://schemas.microsoft.com/office/drawing/2014/main" id="{FFDEC25B-079B-4F13-A699-4AA43F44F051}"/>
+              </a:ext>
+            </a:extLst>
+          </p:cNvPr>
+          <p:cNvSpPr txBox="1"/>
+          <p:nvPr/>
+        </p:nvSpPr>
+        <p:spPr>
+          <a:xfrm>
+            <a:off x="319313" y="899886"/>
+            <a:ext cx="6952343" cy="3785652"/>
+          </a:xfrm>
+          <a:prstGeom prst="rect">
+            <a:avLst/>
+          </a:prstGeom>
+          <a:noFill/>
+        </p:spPr>
+        <p:txBody>
+          <a:bodyPr wrap="square" rtlCol="0">
+            <a:spAutoFit/>
+          </a:bodyPr>
+          <a:lstStyle/>
+          <a:p>
+            <a:pPr marL="457200" indent="-457200">
+              <a:buFont typeface="+mj-lt"/>
+              <a:buAutoNum type="arabicPeriod"/>
+            </a:pPr>
+            <a:r>
+              <a:rPr lang="en-US" sz="2400" dirty="0"/>
+              <a:t>Add some instructions to the first few entries of the ROM</a:t>
+            </a:r>
+          </a:p>
+          <a:p>
+            <a:pPr marL="914400" lvl="1" indent="-457200">
+              <a:buFont typeface="Arial" panose="020B0604020202020204" pitchFamily="34" charset="0"/>
+              <a:buChar char="•"/>
+            </a:pPr>
+            <a:r>
+              <a:rPr lang="en-US" sz="2400" dirty="0"/>
+              <a:t>You’ll need to get the equivalent hex representation for each instruction</a:t>
+            </a:r>
+          </a:p>
+          <a:p>
+            <a:pPr marL="914400" lvl="1" indent="-457200">
+              <a:buFont typeface="Arial" panose="020B0604020202020204" pitchFamily="34" charset="0"/>
+              <a:buChar char="•"/>
+            </a:pPr>
+            <a:endParaRPr lang="en-US" sz="2400" dirty="0"/>
+          </a:p>
+          <a:p>
+            <a:pPr marL="457200" indent="-457200">
+              <a:buFont typeface="+mj-lt"/>
+              <a:buAutoNum type="arabicPeriod"/>
+            </a:pPr>
+            <a:r>
+              <a:rPr lang="en-US" sz="2400" dirty="0"/>
+              <a:t>Use “Simulation Enabled” in the Simulate menu to automate the clock and watch the processor work.</a:t>
+            </a:r>
+          </a:p>
+          <a:p>
+            <a:pPr marL="457200" indent="-457200">
+              <a:buFont typeface="+mj-lt"/>
+              <a:buAutoNum type="arabicPeriod"/>
+            </a:pPr>
+            <a:endParaRPr lang="en-US" sz="2400" dirty="0"/>
+          </a:p>
+          <a:p>
+            <a:pPr marL="457200" indent="-457200">
+              <a:buFont typeface="+mj-lt"/>
+              <a:buAutoNum type="arabicPeriod"/>
+            </a:pPr>
+            <a:endParaRPr lang="en-US" sz="2400" dirty="0"/>
+          </a:p>
+          <a:p>
+            <a:pPr marL="457200" indent="-457200">
+              <a:buFont typeface="+mj-lt"/>
+              <a:buAutoNum type="arabicPeriod"/>
+            </a:pPr>
+            <a:endParaRPr lang="en-US" sz="2400" dirty="0"/>
+          </a:p>
+        </p:txBody>
+      </p:sp>
+    </p:spTree>
+    <p:extLst>
+      <p:ext uri="{BB962C8B-B14F-4D97-AF65-F5344CB8AC3E}">
+        <p14:creationId xmlns:p14="http://schemas.microsoft.com/office/powerpoint/2010/main" val="227358084"/>
+      </p:ext>
+    </p:extLst>
+  </p:cSld>
+  <p:clrMapOvr>
+    <a:masterClrMapping/>
+  </p:clrMapOvr>
+</p:sld>
+</file>
+
+<file path=ppt/slides/slide14.xml><?xml version="1.0" encoding="utf-8"?>
+<p:sld xmlns:a="http://schemas.openxmlformats.org/drawingml/2006/main" xmlns:r="http://schemas.openxmlformats.org/officeDocument/2006/relationships" xmlns:p="http://schemas.openxmlformats.org/presentationml/2006/main">
+  <p:cSld>
+    <p:spTree>
+      <p:nvGrpSpPr>
+        <p:cNvPr id="1" name=""/>
+        <p:cNvGrpSpPr/>
+        <p:nvPr/>
+      </p:nvGrpSpPr>
+      <p:grpSpPr>
+        <a:xfrm>
+          <a:off x="0" y="0"/>
+          <a:ext cx="0" cy="0"/>
+          <a:chOff x="0" y="0"/>
+          <a:chExt cx="0" cy="0"/>
+        </a:xfrm>
+      </p:grpSpPr>
+      <p:sp>
+        <p:nvSpPr>
+          <p:cNvPr id="5" name="TextBox 4"/>
+          <p:cNvSpPr txBox="1"/>
+          <p:nvPr/>
+        </p:nvSpPr>
+        <p:spPr>
+          <a:xfrm>
+            <a:off x="-1" y="0"/>
+            <a:ext cx="8984343" cy="523220"/>
+          </a:xfrm>
+          <a:prstGeom prst="rect">
+            <a:avLst/>
+          </a:prstGeom>
+        </p:spPr>
+        <p:txBody>
+          <a:bodyPr wrap="square" rtlCol="0">
+            <a:spAutoFit/>
+          </a:bodyPr>
+          <a:lstStyle/>
+          <a:p>
+            <a:r>
+              <a:rPr lang="en-US" sz="2800" dirty="0">
+                <a:solidFill>
+                  <a:srgbClr val="002060"/>
+                </a:solidFill>
+              </a:rPr>
+              <a:t>Demo during class</a:t>
+            </a:r>
+          </a:p>
+        </p:txBody>
+      </p:sp>
+      <p:sp>
+        <p:nvSpPr>
+          <p:cNvPr id="2" name="TextBox 1">
+            <a:extLst>
+              <a:ext uri="{FF2B5EF4-FFF2-40B4-BE49-F238E27FC236}">
+                <a16:creationId xmlns:a16="http://schemas.microsoft.com/office/drawing/2014/main" id="{FFDEC25B-079B-4F13-A699-4AA43F44F051}"/>
+              </a:ext>
+            </a:extLst>
+          </p:cNvPr>
+          <p:cNvSpPr txBox="1"/>
+          <p:nvPr/>
+        </p:nvSpPr>
+        <p:spPr>
+          <a:xfrm>
+            <a:off x="319313" y="899886"/>
+            <a:ext cx="6952343" cy="3416320"/>
+          </a:xfrm>
+          <a:prstGeom prst="rect">
+            <a:avLst/>
+          </a:prstGeom>
+          <a:noFill/>
+        </p:spPr>
+        <p:txBody>
+          <a:bodyPr wrap="square" rtlCol="0">
+            <a:spAutoFit/>
+          </a:bodyPr>
+          <a:lstStyle/>
+          <a:p>
+            <a:pPr marL="457200" indent="-457200">
+              <a:buFont typeface="+mj-lt"/>
+              <a:buAutoNum type="arabicPeriod"/>
+            </a:pPr>
+            <a:r>
+              <a:rPr lang="en-US" sz="2400" dirty="0"/>
+              <a:t>To get checked off during recitation, you’ll be asked to demonstrate that one of each of the five instructions works (writing to either the A or B registers). </a:t>
+            </a:r>
+          </a:p>
+          <a:p>
+            <a:pPr marL="457200" indent="-457200">
+              <a:buFont typeface="+mj-lt"/>
+              <a:buAutoNum type="arabicPeriod"/>
+            </a:pPr>
+            <a:endParaRPr lang="en-US" sz="2400" dirty="0"/>
+          </a:p>
+          <a:p>
+            <a:pPr marL="457200" indent="-457200">
+              <a:buFont typeface="+mj-lt"/>
+              <a:buAutoNum type="arabicPeriod"/>
+            </a:pPr>
+            <a:r>
+              <a:rPr lang="en-US" sz="2400" dirty="0"/>
+              <a:t>Remember to submit via </a:t>
+            </a:r>
+            <a:r>
+              <a:rPr lang="en-US" sz="2400" dirty="0" err="1"/>
+              <a:t>Courseweb</a:t>
+            </a:r>
+            <a:r>
+              <a:rPr lang="en-US" sz="2400" dirty="0"/>
+              <a:t>!</a:t>
+            </a:r>
+          </a:p>
+          <a:p>
+            <a:pPr marL="457200" indent="-457200">
+              <a:buFont typeface="+mj-lt"/>
+              <a:buAutoNum type="arabicPeriod"/>
+            </a:pPr>
+            <a:endParaRPr lang="en-US" sz="2400" dirty="0"/>
+          </a:p>
+          <a:p>
+            <a:pPr marL="457200" indent="-457200">
+              <a:buFont typeface="+mj-lt"/>
+              <a:buAutoNum type="arabicPeriod"/>
+            </a:pPr>
+            <a:endParaRPr lang="en-US" sz="2400" dirty="0"/>
+          </a:p>
+          <a:p>
+            <a:pPr marL="457200" indent="-457200">
+              <a:buFont typeface="+mj-lt"/>
+              <a:buAutoNum type="arabicPeriod"/>
+            </a:pPr>
+            <a:endParaRPr lang="en-US" sz="2400" dirty="0"/>
+          </a:p>
+        </p:txBody>
+      </p:sp>
+    </p:spTree>
+    <p:extLst>
+      <p:ext uri="{BB962C8B-B14F-4D97-AF65-F5344CB8AC3E}">
+        <p14:creationId xmlns:p14="http://schemas.microsoft.com/office/powerpoint/2010/main" val="1145703578"/>
+      </p:ext>
+    </p:extLst>
+  </p:cSld>
+  <p:clrMapOvr>
+    <a:masterClrMapping/>
+  </p:clrMapOvr>
+</p:sld>
+</file>
+
 <file path=ppt/slides/slide2.xml><?xml version="1.0" encoding="utf-8"?>
 <p:sld xmlns:a="http://schemas.openxmlformats.org/drawingml/2006/main" xmlns:r="http://schemas.openxmlformats.org/officeDocument/2006/relationships" xmlns:p="http://schemas.openxmlformats.org/presentationml/2006/main">
   <p:cSld>
@@ -4221,7 +5947,7 @@
         <p:spPr>
           <a:xfrm>
             <a:off x="4217651" y="638979"/>
-            <a:ext cx="4605051" cy="4893647"/>
+            <a:ext cx="4605051" cy="5570756"/>
           </a:xfrm>
           <a:prstGeom prst="rect">
             <a:avLst/>
@@ -4316,7 +6042,7 @@
                   <a:srgbClr val="002060"/>
                 </a:solidFill>
               </a:rPr>
-              <a:t>Right click to edit values</a:t>
+              <a:t>Right click to edit values (or poke a field and start typing)</a:t>
             </a:r>
           </a:p>
           <a:p>
@@ -4350,7 +6076,7 @@
                   <a:srgbClr val="002060"/>
                 </a:solidFill>
               </a:rPr>
-              <a:t>”: wire a constant of ‘1’ to this</a:t>
+              <a:t>”: wire a constant of ‘1’ to this; it will enable the ROM</a:t>
             </a:r>
           </a:p>
           <a:p>
@@ -4414,25 +6140,1193 @@
           <a:lstStyle/>
           <a:p>
             <a:r>
-              <a:rPr lang="en-US" sz="2800">
+              <a:rPr lang="en-US" sz="2800" dirty="0">
                 <a:solidFill>
                   <a:srgbClr val="002060"/>
                 </a:solidFill>
               </a:rPr>
-              <a:t>Step #3:</a:t>
-            </a:r>
-            <a:endParaRPr lang="en-US" sz="2800" dirty="0">
+              <a:t>Steps #3-4: Complete the “fetch” circuitry</a:t>
+            </a:r>
+          </a:p>
+        </p:txBody>
+      </p:sp>
+      <p:pic>
+        <p:nvPicPr>
+          <p:cNvPr id="3" name="Picture 2" descr="Logisim: main of Untitled">
+            <a:extLst>
+              <a:ext uri="{FF2B5EF4-FFF2-40B4-BE49-F238E27FC236}">
+                <a16:creationId xmlns:a16="http://schemas.microsoft.com/office/drawing/2014/main" id="{CAA09900-2891-41DC-A199-348595BD2BCA}"/>
+              </a:ext>
+            </a:extLst>
+          </p:cNvPr>
+          <p:cNvPicPr>
+            <a:picLocks noChangeAspect="1"/>
+          </p:cNvPicPr>
+          <p:nvPr/>
+        </p:nvPicPr>
+        <p:blipFill rotWithShape="1">
+          <a:blip r:embed="rId2">
+            <a:extLst>
+              <a:ext uri="{28A0092B-C50C-407E-A947-70E740481C1C}">
+                <a14:useLocalDpi xmlns:a14="http://schemas.microsoft.com/office/drawing/2010/main" val="0"/>
+              </a:ext>
+            </a:extLst>
+          </a:blip>
+          <a:srcRect l="31739" t="22608" r="51884" b="44818"/>
+          <a:stretch/>
+        </p:blipFill>
+        <p:spPr>
+          <a:xfrm>
+            <a:off x="463828" y="684462"/>
+            <a:ext cx="2377440" cy="2545757"/>
+          </a:xfrm>
+          <a:prstGeom prst="rect">
+            <a:avLst/>
+          </a:prstGeom>
+        </p:spPr>
+      </p:pic>
+      <p:sp>
+        <p:nvSpPr>
+          <p:cNvPr id="4" name="TextBox 3">
+            <a:extLst>
+              <a:ext uri="{FF2B5EF4-FFF2-40B4-BE49-F238E27FC236}">
+                <a16:creationId xmlns:a16="http://schemas.microsoft.com/office/drawing/2014/main" id="{5075D05B-7A5D-458F-A32C-8DC22C0D51D1}"/>
+              </a:ext>
+            </a:extLst>
+          </p:cNvPr>
+          <p:cNvSpPr txBox="1"/>
+          <p:nvPr/>
+        </p:nvSpPr>
+        <p:spPr>
+          <a:xfrm>
+            <a:off x="3270519" y="742437"/>
+            <a:ext cx="4651513" cy="2492990"/>
+          </a:xfrm>
+          <a:prstGeom prst="rect">
+            <a:avLst/>
+          </a:prstGeom>
+          <a:noFill/>
+        </p:spPr>
+        <p:txBody>
+          <a:bodyPr wrap="square" rtlCol="0">
+            <a:spAutoFit/>
+          </a:bodyPr>
+          <a:lstStyle/>
+          <a:p>
+            <a:r>
+              <a:rPr lang="en-US" sz="2400" dirty="0"/>
+              <a:t>Create the PC register.</a:t>
+            </a:r>
+          </a:p>
+          <a:p>
+            <a:pPr marL="342900" indent="-342900">
+              <a:buFont typeface="Arial" panose="020B0604020202020204" pitchFamily="34" charset="0"/>
+              <a:buChar char="•"/>
+            </a:pPr>
+            <a:r>
+              <a:rPr lang="en-US" sz="2200" dirty="0"/>
+              <a:t>Default 8-bit data width is good for our 8-bit addresses.</a:t>
+            </a:r>
+          </a:p>
+          <a:p>
+            <a:pPr marL="342900" indent="-342900">
+              <a:buFont typeface="Arial" panose="020B0604020202020204" pitchFamily="34" charset="0"/>
+              <a:buChar char="•"/>
+            </a:pPr>
+            <a:r>
+              <a:rPr lang="en-US" sz="2200" dirty="0"/>
+              <a:t>Use output of this register to supply the address information to the ROM</a:t>
+            </a:r>
+          </a:p>
+          <a:p>
+            <a:pPr marL="342900" indent="-342900">
+              <a:buFont typeface="Arial" panose="020B0604020202020204" pitchFamily="34" charset="0"/>
+              <a:buChar char="•"/>
+            </a:pPr>
+            <a:r>
+              <a:rPr lang="en-US" sz="2200" dirty="0"/>
+              <a:t>How can we update the address on each clock cycle?</a:t>
+            </a:r>
+          </a:p>
+        </p:txBody>
+      </p:sp>
+      <p:sp>
+        <p:nvSpPr>
+          <p:cNvPr id="7" name="TextBox 6">
+            <a:extLst>
+              <a:ext uri="{FF2B5EF4-FFF2-40B4-BE49-F238E27FC236}">
+                <a16:creationId xmlns:a16="http://schemas.microsoft.com/office/drawing/2014/main" id="{306D5ECE-8AB9-4104-A126-756944ADD9AE}"/>
+              </a:ext>
+            </a:extLst>
+          </p:cNvPr>
+          <p:cNvSpPr txBox="1"/>
+          <p:nvPr/>
+        </p:nvSpPr>
+        <p:spPr>
+          <a:xfrm>
+            <a:off x="3270519" y="3429000"/>
+            <a:ext cx="4651513" cy="1200329"/>
+          </a:xfrm>
+          <a:prstGeom prst="rect">
+            <a:avLst/>
+          </a:prstGeom>
+          <a:noFill/>
+        </p:spPr>
+        <p:txBody>
+          <a:bodyPr wrap="square" rtlCol="0">
+            <a:spAutoFit/>
+          </a:bodyPr>
+          <a:lstStyle/>
+          <a:p>
+            <a:r>
+              <a:rPr lang="en-US" sz="2400" dirty="0">
+                <a:solidFill>
+                  <a:srgbClr val="002060"/>
+                </a:solidFill>
+              </a:rPr>
+              <a:t>To update:  Use a loop (Q to D), an adder, and a constant.  How large should the constant be? </a:t>
+            </a:r>
+          </a:p>
+        </p:txBody>
+      </p:sp>
+      <p:sp>
+        <p:nvSpPr>
+          <p:cNvPr id="9" name="TextBox 8">
+            <a:extLst>
+              <a:ext uri="{FF2B5EF4-FFF2-40B4-BE49-F238E27FC236}">
+                <a16:creationId xmlns:a16="http://schemas.microsoft.com/office/drawing/2014/main" id="{3E4FB70E-4CFB-4B2B-91AC-6250879290E4}"/>
+              </a:ext>
+            </a:extLst>
+          </p:cNvPr>
+          <p:cNvSpPr txBox="1"/>
+          <p:nvPr/>
+        </p:nvSpPr>
+        <p:spPr>
+          <a:xfrm>
+            <a:off x="3270519" y="4799648"/>
+            <a:ext cx="4651513" cy="830997"/>
+          </a:xfrm>
+          <a:prstGeom prst="rect">
+            <a:avLst/>
+          </a:prstGeom>
+          <a:noFill/>
+        </p:spPr>
+        <p:txBody>
+          <a:bodyPr wrap="square" rtlCol="0">
+            <a:spAutoFit/>
+          </a:bodyPr>
+          <a:lstStyle/>
+          <a:p>
+            <a:r>
+              <a:rPr lang="en-US" sz="2400" dirty="0">
+                <a:solidFill>
+                  <a:srgbClr val="7030A0"/>
+                </a:solidFill>
+              </a:rPr>
+              <a:t>Constant = 1 (instruction addresses are 1 byte long, not 1 word long)</a:t>
+            </a:r>
+          </a:p>
+        </p:txBody>
+      </p:sp>
+      <p:sp>
+        <p:nvSpPr>
+          <p:cNvPr id="12" name="TextBox 11">
+            <a:extLst>
+              <a:ext uri="{FF2B5EF4-FFF2-40B4-BE49-F238E27FC236}">
+                <a16:creationId xmlns:a16="http://schemas.microsoft.com/office/drawing/2014/main" id="{D0EA3FC2-543C-425F-9B87-411AFE5405C7}"/>
+              </a:ext>
+            </a:extLst>
+          </p:cNvPr>
+          <p:cNvSpPr txBox="1"/>
+          <p:nvPr/>
+        </p:nvSpPr>
+        <p:spPr>
+          <a:xfrm>
+            <a:off x="3270519" y="5700064"/>
+            <a:ext cx="4651513" cy="830997"/>
+          </a:xfrm>
+          <a:prstGeom prst="rect">
+            <a:avLst/>
+          </a:prstGeom>
+          <a:noFill/>
+        </p:spPr>
+        <p:txBody>
+          <a:bodyPr wrap="square" rtlCol="0">
+            <a:spAutoFit/>
+          </a:bodyPr>
+          <a:lstStyle/>
+          <a:p>
+            <a:r>
+              <a:rPr lang="en-US" sz="2400" dirty="0">
+                <a:solidFill>
+                  <a:schemeClr val="bg1">
+                    <a:lumMod val="50000"/>
+                  </a:schemeClr>
+                </a:solidFill>
+              </a:rPr>
+              <a:t>Make sure writes are enabled (can reuse constant of 1 used for ROM)</a:t>
+            </a:r>
+          </a:p>
+        </p:txBody>
+      </p:sp>
+    </p:spTree>
+    <p:extLst>
+      <p:ext uri="{BB962C8B-B14F-4D97-AF65-F5344CB8AC3E}">
+        <p14:creationId xmlns:p14="http://schemas.microsoft.com/office/powerpoint/2010/main" val="2225767865"/>
+      </p:ext>
+    </p:extLst>
+  </p:cSld>
+  <p:clrMapOvr>
+    <a:masterClrMapping/>
+  </p:clrMapOvr>
+  <p:timing>
+    <p:tnLst>
+      <p:par>
+        <p:cTn id="1" dur="indefinite" restart="never" nodeType="tmRoot">
+          <p:childTnLst>
+            <p:seq concurrent="1" nextAc="seek">
+              <p:cTn id="2" dur="indefinite" nodeType="mainSeq">
+                <p:childTnLst>
+                  <p:par>
+                    <p:cTn id="3" fill="hold">
+                      <p:stCondLst>
+                        <p:cond delay="indefinite"/>
+                      </p:stCondLst>
+                      <p:childTnLst>
+                        <p:par>
+                          <p:cTn id="4" fill="hold">
+                            <p:stCondLst>
+                              <p:cond delay="0"/>
+                            </p:stCondLst>
+                            <p:childTnLst>
+                              <p:par>
+                                <p:cTn id="5" presetID="1" presetClass="entr" presetSubtype="0" fill="hold" grpId="0" nodeType="clickEffect">
+                                  <p:stCondLst>
+                                    <p:cond delay="0"/>
+                                  </p:stCondLst>
+                                  <p:childTnLst>
+                                    <p:set>
+                                      <p:cBhvr>
+                                        <p:cTn id="6" dur="1" fill="hold">
+                                          <p:stCondLst>
+                                            <p:cond delay="0"/>
+                                          </p:stCondLst>
+                                        </p:cTn>
+                                        <p:tgtEl>
+                                          <p:spTgt spid="7"/>
+                                        </p:tgtEl>
+                                        <p:attrNameLst>
+                                          <p:attrName>style.visibility</p:attrName>
+                                        </p:attrNameLst>
+                                      </p:cBhvr>
+                                      <p:to>
+                                        <p:strVal val="visible"/>
+                                      </p:to>
+                                    </p:set>
+                                  </p:childTnLst>
+                                </p:cTn>
+                              </p:par>
+                            </p:childTnLst>
+                          </p:cTn>
+                        </p:par>
+                      </p:childTnLst>
+                    </p:cTn>
+                  </p:par>
+                  <p:par>
+                    <p:cTn id="7" fill="hold">
+                      <p:stCondLst>
+                        <p:cond delay="indefinite"/>
+                      </p:stCondLst>
+                      <p:childTnLst>
+                        <p:par>
+                          <p:cTn id="8" fill="hold">
+                            <p:stCondLst>
+                              <p:cond delay="0"/>
+                            </p:stCondLst>
+                            <p:childTnLst>
+                              <p:par>
+                                <p:cTn id="9" presetID="1" presetClass="entr" presetSubtype="0" fill="hold" grpId="0" nodeType="clickEffect">
+                                  <p:stCondLst>
+                                    <p:cond delay="0"/>
+                                  </p:stCondLst>
+                                  <p:childTnLst>
+                                    <p:set>
+                                      <p:cBhvr>
+                                        <p:cTn id="10" dur="1" fill="hold">
+                                          <p:stCondLst>
+                                            <p:cond delay="0"/>
+                                          </p:stCondLst>
+                                        </p:cTn>
+                                        <p:tgtEl>
+                                          <p:spTgt spid="9"/>
+                                        </p:tgtEl>
+                                        <p:attrNameLst>
+                                          <p:attrName>style.visibility</p:attrName>
+                                        </p:attrNameLst>
+                                      </p:cBhvr>
+                                      <p:to>
+                                        <p:strVal val="visible"/>
+                                      </p:to>
+                                    </p:set>
+                                  </p:childTnLst>
+                                </p:cTn>
+                              </p:par>
+                            </p:childTnLst>
+                          </p:cTn>
+                        </p:par>
+                      </p:childTnLst>
+                    </p:cTn>
+                  </p:par>
+                  <p:par>
+                    <p:cTn id="11" fill="hold">
+                      <p:stCondLst>
+                        <p:cond delay="indefinite"/>
+                      </p:stCondLst>
+                      <p:childTnLst>
+                        <p:par>
+                          <p:cTn id="12" fill="hold">
+                            <p:stCondLst>
+                              <p:cond delay="0"/>
+                            </p:stCondLst>
+                            <p:childTnLst>
+                              <p:par>
+                                <p:cTn id="13" presetID="1" presetClass="entr" presetSubtype="0" fill="hold" grpId="0" nodeType="clickEffect">
+                                  <p:stCondLst>
+                                    <p:cond delay="0"/>
+                                  </p:stCondLst>
+                                  <p:childTnLst>
+                                    <p:set>
+                                      <p:cBhvr>
+                                        <p:cTn id="14" dur="1" fill="hold">
+                                          <p:stCondLst>
+                                            <p:cond delay="0"/>
+                                          </p:stCondLst>
+                                        </p:cTn>
+                                        <p:tgtEl>
+                                          <p:spTgt spid="12"/>
+                                        </p:tgtEl>
+                                        <p:attrNameLst>
+                                          <p:attrName>style.visibility</p:attrName>
+                                        </p:attrNameLst>
+                                      </p:cBhvr>
+                                      <p:to>
+                                        <p:strVal val="visible"/>
+                                      </p:to>
+                                    </p:set>
+                                  </p:childTnLst>
+                                </p:cTn>
+                              </p:par>
+                            </p:childTnLst>
+                          </p:cTn>
+                        </p:par>
+                      </p:childTnLst>
+                    </p:cTn>
+                  </p:par>
+                </p:childTnLst>
+              </p:cTn>
+              <p:prevCondLst>
+                <p:cond evt="onPrev" delay="0">
+                  <p:tgtEl>
+                    <p:sldTgt/>
+                  </p:tgtEl>
+                </p:cond>
+              </p:prevCondLst>
+              <p:nextCondLst>
+                <p:cond evt="onNext" delay="0">
+                  <p:tgtEl>
+                    <p:sldTgt/>
+                  </p:tgtEl>
+                </p:cond>
+              </p:nextCondLst>
+            </p:seq>
+          </p:childTnLst>
+        </p:cTn>
+      </p:par>
+    </p:tnLst>
+    <p:bldLst>
+      <p:bldP spid="7" grpId="0"/>
+      <p:bldP spid="9" grpId="0"/>
+      <p:bldP spid="12" grpId="0"/>
+    </p:bldLst>
+  </p:timing>
+</p:sld>
+</file>
+
+<file path=ppt/slides/slide6.xml><?xml version="1.0" encoding="utf-8"?>
+<p:sld xmlns:a="http://schemas.openxmlformats.org/drawingml/2006/main" xmlns:r="http://schemas.openxmlformats.org/officeDocument/2006/relationships" xmlns:p="http://schemas.openxmlformats.org/presentationml/2006/main">
+  <p:cSld>
+    <p:spTree>
+      <p:nvGrpSpPr>
+        <p:cNvPr id="1" name=""/>
+        <p:cNvGrpSpPr/>
+        <p:nvPr/>
+      </p:nvGrpSpPr>
+      <p:grpSpPr>
+        <a:xfrm>
+          <a:off x="0" y="0"/>
+          <a:ext cx="0" cy="0"/>
+          <a:chOff x="0" y="0"/>
+          <a:chExt cx="0" cy="0"/>
+        </a:xfrm>
+      </p:grpSpPr>
+      <p:sp>
+        <p:nvSpPr>
+          <p:cNvPr id="5" name="TextBox 4"/>
+          <p:cNvSpPr txBox="1"/>
+          <p:nvPr/>
+        </p:nvSpPr>
+        <p:spPr>
+          <a:xfrm>
+            <a:off x="0" y="0"/>
+            <a:ext cx="8134066" cy="523220"/>
+          </a:xfrm>
+          <a:prstGeom prst="rect">
+            <a:avLst/>
+          </a:prstGeom>
+        </p:spPr>
+        <p:txBody>
+          <a:bodyPr rtlCol="0">
+            <a:spAutoFit/>
+          </a:bodyPr>
+          <a:lstStyle/>
+          <a:p>
+            <a:r>
+              <a:rPr lang="en-US" sz="2800" dirty="0">
+                <a:solidFill>
+                  <a:srgbClr val="002060"/>
+                </a:solidFill>
+              </a:rPr>
+              <a:t>Step #5: Create the two data registers.</a:t>
+            </a:r>
+          </a:p>
+        </p:txBody>
+      </p:sp>
+      <p:pic>
+        <p:nvPicPr>
+          <p:cNvPr id="6" name="Picture 5" descr="Logisim: main of Untitled">
+            <a:extLst>
+              <a:ext uri="{FF2B5EF4-FFF2-40B4-BE49-F238E27FC236}">
+                <a16:creationId xmlns:a16="http://schemas.microsoft.com/office/drawing/2014/main" id="{B242D252-B6B8-4C94-A6A7-FBC2ED909644}"/>
+              </a:ext>
+            </a:extLst>
+          </p:cNvPr>
+          <p:cNvPicPr>
+            <a:picLocks noChangeAspect="1"/>
+          </p:cNvPicPr>
+          <p:nvPr/>
+        </p:nvPicPr>
+        <p:blipFill rotWithShape="1">
+          <a:blip r:embed="rId3">
+            <a:extLst>
+              <a:ext uri="{28A0092B-C50C-407E-A947-70E740481C1C}">
+                <a14:useLocalDpi xmlns:a14="http://schemas.microsoft.com/office/drawing/2010/main" val="0"/>
+              </a:ext>
+            </a:extLst>
+          </a:blip>
+          <a:srcRect l="33333" t="25160" r="54762" b="26486"/>
+          <a:stretch/>
+        </p:blipFill>
+        <p:spPr>
+          <a:xfrm>
+            <a:off x="464454" y="629895"/>
+            <a:ext cx="2103120" cy="4598827"/>
+          </a:xfrm>
+          <a:prstGeom prst="rect">
+            <a:avLst/>
+          </a:prstGeom>
+        </p:spPr>
+      </p:pic>
+      <p:sp>
+        <p:nvSpPr>
+          <p:cNvPr id="10" name="TextBox 9">
+            <a:extLst>
+              <a:ext uri="{FF2B5EF4-FFF2-40B4-BE49-F238E27FC236}">
+                <a16:creationId xmlns:a16="http://schemas.microsoft.com/office/drawing/2014/main" id="{2603B1B8-4BD9-4B75-A530-292F9A2AC029}"/>
+              </a:ext>
+            </a:extLst>
+          </p:cNvPr>
+          <p:cNvSpPr txBox="1"/>
+          <p:nvPr/>
+        </p:nvSpPr>
+        <p:spPr>
+          <a:xfrm>
+            <a:off x="3256005" y="1221408"/>
+            <a:ext cx="4651513" cy="430887"/>
+          </a:xfrm>
+          <a:prstGeom prst="rect">
+            <a:avLst/>
+          </a:prstGeom>
+          <a:noFill/>
+        </p:spPr>
+        <p:txBody>
+          <a:bodyPr wrap="square" rtlCol="0">
+            <a:spAutoFit/>
+          </a:bodyPr>
+          <a:lstStyle/>
+          <a:p>
+            <a:r>
+              <a:rPr lang="en-US" sz="2200" dirty="0"/>
+              <a:t>Again, default 8-bit with works.</a:t>
+            </a:r>
+          </a:p>
+        </p:txBody>
+      </p:sp>
+    </p:spTree>
+    <p:extLst>
+      <p:ext uri="{BB962C8B-B14F-4D97-AF65-F5344CB8AC3E}">
+        <p14:creationId xmlns:p14="http://schemas.microsoft.com/office/powerpoint/2010/main" val="1968565047"/>
+      </p:ext>
+    </p:extLst>
+  </p:cSld>
+  <p:clrMapOvr>
+    <a:masterClrMapping/>
+  </p:clrMapOvr>
+</p:sld>
+</file>
+
+<file path=ppt/slides/slide7.xml><?xml version="1.0" encoding="utf-8"?>
+<p:sld xmlns:a="http://schemas.openxmlformats.org/drawingml/2006/main" xmlns:r="http://schemas.openxmlformats.org/officeDocument/2006/relationships" xmlns:p="http://schemas.openxmlformats.org/presentationml/2006/main">
+  <p:cSld>
+    <p:spTree>
+      <p:nvGrpSpPr>
+        <p:cNvPr id="1" name=""/>
+        <p:cNvGrpSpPr/>
+        <p:nvPr/>
+      </p:nvGrpSpPr>
+      <p:grpSpPr>
+        <a:xfrm>
+          <a:off x="0" y="0"/>
+          <a:ext cx="0" cy="0"/>
+          <a:chOff x="0" y="0"/>
+          <a:chExt cx="0" cy="0"/>
+        </a:xfrm>
+      </p:grpSpPr>
+      <p:sp>
+        <p:nvSpPr>
+          <p:cNvPr id="5" name="TextBox 4"/>
+          <p:cNvSpPr txBox="1"/>
+          <p:nvPr/>
+        </p:nvSpPr>
+        <p:spPr>
+          <a:xfrm>
+            <a:off x="0" y="0"/>
+            <a:ext cx="8134066" cy="523220"/>
+          </a:xfrm>
+          <a:prstGeom prst="rect">
+            <a:avLst/>
+          </a:prstGeom>
+        </p:spPr>
+        <p:txBody>
+          <a:bodyPr rtlCol="0">
+            <a:spAutoFit/>
+          </a:bodyPr>
+          <a:lstStyle/>
+          <a:p>
+            <a:r>
+              <a:rPr lang="en-US" sz="2800" dirty="0">
+                <a:solidFill>
+                  <a:srgbClr val="002060"/>
+                </a:solidFill>
+              </a:rPr>
+              <a:t>Step #6: Create the ALU</a:t>
+            </a:r>
+          </a:p>
+        </p:txBody>
+      </p:sp>
+      <p:sp>
+        <p:nvSpPr>
+          <p:cNvPr id="10" name="TextBox 9">
+            <a:extLst>
+              <a:ext uri="{FF2B5EF4-FFF2-40B4-BE49-F238E27FC236}">
+                <a16:creationId xmlns:a16="http://schemas.microsoft.com/office/drawing/2014/main" id="{2603B1B8-4BD9-4B75-A530-292F9A2AC029}"/>
+              </a:ext>
+            </a:extLst>
+          </p:cNvPr>
+          <p:cNvSpPr txBox="1"/>
+          <p:nvPr/>
+        </p:nvSpPr>
+        <p:spPr>
+          <a:xfrm>
+            <a:off x="295090" y="943428"/>
+            <a:ext cx="4625253" cy="3847207"/>
+          </a:xfrm>
+          <a:prstGeom prst="rect">
+            <a:avLst/>
+          </a:prstGeom>
+          <a:noFill/>
+        </p:spPr>
+        <p:txBody>
+          <a:bodyPr wrap="square" rtlCol="0">
+            <a:spAutoFit/>
+          </a:bodyPr>
+          <a:lstStyle/>
+          <a:p>
+            <a:r>
+              <a:rPr lang="en-US" sz="2200" dirty="0"/>
+              <a:t>Somewhat like the Lab #8 ALU (see figure), with a few differences:</a:t>
+            </a:r>
+          </a:p>
+          <a:p>
+            <a:pPr marL="342900" indent="-342900">
+              <a:buFont typeface="Arial" panose="020B0604020202020204" pitchFamily="34" charset="0"/>
+              <a:buChar char="•"/>
+            </a:pPr>
+            <a:r>
+              <a:rPr lang="en-US" sz="2000" dirty="0">
+                <a:solidFill>
+                  <a:srgbClr val="002060"/>
+                </a:solidFill>
+              </a:rPr>
+              <a:t>All inputs/outputs/operations should act on 8 bits, not 1.</a:t>
+            </a:r>
+          </a:p>
+          <a:p>
+            <a:pPr marL="342900" indent="-342900">
+              <a:buFont typeface="Arial" panose="020B0604020202020204" pitchFamily="34" charset="0"/>
+              <a:buChar char="•"/>
+            </a:pPr>
+            <a:r>
+              <a:rPr lang="en-US" sz="2000" dirty="0">
+                <a:solidFill>
+                  <a:srgbClr val="002060"/>
+                </a:solidFill>
+              </a:rPr>
+              <a:t>No need for a set less than operation (just and/or/add/sub)</a:t>
+            </a:r>
+          </a:p>
+          <a:p>
+            <a:pPr marL="342900" indent="-342900">
+              <a:buFont typeface="Arial" panose="020B0604020202020204" pitchFamily="34" charset="0"/>
+              <a:buChar char="•"/>
+            </a:pPr>
+            <a:r>
+              <a:rPr lang="en-US" sz="2000" dirty="0">
+                <a:solidFill>
+                  <a:srgbClr val="002060"/>
+                </a:solidFill>
+              </a:rPr>
+              <a:t>It will be in a </a:t>
+            </a:r>
+            <a:r>
+              <a:rPr lang="en-US" sz="2000" dirty="0" err="1">
+                <a:solidFill>
+                  <a:srgbClr val="002060"/>
+                </a:solidFill>
+              </a:rPr>
+              <a:t>subcircuit</a:t>
+            </a:r>
+            <a:endParaRPr lang="en-US" sz="2000" dirty="0">
               <a:solidFill>
                 <a:srgbClr val="002060"/>
               </a:solidFill>
             </a:endParaRPr>
           </a:p>
-        </p:txBody>
-      </p:sp>
+          <a:p>
+            <a:pPr marL="800100" lvl="1" indent="-342900">
+              <a:buFont typeface="Arial" panose="020B0604020202020204" pitchFamily="34" charset="0"/>
+              <a:buChar char="•"/>
+            </a:pPr>
+            <a:r>
+              <a:rPr lang="en-US" sz="2000" dirty="0">
+                <a:solidFill>
+                  <a:srgbClr val="002060"/>
+                </a:solidFill>
+              </a:rPr>
+              <a:t>The </a:t>
+            </a:r>
+            <a:r>
+              <a:rPr lang="en-US" sz="2000" dirty="0" err="1">
+                <a:solidFill>
+                  <a:srgbClr val="002060"/>
+                </a:solidFill>
+              </a:rPr>
+              <a:t>subcircuit</a:t>
+            </a:r>
+            <a:r>
+              <a:rPr lang="en-US" sz="2000" dirty="0">
+                <a:solidFill>
+                  <a:srgbClr val="002060"/>
+                </a:solidFill>
+              </a:rPr>
+              <a:t> will need some labeled input/output/selection pins to allow the ALU to be accessed from outside</a:t>
+            </a:r>
+          </a:p>
+          <a:p>
+            <a:pPr marL="342900" indent="-342900">
+              <a:buFont typeface="Arial" panose="020B0604020202020204" pitchFamily="34" charset="0"/>
+              <a:buChar char="•"/>
+            </a:pPr>
+            <a:endParaRPr lang="en-US" sz="2000" dirty="0">
+              <a:solidFill>
+                <a:srgbClr val="002060"/>
+              </a:solidFill>
+            </a:endParaRPr>
+          </a:p>
+        </p:txBody>
+      </p:sp>
+      <p:pic>
+        <p:nvPicPr>
+          <p:cNvPr id="3" name="Picture 2" descr="lab08_ALU.pdf - Adobe Acrobat Reader DC">
+            <a:extLst>
+              <a:ext uri="{FF2B5EF4-FFF2-40B4-BE49-F238E27FC236}">
+                <a16:creationId xmlns:a16="http://schemas.microsoft.com/office/drawing/2014/main" id="{F1CD3532-2A7B-4A7B-98E0-5E8D9ADA7B60}"/>
+              </a:ext>
+            </a:extLst>
+          </p:cNvPr>
+          <p:cNvPicPr>
+            <a:picLocks noChangeAspect="1"/>
+          </p:cNvPicPr>
+          <p:nvPr/>
+        </p:nvPicPr>
+        <p:blipFill rotWithShape="1">
+          <a:blip r:embed="rId3">
+            <a:extLst>
+              <a:ext uri="{28A0092B-C50C-407E-A947-70E740481C1C}">
+                <a14:useLocalDpi xmlns:a14="http://schemas.microsoft.com/office/drawing/2010/main" val="0"/>
+              </a:ext>
+            </a:extLst>
+          </a:blip>
+          <a:srcRect l="19206" t="21326" r="38413" b="18523"/>
+          <a:stretch/>
+        </p:blipFill>
+        <p:spPr>
+          <a:xfrm>
+            <a:off x="4920343" y="1132113"/>
+            <a:ext cx="3875314" cy="2961055"/>
+          </a:xfrm>
+          <a:prstGeom prst="rect">
+            <a:avLst/>
+          </a:prstGeom>
+        </p:spPr>
+      </p:pic>
     </p:spTree>
     <p:extLst>
       <p:ext uri="{BB962C8B-B14F-4D97-AF65-F5344CB8AC3E}">
-        <p14:creationId xmlns:p14="http://schemas.microsoft.com/office/powerpoint/2010/main" val="2225767865"/>
+        <p14:creationId xmlns:p14="http://schemas.microsoft.com/office/powerpoint/2010/main" val="2439009468"/>
+      </p:ext>
+    </p:extLst>
+  </p:cSld>
+  <p:clrMapOvr>
+    <a:masterClrMapping/>
+  </p:clrMapOvr>
+</p:sld>
+</file>
+
+<file path=ppt/slides/slide8.xml><?xml version="1.0" encoding="utf-8"?>
+<p:sld xmlns:a="http://schemas.openxmlformats.org/drawingml/2006/main" xmlns:r="http://schemas.openxmlformats.org/officeDocument/2006/relationships" xmlns:p="http://schemas.openxmlformats.org/presentationml/2006/main">
+  <p:cSld>
+    <p:spTree>
+      <p:nvGrpSpPr>
+        <p:cNvPr id="1" name=""/>
+        <p:cNvGrpSpPr/>
+        <p:nvPr/>
+      </p:nvGrpSpPr>
+      <p:grpSpPr>
+        <a:xfrm>
+          <a:off x="0" y="0"/>
+          <a:ext cx="0" cy="0"/>
+          <a:chOff x="0" y="0"/>
+          <a:chExt cx="0" cy="0"/>
+        </a:xfrm>
+      </p:grpSpPr>
+      <p:sp>
+        <p:nvSpPr>
+          <p:cNvPr id="5" name="TextBox 4"/>
+          <p:cNvSpPr txBox="1"/>
+          <p:nvPr/>
+        </p:nvSpPr>
+        <p:spPr>
+          <a:xfrm>
+            <a:off x="0" y="0"/>
+            <a:ext cx="8134066" cy="523220"/>
+          </a:xfrm>
+          <a:prstGeom prst="rect">
+            <a:avLst/>
+          </a:prstGeom>
+        </p:spPr>
+        <p:txBody>
+          <a:bodyPr rtlCol="0">
+            <a:spAutoFit/>
+          </a:bodyPr>
+          <a:lstStyle/>
+          <a:p>
+            <a:r>
+              <a:rPr lang="en-US" sz="2800" dirty="0">
+                <a:solidFill>
+                  <a:srgbClr val="002060"/>
+                </a:solidFill>
+              </a:rPr>
+              <a:t>Step #7: Continue wiring the circuit together</a:t>
+            </a:r>
+          </a:p>
+        </p:txBody>
+      </p:sp>
+      <p:sp>
+        <p:nvSpPr>
+          <p:cNvPr id="10" name="TextBox 9">
+            <a:extLst>
+              <a:ext uri="{FF2B5EF4-FFF2-40B4-BE49-F238E27FC236}">
+                <a16:creationId xmlns:a16="http://schemas.microsoft.com/office/drawing/2014/main" id="{2603B1B8-4BD9-4B75-A530-292F9A2AC029}"/>
+              </a:ext>
+            </a:extLst>
+          </p:cNvPr>
+          <p:cNvSpPr txBox="1"/>
+          <p:nvPr/>
+        </p:nvSpPr>
+        <p:spPr>
+          <a:xfrm>
+            <a:off x="295090" y="943428"/>
+            <a:ext cx="4625253" cy="3816429"/>
+          </a:xfrm>
+          <a:prstGeom prst="rect">
+            <a:avLst/>
+          </a:prstGeom>
+          <a:noFill/>
+        </p:spPr>
+        <p:txBody>
+          <a:bodyPr wrap="square" rtlCol="0">
+            <a:spAutoFit/>
+          </a:bodyPr>
+          <a:lstStyle/>
+          <a:p>
+            <a:r>
+              <a:rPr lang="en-US" sz="2200" u="sng" dirty="0">
+                <a:solidFill>
+                  <a:srgbClr val="002060"/>
+                </a:solidFill>
+              </a:rPr>
+              <a:t>ALU inputs</a:t>
+            </a:r>
+            <a:r>
+              <a:rPr lang="en-US" sz="2200" dirty="0">
+                <a:solidFill>
+                  <a:srgbClr val="002060"/>
+                </a:solidFill>
+              </a:rPr>
+              <a:t>: Directly from the A and B registers</a:t>
+            </a:r>
+          </a:p>
+          <a:p>
+            <a:endParaRPr lang="en-US" sz="2200" u="sng" dirty="0">
+              <a:solidFill>
+                <a:srgbClr val="002060"/>
+              </a:solidFill>
+            </a:endParaRPr>
+          </a:p>
+          <a:p>
+            <a:r>
+              <a:rPr lang="en-US" sz="2200" u="sng" dirty="0">
+                <a:solidFill>
+                  <a:srgbClr val="002060"/>
+                </a:solidFill>
+              </a:rPr>
+              <a:t>Writes to A and B registers</a:t>
+            </a:r>
+            <a:r>
+              <a:rPr lang="en-US" sz="2200" dirty="0">
+                <a:solidFill>
+                  <a:srgbClr val="002060"/>
+                </a:solidFill>
+              </a:rPr>
+              <a:t>: </a:t>
+            </a:r>
+          </a:p>
+          <a:p>
+            <a:r>
+              <a:rPr lang="en-US" sz="2200" dirty="0">
+                <a:solidFill>
+                  <a:srgbClr val="002060"/>
+                </a:solidFill>
+              </a:rPr>
+              <a:t>Can be from either: </a:t>
+            </a:r>
+          </a:p>
+          <a:p>
+            <a:pPr marL="342900" indent="-342900">
+              <a:buFont typeface="Arial" panose="020B0604020202020204" pitchFamily="34" charset="0"/>
+              <a:buChar char="•"/>
+            </a:pPr>
+            <a:r>
+              <a:rPr lang="en-US" sz="2200" dirty="0">
+                <a:solidFill>
+                  <a:srgbClr val="002060"/>
+                </a:solidFill>
+              </a:rPr>
+              <a:t>ALU output</a:t>
+            </a:r>
+          </a:p>
+          <a:p>
+            <a:pPr marL="342900" indent="-342900">
+              <a:buFont typeface="Arial" panose="020B0604020202020204" pitchFamily="34" charset="0"/>
+              <a:buChar char="•"/>
+            </a:pPr>
+            <a:r>
+              <a:rPr lang="en-US" sz="2200" dirty="0">
+                <a:solidFill>
+                  <a:srgbClr val="002060"/>
+                </a:solidFill>
+              </a:rPr>
+              <a:t>Immediate supplied to set instruction</a:t>
+            </a:r>
+          </a:p>
+          <a:p>
+            <a:pPr marL="342900" indent="-342900">
+              <a:buFont typeface="Arial" panose="020B0604020202020204" pitchFamily="34" charset="0"/>
+              <a:buChar char="•"/>
+            </a:pPr>
+            <a:r>
+              <a:rPr lang="en-US" sz="2200" dirty="0" err="1">
+                <a:solidFill>
+                  <a:srgbClr val="002060"/>
+                </a:solidFill>
+              </a:rPr>
+              <a:t>MUXes</a:t>
+            </a:r>
+            <a:r>
+              <a:rPr lang="en-US" sz="2200" dirty="0">
+                <a:solidFill>
+                  <a:srgbClr val="002060"/>
+                </a:solidFill>
+              </a:rPr>
+              <a:t> can be placed before each of the registers to select either of these inputs for the write</a:t>
+            </a:r>
+          </a:p>
+        </p:txBody>
+      </p:sp>
+      <p:pic>
+        <p:nvPicPr>
+          <p:cNvPr id="6" name="Picture 5">
+            <a:extLst>
+              <a:ext uri="{FF2B5EF4-FFF2-40B4-BE49-F238E27FC236}">
+                <a16:creationId xmlns:a16="http://schemas.microsoft.com/office/drawing/2014/main" id="{12C426D6-7AFE-46F2-A108-ED5B97A63180}"/>
+              </a:ext>
+            </a:extLst>
+          </p:cNvPr>
+          <p:cNvPicPr>
+            <a:picLocks noChangeAspect="1"/>
+          </p:cNvPicPr>
+          <p:nvPr/>
+        </p:nvPicPr>
+        <p:blipFill>
+          <a:blip r:embed="rId3"/>
+          <a:stretch>
+            <a:fillRect/>
+          </a:stretch>
+        </p:blipFill>
+        <p:spPr>
+          <a:xfrm>
+            <a:off x="4824809" y="3354052"/>
+            <a:ext cx="4159794" cy="1789909"/>
+          </a:xfrm>
+          <a:prstGeom prst="rect">
+            <a:avLst/>
+          </a:prstGeom>
+        </p:spPr>
+      </p:pic>
+      <p:pic>
+        <p:nvPicPr>
+          <p:cNvPr id="7" name="Picture 6" descr="Logisim: main of Untitled">
+            <a:extLst>
+              <a:ext uri="{FF2B5EF4-FFF2-40B4-BE49-F238E27FC236}">
+                <a16:creationId xmlns:a16="http://schemas.microsoft.com/office/drawing/2014/main" id="{72C4082A-ACF7-4CC7-B43F-417C539F3CC2}"/>
+              </a:ext>
+            </a:extLst>
+          </p:cNvPr>
+          <p:cNvPicPr>
+            <a:picLocks noChangeAspect="1"/>
+          </p:cNvPicPr>
+          <p:nvPr/>
+        </p:nvPicPr>
+        <p:blipFill rotWithShape="1">
+          <a:blip r:embed="rId4">
+            <a:extLst>
+              <a:ext uri="{28A0092B-C50C-407E-A947-70E740481C1C}">
+                <a14:useLocalDpi xmlns:a14="http://schemas.microsoft.com/office/drawing/2010/main" val="0"/>
+              </a:ext>
+            </a:extLst>
+          </a:blip>
+          <a:srcRect l="33333" t="27669" r="54762" b="34170"/>
+          <a:stretch/>
+        </p:blipFill>
+        <p:spPr>
+          <a:xfrm>
+            <a:off x="6962763" y="420914"/>
+            <a:ext cx="1554480" cy="2682587"/>
+          </a:xfrm>
+          <a:prstGeom prst="rect">
+            <a:avLst/>
+          </a:prstGeom>
+        </p:spPr>
+      </p:pic>
+    </p:spTree>
+    <p:extLst>
+      <p:ext uri="{BB962C8B-B14F-4D97-AF65-F5344CB8AC3E}">
+        <p14:creationId xmlns:p14="http://schemas.microsoft.com/office/powerpoint/2010/main" val="3612042431"/>
+      </p:ext>
+    </p:extLst>
+  </p:cSld>
+  <p:clrMapOvr>
+    <a:masterClrMapping/>
+  </p:clrMapOvr>
+</p:sld>
+</file>
+
+<file path=ppt/slides/slide9.xml><?xml version="1.0" encoding="utf-8"?>
+<p:sld xmlns:a="http://schemas.openxmlformats.org/drawingml/2006/main" xmlns:r="http://schemas.openxmlformats.org/officeDocument/2006/relationships" xmlns:p="http://schemas.openxmlformats.org/presentationml/2006/main">
+  <p:cSld>
+    <p:spTree>
+      <p:nvGrpSpPr>
+        <p:cNvPr id="1" name=""/>
+        <p:cNvGrpSpPr/>
+        <p:nvPr/>
+      </p:nvGrpSpPr>
+      <p:grpSpPr>
+        <a:xfrm>
+          <a:off x="0" y="0"/>
+          <a:ext cx="0" cy="0"/>
+          <a:chOff x="0" y="0"/>
+          <a:chExt cx="0" cy="0"/>
+        </a:xfrm>
+      </p:grpSpPr>
+      <p:sp>
+        <p:nvSpPr>
+          <p:cNvPr id="5" name="TextBox 4"/>
+          <p:cNvSpPr txBox="1"/>
+          <p:nvPr/>
+        </p:nvSpPr>
+        <p:spPr>
+          <a:xfrm>
+            <a:off x="0" y="0"/>
+            <a:ext cx="8134066" cy="523220"/>
+          </a:xfrm>
+          <a:prstGeom prst="rect">
+            <a:avLst/>
+          </a:prstGeom>
+        </p:spPr>
+        <p:txBody>
+          <a:bodyPr rtlCol="0">
+            <a:spAutoFit/>
+          </a:bodyPr>
+          <a:lstStyle/>
+          <a:p>
+            <a:r>
+              <a:rPr lang="en-US" sz="2800" dirty="0">
+                <a:solidFill>
+                  <a:srgbClr val="002060"/>
+                </a:solidFill>
+              </a:rPr>
+              <a:t>Step #8: Split up the instruction into its bitfields</a:t>
+            </a:r>
+          </a:p>
+        </p:txBody>
+      </p:sp>
+      <p:pic>
+        <p:nvPicPr>
+          <p:cNvPr id="8" name="Picture 7" descr="Logisim: main of Untitled">
+            <a:extLst>
+              <a:ext uri="{FF2B5EF4-FFF2-40B4-BE49-F238E27FC236}">
+                <a16:creationId xmlns:a16="http://schemas.microsoft.com/office/drawing/2014/main" id="{757FF483-DC88-461C-8273-99E0E9B32822}"/>
+              </a:ext>
+            </a:extLst>
+          </p:cNvPr>
+          <p:cNvPicPr>
+            <a:picLocks noChangeAspect="1"/>
+          </p:cNvPicPr>
+          <p:nvPr/>
+        </p:nvPicPr>
+        <p:blipFill rotWithShape="1">
+          <a:blip r:embed="rId3">
+            <a:extLst>
+              <a:ext uri="{28A0092B-C50C-407E-A947-70E740481C1C}">
+                <a14:useLocalDpi xmlns:a14="http://schemas.microsoft.com/office/drawing/2010/main" val="0"/>
+              </a:ext>
+            </a:extLst>
+          </a:blip>
+          <a:srcRect l="28073" t="28830" r="48915" b="46499"/>
+          <a:stretch/>
+        </p:blipFill>
+        <p:spPr>
+          <a:xfrm>
+            <a:off x="5140041" y="523220"/>
+            <a:ext cx="3657600" cy="2125630"/>
+          </a:xfrm>
+          <a:prstGeom prst="rect">
+            <a:avLst/>
+          </a:prstGeom>
+        </p:spPr>
+      </p:pic>
+      <p:pic>
+        <p:nvPicPr>
+          <p:cNvPr id="13" name="Picture 12">
+            <a:extLst>
+              <a:ext uri="{FF2B5EF4-FFF2-40B4-BE49-F238E27FC236}">
+                <a16:creationId xmlns:a16="http://schemas.microsoft.com/office/drawing/2014/main" id="{76FEE75E-7352-4C3A-A7B4-B8B36EFBB031}"/>
+              </a:ext>
+            </a:extLst>
+          </p:cNvPr>
+          <p:cNvPicPr>
+            <a:picLocks noChangeAspect="1"/>
+          </p:cNvPicPr>
+          <p:nvPr/>
+        </p:nvPicPr>
+        <p:blipFill rotWithShape="1">
+          <a:blip r:embed="rId4"/>
+          <a:srcRect r="7793"/>
+          <a:stretch/>
+        </p:blipFill>
+        <p:spPr>
+          <a:xfrm>
+            <a:off x="2790454" y="2648850"/>
+            <a:ext cx="6353546" cy="1108614"/>
+          </a:xfrm>
+          <a:prstGeom prst="rect">
+            <a:avLst/>
+          </a:prstGeom>
+        </p:spPr>
+      </p:pic>
+      <p:sp>
+        <p:nvSpPr>
+          <p:cNvPr id="2" name="TextBox 1">
+            <a:extLst>
+              <a:ext uri="{FF2B5EF4-FFF2-40B4-BE49-F238E27FC236}">
+                <a16:creationId xmlns:a16="http://schemas.microsoft.com/office/drawing/2014/main" id="{9E4202FC-72DA-4841-8DD2-352B716D36AD}"/>
+              </a:ext>
+            </a:extLst>
+          </p:cNvPr>
+          <p:cNvSpPr txBox="1"/>
+          <p:nvPr/>
+        </p:nvSpPr>
+        <p:spPr>
+          <a:xfrm>
+            <a:off x="146192" y="821671"/>
+            <a:ext cx="3920841" cy="1569660"/>
+          </a:xfrm>
+          <a:prstGeom prst="rect">
+            <a:avLst/>
+          </a:prstGeom>
+          <a:noFill/>
+        </p:spPr>
+        <p:txBody>
+          <a:bodyPr wrap="square" rtlCol="0">
+            <a:spAutoFit/>
+          </a:bodyPr>
+          <a:lstStyle/>
+          <a:p>
+            <a:r>
+              <a:rPr lang="en-US" sz="2400" dirty="0">
+                <a:solidFill>
+                  <a:srgbClr val="00B050"/>
+                </a:solidFill>
+              </a:rPr>
+              <a:t>Use a splitter to pull out the three subfields that you need from the instruction (from the ROM).  </a:t>
+            </a:r>
+          </a:p>
+        </p:txBody>
+      </p:sp>
+    </p:spTree>
+    <p:extLst>
+      <p:ext uri="{BB962C8B-B14F-4D97-AF65-F5344CB8AC3E}">
+        <p14:creationId xmlns:p14="http://schemas.microsoft.com/office/powerpoint/2010/main" val="2255651173"/>
       </p:ext>
     </p:extLst>
   </p:cSld>

--- a/cs447tk_rec_lab10_apr2.pptx
+++ b/cs447tk_rec_lab10_apr2.pptx
@@ -5,7 +5,7 @@
     <p:sldMasterId id="2147483660" r:id="rId1"/>
   </p:sldMasterIdLst>
   <p:notesMasterIdLst>
-    <p:notesMasterId r:id="rId16"/>
+    <p:notesMasterId r:id="rId9"/>
   </p:notesMasterIdLst>
   <p:sldIdLst>
     <p:sldId id="258" r:id="rId2"/>
@@ -15,13 +15,6 @@
     <p:sldId id="287" r:id="rId6"/>
     <p:sldId id="288" r:id="rId7"/>
     <p:sldId id="289" r:id="rId8"/>
-    <p:sldId id="290" r:id="rId9"/>
-    <p:sldId id="291" r:id="rId10"/>
-    <p:sldId id="292" r:id="rId11"/>
-    <p:sldId id="293" r:id="rId12"/>
-    <p:sldId id="294" r:id="rId13"/>
-    <p:sldId id="295" r:id="rId14"/>
-    <p:sldId id="296" r:id="rId15"/>
   </p:sldIdLst>
   <p:sldSz cx="9144000" cy="6858000" type="screen4x3"/>
   <p:notesSz cx="6858000" cy="9144000"/>
@@ -498,762 +491,6 @@
     </a:lvl9pPr>
   </p:notesStyle>
 </p:notesMaster>
-</file>
-
-<file path=ppt/notesSlides/notesSlide1.xml><?xml version="1.0" encoding="utf-8"?>
-<p:notes xmlns:a="http://schemas.openxmlformats.org/drawingml/2006/main" xmlns:r="http://schemas.openxmlformats.org/officeDocument/2006/relationships" xmlns:p="http://schemas.openxmlformats.org/presentationml/2006/main">
-  <p:cSld>
-    <p:spTree>
-      <p:nvGrpSpPr>
-        <p:cNvPr id="1" name=""/>
-        <p:cNvGrpSpPr/>
-        <p:nvPr/>
-      </p:nvGrpSpPr>
-      <p:grpSpPr>
-        <a:xfrm>
-          <a:off x="0" y="0"/>
-          <a:ext cx="0" cy="0"/>
-          <a:chOff x="0" y="0"/>
-          <a:chExt cx="0" cy="0"/>
-        </a:xfrm>
-      </p:grpSpPr>
-      <p:sp>
-        <p:nvSpPr>
-          <p:cNvPr id="2" name="Slide Image Placeholder 1"/>
-          <p:cNvSpPr>
-            <a:spLocks noGrp="1" noRot="1" noChangeAspect="1"/>
-          </p:cNvSpPr>
-          <p:nvPr>
-            <p:ph type="sldImg"/>
-          </p:nvPr>
-        </p:nvSpPr>
-        <p:spPr/>
-      </p:sp>
-      <p:sp>
-        <p:nvSpPr>
-          <p:cNvPr id="3" name="Notes Placeholder 2"/>
-          <p:cNvSpPr>
-            <a:spLocks noGrp="1"/>
-          </p:cNvSpPr>
-          <p:nvPr>
-            <p:ph type="body" idx="1"/>
-          </p:nvPr>
-        </p:nvSpPr>
-        <p:spPr/>
-        <p:txBody>
-          <a:bodyPr/>
-          <a:lstStyle/>
-          <a:p>
-            <a:endParaRPr lang="en-US" dirty="0"/>
-          </a:p>
-        </p:txBody>
-      </p:sp>
-      <p:sp>
-        <p:nvSpPr>
-          <p:cNvPr id="4" name="Slide Number Placeholder 3"/>
-          <p:cNvSpPr>
-            <a:spLocks noGrp="1"/>
-          </p:cNvSpPr>
-          <p:nvPr>
-            <p:ph type="sldNum" sz="quarter" idx="10"/>
-          </p:nvPr>
-        </p:nvSpPr>
-        <p:spPr/>
-        <p:txBody>
-          <a:bodyPr/>
-          <a:lstStyle/>
-          <a:p>
-            <a:fld id="{EFAF9F6D-6F5B-4492-B20A-F0EFDC100956}" type="slidenum">
-              <a:rPr lang="en-US" smtClean="0"/>
-              <a:t>6</a:t>
-            </a:fld>
-            <a:endParaRPr lang="en-US"/>
-          </a:p>
-        </p:txBody>
-      </p:sp>
-    </p:spTree>
-    <p:extLst>
-      <p:ext uri="{BB962C8B-B14F-4D97-AF65-F5344CB8AC3E}">
-        <p14:creationId xmlns:p14="http://schemas.microsoft.com/office/powerpoint/2010/main" val="1685393650"/>
-      </p:ext>
-    </p:extLst>
-  </p:cSld>
-  <p:clrMapOvr>
-    <a:masterClrMapping/>
-  </p:clrMapOvr>
-</p:notes>
-</file>
-
-<file path=ppt/notesSlides/notesSlide2.xml><?xml version="1.0" encoding="utf-8"?>
-<p:notes xmlns:a="http://schemas.openxmlformats.org/drawingml/2006/main" xmlns:r="http://schemas.openxmlformats.org/officeDocument/2006/relationships" xmlns:p="http://schemas.openxmlformats.org/presentationml/2006/main">
-  <p:cSld>
-    <p:spTree>
-      <p:nvGrpSpPr>
-        <p:cNvPr id="1" name=""/>
-        <p:cNvGrpSpPr/>
-        <p:nvPr/>
-      </p:nvGrpSpPr>
-      <p:grpSpPr>
-        <a:xfrm>
-          <a:off x="0" y="0"/>
-          <a:ext cx="0" cy="0"/>
-          <a:chOff x="0" y="0"/>
-          <a:chExt cx="0" cy="0"/>
-        </a:xfrm>
-      </p:grpSpPr>
-      <p:sp>
-        <p:nvSpPr>
-          <p:cNvPr id="2" name="Slide Image Placeholder 1"/>
-          <p:cNvSpPr>
-            <a:spLocks noGrp="1" noRot="1" noChangeAspect="1"/>
-          </p:cNvSpPr>
-          <p:nvPr>
-            <p:ph type="sldImg"/>
-          </p:nvPr>
-        </p:nvSpPr>
-        <p:spPr/>
-      </p:sp>
-      <p:sp>
-        <p:nvSpPr>
-          <p:cNvPr id="3" name="Notes Placeholder 2"/>
-          <p:cNvSpPr>
-            <a:spLocks noGrp="1"/>
-          </p:cNvSpPr>
-          <p:nvPr>
-            <p:ph type="body" idx="1"/>
-          </p:nvPr>
-        </p:nvSpPr>
-        <p:spPr/>
-        <p:txBody>
-          <a:bodyPr/>
-          <a:lstStyle/>
-          <a:p>
-            <a:endParaRPr lang="en-US" dirty="0"/>
-          </a:p>
-        </p:txBody>
-      </p:sp>
-      <p:sp>
-        <p:nvSpPr>
-          <p:cNvPr id="4" name="Slide Number Placeholder 3"/>
-          <p:cNvSpPr>
-            <a:spLocks noGrp="1"/>
-          </p:cNvSpPr>
-          <p:nvPr>
-            <p:ph type="sldNum" sz="quarter" idx="10"/>
-          </p:nvPr>
-        </p:nvSpPr>
-        <p:spPr/>
-        <p:txBody>
-          <a:bodyPr/>
-          <a:lstStyle/>
-          <a:p>
-            <a:fld id="{EFAF9F6D-6F5B-4492-B20A-F0EFDC100956}" type="slidenum">
-              <a:rPr lang="en-US" smtClean="0"/>
-              <a:t>7</a:t>
-            </a:fld>
-            <a:endParaRPr lang="en-US"/>
-          </a:p>
-        </p:txBody>
-      </p:sp>
-    </p:spTree>
-    <p:extLst>
-      <p:ext uri="{BB962C8B-B14F-4D97-AF65-F5344CB8AC3E}">
-        <p14:creationId xmlns:p14="http://schemas.microsoft.com/office/powerpoint/2010/main" val="942241155"/>
-      </p:ext>
-    </p:extLst>
-  </p:cSld>
-  <p:clrMapOvr>
-    <a:masterClrMapping/>
-  </p:clrMapOvr>
-</p:notes>
-</file>
-
-<file path=ppt/notesSlides/notesSlide3.xml><?xml version="1.0" encoding="utf-8"?>
-<p:notes xmlns:a="http://schemas.openxmlformats.org/drawingml/2006/main" xmlns:r="http://schemas.openxmlformats.org/officeDocument/2006/relationships" xmlns:p="http://schemas.openxmlformats.org/presentationml/2006/main">
-  <p:cSld>
-    <p:spTree>
-      <p:nvGrpSpPr>
-        <p:cNvPr id="1" name=""/>
-        <p:cNvGrpSpPr/>
-        <p:nvPr/>
-      </p:nvGrpSpPr>
-      <p:grpSpPr>
-        <a:xfrm>
-          <a:off x="0" y="0"/>
-          <a:ext cx="0" cy="0"/>
-          <a:chOff x="0" y="0"/>
-          <a:chExt cx="0" cy="0"/>
-        </a:xfrm>
-      </p:grpSpPr>
-      <p:sp>
-        <p:nvSpPr>
-          <p:cNvPr id="2" name="Slide Image Placeholder 1"/>
-          <p:cNvSpPr>
-            <a:spLocks noGrp="1" noRot="1" noChangeAspect="1"/>
-          </p:cNvSpPr>
-          <p:nvPr>
-            <p:ph type="sldImg"/>
-          </p:nvPr>
-        </p:nvSpPr>
-        <p:spPr/>
-      </p:sp>
-      <p:sp>
-        <p:nvSpPr>
-          <p:cNvPr id="3" name="Notes Placeholder 2"/>
-          <p:cNvSpPr>
-            <a:spLocks noGrp="1"/>
-          </p:cNvSpPr>
-          <p:nvPr>
-            <p:ph type="body" idx="1"/>
-          </p:nvPr>
-        </p:nvSpPr>
-        <p:spPr/>
-        <p:txBody>
-          <a:bodyPr/>
-          <a:lstStyle/>
-          <a:p>
-            <a:endParaRPr lang="en-US" dirty="0"/>
-          </a:p>
-        </p:txBody>
-      </p:sp>
-      <p:sp>
-        <p:nvSpPr>
-          <p:cNvPr id="4" name="Slide Number Placeholder 3"/>
-          <p:cNvSpPr>
-            <a:spLocks noGrp="1"/>
-          </p:cNvSpPr>
-          <p:nvPr>
-            <p:ph type="sldNum" sz="quarter" idx="10"/>
-          </p:nvPr>
-        </p:nvSpPr>
-        <p:spPr/>
-        <p:txBody>
-          <a:bodyPr/>
-          <a:lstStyle/>
-          <a:p>
-            <a:fld id="{EFAF9F6D-6F5B-4492-B20A-F0EFDC100956}" type="slidenum">
-              <a:rPr lang="en-US" smtClean="0"/>
-              <a:t>8</a:t>
-            </a:fld>
-            <a:endParaRPr lang="en-US"/>
-          </a:p>
-        </p:txBody>
-      </p:sp>
-    </p:spTree>
-    <p:extLst>
-      <p:ext uri="{BB962C8B-B14F-4D97-AF65-F5344CB8AC3E}">
-        <p14:creationId xmlns:p14="http://schemas.microsoft.com/office/powerpoint/2010/main" val="2246074838"/>
-      </p:ext>
-    </p:extLst>
-  </p:cSld>
-  <p:clrMapOvr>
-    <a:masterClrMapping/>
-  </p:clrMapOvr>
-</p:notes>
-</file>
-
-<file path=ppt/notesSlides/notesSlide4.xml><?xml version="1.0" encoding="utf-8"?>
-<p:notes xmlns:a="http://schemas.openxmlformats.org/drawingml/2006/main" xmlns:r="http://schemas.openxmlformats.org/officeDocument/2006/relationships" xmlns:p="http://schemas.openxmlformats.org/presentationml/2006/main">
-  <p:cSld>
-    <p:spTree>
-      <p:nvGrpSpPr>
-        <p:cNvPr id="1" name=""/>
-        <p:cNvGrpSpPr/>
-        <p:nvPr/>
-      </p:nvGrpSpPr>
-      <p:grpSpPr>
-        <a:xfrm>
-          <a:off x="0" y="0"/>
-          <a:ext cx="0" cy="0"/>
-          <a:chOff x="0" y="0"/>
-          <a:chExt cx="0" cy="0"/>
-        </a:xfrm>
-      </p:grpSpPr>
-      <p:sp>
-        <p:nvSpPr>
-          <p:cNvPr id="2" name="Slide Image Placeholder 1"/>
-          <p:cNvSpPr>
-            <a:spLocks noGrp="1" noRot="1" noChangeAspect="1"/>
-          </p:cNvSpPr>
-          <p:nvPr>
-            <p:ph type="sldImg"/>
-          </p:nvPr>
-        </p:nvSpPr>
-        <p:spPr/>
-      </p:sp>
-      <p:sp>
-        <p:nvSpPr>
-          <p:cNvPr id="3" name="Notes Placeholder 2"/>
-          <p:cNvSpPr>
-            <a:spLocks noGrp="1"/>
-          </p:cNvSpPr>
-          <p:nvPr>
-            <p:ph type="body" idx="1"/>
-          </p:nvPr>
-        </p:nvSpPr>
-        <p:spPr/>
-        <p:txBody>
-          <a:bodyPr/>
-          <a:lstStyle/>
-          <a:p>
-            <a:endParaRPr lang="en-US" dirty="0"/>
-          </a:p>
-        </p:txBody>
-      </p:sp>
-      <p:sp>
-        <p:nvSpPr>
-          <p:cNvPr id="4" name="Slide Number Placeholder 3"/>
-          <p:cNvSpPr>
-            <a:spLocks noGrp="1"/>
-          </p:cNvSpPr>
-          <p:nvPr>
-            <p:ph type="sldNum" sz="quarter" idx="10"/>
-          </p:nvPr>
-        </p:nvSpPr>
-        <p:spPr/>
-        <p:txBody>
-          <a:bodyPr/>
-          <a:lstStyle/>
-          <a:p>
-            <a:fld id="{EFAF9F6D-6F5B-4492-B20A-F0EFDC100956}" type="slidenum">
-              <a:rPr lang="en-US" smtClean="0"/>
-              <a:t>9</a:t>
-            </a:fld>
-            <a:endParaRPr lang="en-US"/>
-          </a:p>
-        </p:txBody>
-      </p:sp>
-    </p:spTree>
-    <p:extLst>
-      <p:ext uri="{BB962C8B-B14F-4D97-AF65-F5344CB8AC3E}">
-        <p14:creationId xmlns:p14="http://schemas.microsoft.com/office/powerpoint/2010/main" val="570370417"/>
-      </p:ext>
-    </p:extLst>
-  </p:cSld>
-  <p:clrMapOvr>
-    <a:masterClrMapping/>
-  </p:clrMapOvr>
-</p:notes>
-</file>
-
-<file path=ppt/notesSlides/notesSlide5.xml><?xml version="1.0" encoding="utf-8"?>
-<p:notes xmlns:a="http://schemas.openxmlformats.org/drawingml/2006/main" xmlns:r="http://schemas.openxmlformats.org/officeDocument/2006/relationships" xmlns:p="http://schemas.openxmlformats.org/presentationml/2006/main">
-  <p:cSld>
-    <p:spTree>
-      <p:nvGrpSpPr>
-        <p:cNvPr id="1" name=""/>
-        <p:cNvGrpSpPr/>
-        <p:nvPr/>
-      </p:nvGrpSpPr>
-      <p:grpSpPr>
-        <a:xfrm>
-          <a:off x="0" y="0"/>
-          <a:ext cx="0" cy="0"/>
-          <a:chOff x="0" y="0"/>
-          <a:chExt cx="0" cy="0"/>
-        </a:xfrm>
-      </p:grpSpPr>
-      <p:sp>
-        <p:nvSpPr>
-          <p:cNvPr id="2" name="Slide Image Placeholder 1"/>
-          <p:cNvSpPr>
-            <a:spLocks noGrp="1" noRot="1" noChangeAspect="1"/>
-          </p:cNvSpPr>
-          <p:nvPr>
-            <p:ph type="sldImg"/>
-          </p:nvPr>
-        </p:nvSpPr>
-        <p:spPr/>
-      </p:sp>
-      <p:sp>
-        <p:nvSpPr>
-          <p:cNvPr id="3" name="Notes Placeholder 2"/>
-          <p:cNvSpPr>
-            <a:spLocks noGrp="1"/>
-          </p:cNvSpPr>
-          <p:nvPr>
-            <p:ph type="body" idx="1"/>
-          </p:nvPr>
-        </p:nvSpPr>
-        <p:spPr/>
-        <p:txBody>
-          <a:bodyPr/>
-          <a:lstStyle/>
-          <a:p>
-            <a:endParaRPr lang="en-US" dirty="0"/>
-          </a:p>
-        </p:txBody>
-      </p:sp>
-      <p:sp>
-        <p:nvSpPr>
-          <p:cNvPr id="4" name="Slide Number Placeholder 3"/>
-          <p:cNvSpPr>
-            <a:spLocks noGrp="1"/>
-          </p:cNvSpPr>
-          <p:nvPr>
-            <p:ph type="sldNum" sz="quarter" idx="10"/>
-          </p:nvPr>
-        </p:nvSpPr>
-        <p:spPr/>
-        <p:txBody>
-          <a:bodyPr/>
-          <a:lstStyle/>
-          <a:p>
-            <a:fld id="{EFAF9F6D-6F5B-4492-B20A-F0EFDC100956}" type="slidenum">
-              <a:rPr lang="en-US" smtClean="0"/>
-              <a:t>10</a:t>
-            </a:fld>
-            <a:endParaRPr lang="en-US"/>
-          </a:p>
-        </p:txBody>
-      </p:sp>
-    </p:spTree>
-    <p:extLst>
-      <p:ext uri="{BB962C8B-B14F-4D97-AF65-F5344CB8AC3E}">
-        <p14:creationId xmlns:p14="http://schemas.microsoft.com/office/powerpoint/2010/main" val="3630720042"/>
-      </p:ext>
-    </p:extLst>
-  </p:cSld>
-  <p:clrMapOvr>
-    <a:masterClrMapping/>
-  </p:clrMapOvr>
-</p:notes>
-</file>
-
-<file path=ppt/notesSlides/notesSlide6.xml><?xml version="1.0" encoding="utf-8"?>
-<p:notes xmlns:a="http://schemas.openxmlformats.org/drawingml/2006/main" xmlns:r="http://schemas.openxmlformats.org/officeDocument/2006/relationships" xmlns:p="http://schemas.openxmlformats.org/presentationml/2006/main">
-  <p:cSld>
-    <p:spTree>
-      <p:nvGrpSpPr>
-        <p:cNvPr id="1" name=""/>
-        <p:cNvGrpSpPr/>
-        <p:nvPr/>
-      </p:nvGrpSpPr>
-      <p:grpSpPr>
-        <a:xfrm>
-          <a:off x="0" y="0"/>
-          <a:ext cx="0" cy="0"/>
-          <a:chOff x="0" y="0"/>
-          <a:chExt cx="0" cy="0"/>
-        </a:xfrm>
-      </p:grpSpPr>
-      <p:sp>
-        <p:nvSpPr>
-          <p:cNvPr id="2" name="Slide Image Placeholder 1"/>
-          <p:cNvSpPr>
-            <a:spLocks noGrp="1" noRot="1" noChangeAspect="1"/>
-          </p:cNvSpPr>
-          <p:nvPr>
-            <p:ph type="sldImg"/>
-          </p:nvPr>
-        </p:nvSpPr>
-        <p:spPr/>
-      </p:sp>
-      <p:sp>
-        <p:nvSpPr>
-          <p:cNvPr id="3" name="Notes Placeholder 2"/>
-          <p:cNvSpPr>
-            <a:spLocks noGrp="1"/>
-          </p:cNvSpPr>
-          <p:nvPr>
-            <p:ph type="body" idx="1"/>
-          </p:nvPr>
-        </p:nvSpPr>
-        <p:spPr/>
-        <p:txBody>
-          <a:bodyPr/>
-          <a:lstStyle/>
-          <a:p>
-            <a:endParaRPr lang="en-US" dirty="0"/>
-          </a:p>
-        </p:txBody>
-      </p:sp>
-      <p:sp>
-        <p:nvSpPr>
-          <p:cNvPr id="4" name="Slide Number Placeholder 3"/>
-          <p:cNvSpPr>
-            <a:spLocks noGrp="1"/>
-          </p:cNvSpPr>
-          <p:nvPr>
-            <p:ph type="sldNum" sz="quarter" idx="10"/>
-          </p:nvPr>
-        </p:nvSpPr>
-        <p:spPr/>
-        <p:txBody>
-          <a:bodyPr/>
-          <a:lstStyle/>
-          <a:p>
-            <a:fld id="{EFAF9F6D-6F5B-4492-B20A-F0EFDC100956}" type="slidenum">
-              <a:rPr lang="en-US" smtClean="0"/>
-              <a:t>11</a:t>
-            </a:fld>
-            <a:endParaRPr lang="en-US"/>
-          </a:p>
-        </p:txBody>
-      </p:sp>
-    </p:spTree>
-    <p:extLst>
-      <p:ext uri="{BB962C8B-B14F-4D97-AF65-F5344CB8AC3E}">
-        <p14:creationId xmlns:p14="http://schemas.microsoft.com/office/powerpoint/2010/main" val="3569311689"/>
-      </p:ext>
-    </p:extLst>
-  </p:cSld>
-  <p:clrMapOvr>
-    <a:masterClrMapping/>
-  </p:clrMapOvr>
-</p:notes>
-</file>
-
-<file path=ppt/notesSlides/notesSlide7.xml><?xml version="1.0" encoding="utf-8"?>
-<p:notes xmlns:a="http://schemas.openxmlformats.org/drawingml/2006/main" xmlns:r="http://schemas.openxmlformats.org/officeDocument/2006/relationships" xmlns:p="http://schemas.openxmlformats.org/presentationml/2006/main">
-  <p:cSld>
-    <p:spTree>
-      <p:nvGrpSpPr>
-        <p:cNvPr id="1" name=""/>
-        <p:cNvGrpSpPr/>
-        <p:nvPr/>
-      </p:nvGrpSpPr>
-      <p:grpSpPr>
-        <a:xfrm>
-          <a:off x="0" y="0"/>
-          <a:ext cx="0" cy="0"/>
-          <a:chOff x="0" y="0"/>
-          <a:chExt cx="0" cy="0"/>
-        </a:xfrm>
-      </p:grpSpPr>
-      <p:sp>
-        <p:nvSpPr>
-          <p:cNvPr id="2" name="Slide Image Placeholder 1"/>
-          <p:cNvSpPr>
-            <a:spLocks noGrp="1" noRot="1" noChangeAspect="1"/>
-          </p:cNvSpPr>
-          <p:nvPr>
-            <p:ph type="sldImg"/>
-          </p:nvPr>
-        </p:nvSpPr>
-        <p:spPr/>
-      </p:sp>
-      <p:sp>
-        <p:nvSpPr>
-          <p:cNvPr id="3" name="Notes Placeholder 2"/>
-          <p:cNvSpPr>
-            <a:spLocks noGrp="1"/>
-          </p:cNvSpPr>
-          <p:nvPr>
-            <p:ph type="body" idx="1"/>
-          </p:nvPr>
-        </p:nvSpPr>
-        <p:spPr/>
-        <p:txBody>
-          <a:bodyPr/>
-          <a:lstStyle/>
-          <a:p>
-            <a:endParaRPr lang="en-US" dirty="0"/>
-          </a:p>
-        </p:txBody>
-      </p:sp>
-      <p:sp>
-        <p:nvSpPr>
-          <p:cNvPr id="4" name="Slide Number Placeholder 3"/>
-          <p:cNvSpPr>
-            <a:spLocks noGrp="1"/>
-          </p:cNvSpPr>
-          <p:nvPr>
-            <p:ph type="sldNum" sz="quarter" idx="10"/>
-          </p:nvPr>
-        </p:nvSpPr>
-        <p:spPr/>
-        <p:txBody>
-          <a:bodyPr/>
-          <a:lstStyle/>
-          <a:p>
-            <a:fld id="{EFAF9F6D-6F5B-4492-B20A-F0EFDC100956}" type="slidenum">
-              <a:rPr lang="en-US" smtClean="0"/>
-              <a:t>12</a:t>
-            </a:fld>
-            <a:endParaRPr lang="en-US"/>
-          </a:p>
-        </p:txBody>
-      </p:sp>
-    </p:spTree>
-    <p:extLst>
-      <p:ext uri="{BB962C8B-B14F-4D97-AF65-F5344CB8AC3E}">
-        <p14:creationId xmlns:p14="http://schemas.microsoft.com/office/powerpoint/2010/main" val="2267955867"/>
-      </p:ext>
-    </p:extLst>
-  </p:cSld>
-  <p:clrMapOvr>
-    <a:masterClrMapping/>
-  </p:clrMapOvr>
-</p:notes>
-</file>
-
-<file path=ppt/notesSlides/notesSlide8.xml><?xml version="1.0" encoding="utf-8"?>
-<p:notes xmlns:a="http://schemas.openxmlformats.org/drawingml/2006/main" xmlns:r="http://schemas.openxmlformats.org/officeDocument/2006/relationships" xmlns:p="http://schemas.openxmlformats.org/presentationml/2006/main">
-  <p:cSld>
-    <p:spTree>
-      <p:nvGrpSpPr>
-        <p:cNvPr id="1" name=""/>
-        <p:cNvGrpSpPr/>
-        <p:nvPr/>
-      </p:nvGrpSpPr>
-      <p:grpSpPr>
-        <a:xfrm>
-          <a:off x="0" y="0"/>
-          <a:ext cx="0" cy="0"/>
-          <a:chOff x="0" y="0"/>
-          <a:chExt cx="0" cy="0"/>
-        </a:xfrm>
-      </p:grpSpPr>
-      <p:sp>
-        <p:nvSpPr>
-          <p:cNvPr id="2" name="Slide Image Placeholder 1"/>
-          <p:cNvSpPr>
-            <a:spLocks noGrp="1" noRot="1" noChangeAspect="1"/>
-          </p:cNvSpPr>
-          <p:nvPr>
-            <p:ph type="sldImg"/>
-          </p:nvPr>
-        </p:nvSpPr>
-        <p:spPr/>
-      </p:sp>
-      <p:sp>
-        <p:nvSpPr>
-          <p:cNvPr id="3" name="Notes Placeholder 2"/>
-          <p:cNvSpPr>
-            <a:spLocks noGrp="1"/>
-          </p:cNvSpPr>
-          <p:nvPr>
-            <p:ph type="body" idx="1"/>
-          </p:nvPr>
-        </p:nvSpPr>
-        <p:spPr/>
-        <p:txBody>
-          <a:bodyPr/>
-          <a:lstStyle/>
-          <a:p>
-            <a:endParaRPr lang="en-US" dirty="0"/>
-          </a:p>
-        </p:txBody>
-      </p:sp>
-      <p:sp>
-        <p:nvSpPr>
-          <p:cNvPr id="4" name="Slide Number Placeholder 3"/>
-          <p:cNvSpPr>
-            <a:spLocks noGrp="1"/>
-          </p:cNvSpPr>
-          <p:nvPr>
-            <p:ph type="sldNum" sz="quarter" idx="10"/>
-          </p:nvPr>
-        </p:nvSpPr>
-        <p:spPr/>
-        <p:txBody>
-          <a:bodyPr/>
-          <a:lstStyle/>
-          <a:p>
-            <a:fld id="{EFAF9F6D-6F5B-4492-B20A-F0EFDC100956}" type="slidenum">
-              <a:rPr lang="en-US" smtClean="0"/>
-              <a:t>13</a:t>
-            </a:fld>
-            <a:endParaRPr lang="en-US"/>
-          </a:p>
-        </p:txBody>
-      </p:sp>
-    </p:spTree>
-    <p:extLst>
-      <p:ext uri="{BB962C8B-B14F-4D97-AF65-F5344CB8AC3E}">
-        <p14:creationId xmlns:p14="http://schemas.microsoft.com/office/powerpoint/2010/main" val="3557286393"/>
-      </p:ext>
-    </p:extLst>
-  </p:cSld>
-  <p:clrMapOvr>
-    <a:masterClrMapping/>
-  </p:clrMapOvr>
-</p:notes>
-</file>
-
-<file path=ppt/notesSlides/notesSlide9.xml><?xml version="1.0" encoding="utf-8"?>
-<p:notes xmlns:a="http://schemas.openxmlformats.org/drawingml/2006/main" xmlns:r="http://schemas.openxmlformats.org/officeDocument/2006/relationships" xmlns:p="http://schemas.openxmlformats.org/presentationml/2006/main">
-  <p:cSld>
-    <p:spTree>
-      <p:nvGrpSpPr>
-        <p:cNvPr id="1" name=""/>
-        <p:cNvGrpSpPr/>
-        <p:nvPr/>
-      </p:nvGrpSpPr>
-      <p:grpSpPr>
-        <a:xfrm>
-          <a:off x="0" y="0"/>
-          <a:ext cx="0" cy="0"/>
-          <a:chOff x="0" y="0"/>
-          <a:chExt cx="0" cy="0"/>
-        </a:xfrm>
-      </p:grpSpPr>
-      <p:sp>
-        <p:nvSpPr>
-          <p:cNvPr id="2" name="Slide Image Placeholder 1"/>
-          <p:cNvSpPr>
-            <a:spLocks noGrp="1" noRot="1" noChangeAspect="1"/>
-          </p:cNvSpPr>
-          <p:nvPr>
-            <p:ph type="sldImg"/>
-          </p:nvPr>
-        </p:nvSpPr>
-        <p:spPr/>
-      </p:sp>
-      <p:sp>
-        <p:nvSpPr>
-          <p:cNvPr id="3" name="Notes Placeholder 2"/>
-          <p:cNvSpPr>
-            <a:spLocks noGrp="1"/>
-          </p:cNvSpPr>
-          <p:nvPr>
-            <p:ph type="body" idx="1"/>
-          </p:nvPr>
-        </p:nvSpPr>
-        <p:spPr/>
-        <p:txBody>
-          <a:bodyPr/>
-          <a:lstStyle/>
-          <a:p>
-            <a:endParaRPr lang="en-US" dirty="0"/>
-          </a:p>
-        </p:txBody>
-      </p:sp>
-      <p:sp>
-        <p:nvSpPr>
-          <p:cNvPr id="4" name="Slide Number Placeholder 3"/>
-          <p:cNvSpPr>
-            <a:spLocks noGrp="1"/>
-          </p:cNvSpPr>
-          <p:nvPr>
-            <p:ph type="sldNum" sz="quarter" idx="10"/>
-          </p:nvPr>
-        </p:nvSpPr>
-        <p:spPr/>
-        <p:txBody>
-          <a:bodyPr/>
-          <a:lstStyle/>
-          <a:p>
-            <a:fld id="{EFAF9F6D-6F5B-4492-B20A-F0EFDC100956}" type="slidenum">
-              <a:rPr lang="en-US" smtClean="0"/>
-              <a:t>14</a:t>
-            </a:fld>
-            <a:endParaRPr lang="en-US"/>
-          </a:p>
-        </p:txBody>
-      </p:sp>
-    </p:spTree>
-    <p:extLst>
-      <p:ext uri="{BB962C8B-B14F-4D97-AF65-F5344CB8AC3E}">
-        <p14:creationId xmlns:p14="http://schemas.microsoft.com/office/powerpoint/2010/main" val="1968221454"/>
-      </p:ext>
-    </p:extLst>
-  </p:cSld>
-  <p:clrMapOvr>
-    <a:masterClrMapping/>
-  </p:clrMapOvr>
-</p:notes>
 </file>
 
 <file path=ppt/slideLayouts/slideLayout1.xml><?xml version="1.0" encoding="utf-8"?>
@@ -4263,967 +3500,6 @@
 </p:sld>
 </file>
 
-<file path=ppt/slides/slide10.xml><?xml version="1.0" encoding="utf-8"?>
-<p:sld xmlns:a="http://schemas.openxmlformats.org/drawingml/2006/main" xmlns:r="http://schemas.openxmlformats.org/officeDocument/2006/relationships" xmlns:p="http://schemas.openxmlformats.org/presentationml/2006/main">
-  <p:cSld>
-    <p:spTree>
-      <p:nvGrpSpPr>
-        <p:cNvPr id="1" name=""/>
-        <p:cNvGrpSpPr/>
-        <p:nvPr/>
-      </p:nvGrpSpPr>
-      <p:grpSpPr>
-        <a:xfrm>
-          <a:off x="0" y="0"/>
-          <a:ext cx="0" cy="0"/>
-          <a:chOff x="0" y="0"/>
-          <a:chExt cx="0" cy="0"/>
-        </a:xfrm>
-      </p:grpSpPr>
-      <p:sp>
-        <p:nvSpPr>
-          <p:cNvPr id="5" name="TextBox 4"/>
-          <p:cNvSpPr txBox="1"/>
-          <p:nvPr/>
-        </p:nvSpPr>
-        <p:spPr>
-          <a:xfrm>
-            <a:off x="-1" y="0"/>
-            <a:ext cx="8984343" cy="954107"/>
-          </a:xfrm>
-          <a:prstGeom prst="rect">
-            <a:avLst/>
-          </a:prstGeom>
-        </p:spPr>
-        <p:txBody>
-          <a:bodyPr wrap="square" rtlCol="0">
-            <a:spAutoFit/>
-          </a:bodyPr>
-          <a:lstStyle/>
-          <a:p>
-            <a:r>
-              <a:rPr lang="en-US" sz="2800" dirty="0">
-                <a:solidFill>
-                  <a:srgbClr val="002060"/>
-                </a:solidFill>
-              </a:rPr>
-              <a:t>Step #9: Build the circuitry to decode the instruction + create the control signals</a:t>
-            </a:r>
-          </a:p>
-        </p:txBody>
-      </p:sp>
-      <p:pic>
-        <p:nvPicPr>
-          <p:cNvPr id="3" name="Picture 2">
-            <a:extLst>
-              <a:ext uri="{FF2B5EF4-FFF2-40B4-BE49-F238E27FC236}">
-                <a16:creationId xmlns:a16="http://schemas.microsoft.com/office/drawing/2014/main" id="{4E6D321C-4C41-42FA-8DD2-8AEE6865C4AE}"/>
-              </a:ext>
-            </a:extLst>
-          </p:cNvPr>
-          <p:cNvPicPr>
-            <a:picLocks noChangeAspect="1"/>
-          </p:cNvPicPr>
-          <p:nvPr/>
-        </p:nvPicPr>
-        <p:blipFill>
-          <a:blip r:embed="rId3"/>
-          <a:stretch>
-            <a:fillRect/>
-          </a:stretch>
-        </p:blipFill>
-        <p:spPr>
-          <a:xfrm>
-            <a:off x="304799" y="1460175"/>
-            <a:ext cx="5149424" cy="2062688"/>
-          </a:xfrm>
-          <a:prstGeom prst="rect">
-            <a:avLst/>
-          </a:prstGeom>
-        </p:spPr>
-      </p:pic>
-      <p:sp>
-        <p:nvSpPr>
-          <p:cNvPr id="4" name="TextBox 3">
-            <a:extLst>
-              <a:ext uri="{FF2B5EF4-FFF2-40B4-BE49-F238E27FC236}">
-                <a16:creationId xmlns:a16="http://schemas.microsoft.com/office/drawing/2014/main" id="{544D9D51-F2AF-4DC7-9280-ACB64598CB3C}"/>
-              </a:ext>
-            </a:extLst>
-          </p:cNvPr>
-          <p:cNvSpPr txBox="1"/>
-          <p:nvPr/>
-        </p:nvSpPr>
-        <p:spPr>
-          <a:xfrm>
-            <a:off x="157740" y="979445"/>
-            <a:ext cx="5152571" cy="430887"/>
-          </a:xfrm>
-          <a:prstGeom prst="rect">
-            <a:avLst/>
-          </a:prstGeom>
-          <a:noFill/>
-        </p:spPr>
-        <p:txBody>
-          <a:bodyPr wrap="square" rtlCol="0">
-            <a:spAutoFit/>
-          </a:bodyPr>
-          <a:lstStyle/>
-          <a:p>
-            <a:r>
-              <a:rPr lang="en-US" sz="2200" dirty="0"/>
-              <a:t>A figure is provided for you: </a:t>
-            </a:r>
-          </a:p>
-        </p:txBody>
-      </p:sp>
-      <p:sp>
-        <p:nvSpPr>
-          <p:cNvPr id="9" name="TextBox 8">
-            <a:extLst>
-              <a:ext uri="{FF2B5EF4-FFF2-40B4-BE49-F238E27FC236}">
-                <a16:creationId xmlns:a16="http://schemas.microsoft.com/office/drawing/2014/main" id="{3887113F-BABE-4611-919F-1B3D9FDFE7ED}"/>
-              </a:ext>
-            </a:extLst>
-          </p:cNvPr>
-          <p:cNvSpPr txBox="1"/>
-          <p:nvPr/>
-        </p:nvSpPr>
-        <p:spPr>
-          <a:xfrm>
-            <a:off x="5862198" y="1014484"/>
-            <a:ext cx="2823028" cy="5016758"/>
-          </a:xfrm>
-          <a:prstGeom prst="rect">
-            <a:avLst/>
-          </a:prstGeom>
-          <a:noFill/>
-        </p:spPr>
-        <p:txBody>
-          <a:bodyPr wrap="square" rtlCol="0">
-            <a:spAutoFit/>
-          </a:bodyPr>
-          <a:lstStyle/>
-          <a:p>
-            <a:r>
-              <a:rPr lang="en-US" sz="2000" dirty="0">
-                <a:solidFill>
-                  <a:srgbClr val="0070C0"/>
-                </a:solidFill>
-              </a:rPr>
-              <a:t>This circuit will take the 4 input bits of the opcode, and map them onto a two-bit input for the </a:t>
-            </a:r>
-            <a:r>
-              <a:rPr lang="en-US" sz="2000" dirty="0" err="1">
-                <a:solidFill>
-                  <a:srgbClr val="0070C0"/>
-                </a:solidFill>
-              </a:rPr>
-              <a:t>ALUop</a:t>
-            </a:r>
-            <a:r>
-              <a:rPr lang="en-US" sz="2000" dirty="0">
-                <a:solidFill>
-                  <a:srgbClr val="0070C0"/>
-                </a:solidFill>
-              </a:rPr>
-              <a:t> MUX, and a 1 bit input to decide whether to write the immediate value or ALU output to the register file.</a:t>
-            </a:r>
-          </a:p>
-          <a:p>
-            <a:endParaRPr lang="en-US" sz="2000" dirty="0">
-              <a:solidFill>
-                <a:srgbClr val="0070C0"/>
-              </a:solidFill>
-            </a:endParaRPr>
-          </a:p>
-          <a:p>
-            <a:r>
-              <a:rPr lang="en-US" sz="2000" dirty="0">
-                <a:solidFill>
-                  <a:srgbClr val="0070C0"/>
-                </a:solidFill>
-              </a:rPr>
-              <a:t>The circuit can be derived by finding the logical expression for the truth table mapping the opcodes to the desired MUX inputs.</a:t>
-            </a:r>
-          </a:p>
-        </p:txBody>
-      </p:sp>
-      <p:pic>
-        <p:nvPicPr>
-          <p:cNvPr id="10" name="Picture 9">
-            <a:extLst>
-              <a:ext uri="{FF2B5EF4-FFF2-40B4-BE49-F238E27FC236}">
-                <a16:creationId xmlns:a16="http://schemas.microsoft.com/office/drawing/2014/main" id="{CE63D47A-141E-454B-AF62-1E127DD41FD9}"/>
-              </a:ext>
-            </a:extLst>
-          </p:cNvPr>
-          <p:cNvPicPr>
-            <a:picLocks noChangeAspect="1"/>
-          </p:cNvPicPr>
-          <p:nvPr/>
-        </p:nvPicPr>
-        <p:blipFill rotWithShape="1">
-          <a:blip r:embed="rId4"/>
-          <a:srcRect r="7793"/>
-          <a:stretch/>
-        </p:blipFill>
-        <p:spPr>
-          <a:xfrm>
-            <a:off x="-1" y="3780010"/>
-            <a:ext cx="5468055" cy="954107"/>
-          </a:xfrm>
-          <a:prstGeom prst="rect">
-            <a:avLst/>
-          </a:prstGeom>
-        </p:spPr>
-      </p:pic>
-      <p:pic>
-        <p:nvPicPr>
-          <p:cNvPr id="11" name="Picture 10">
-            <a:extLst>
-              <a:ext uri="{FF2B5EF4-FFF2-40B4-BE49-F238E27FC236}">
-                <a16:creationId xmlns:a16="http://schemas.microsoft.com/office/drawing/2014/main" id="{199011F2-6104-4640-8A57-AD5623347DD0}"/>
-              </a:ext>
-            </a:extLst>
-          </p:cNvPr>
-          <p:cNvPicPr>
-            <a:picLocks noChangeAspect="1"/>
-          </p:cNvPicPr>
-          <p:nvPr/>
-        </p:nvPicPr>
-        <p:blipFill>
-          <a:blip r:embed="rId5"/>
-          <a:stretch>
-            <a:fillRect/>
-          </a:stretch>
-        </p:blipFill>
-        <p:spPr>
-          <a:xfrm>
-            <a:off x="157740" y="4734117"/>
-            <a:ext cx="4159794" cy="1789909"/>
-          </a:xfrm>
-          <a:prstGeom prst="rect">
-            <a:avLst/>
-          </a:prstGeom>
-        </p:spPr>
-      </p:pic>
-    </p:spTree>
-    <p:extLst>
-      <p:ext uri="{BB962C8B-B14F-4D97-AF65-F5344CB8AC3E}">
-        <p14:creationId xmlns:p14="http://schemas.microsoft.com/office/powerpoint/2010/main" val="1432174485"/>
-      </p:ext>
-    </p:extLst>
-  </p:cSld>
-  <p:clrMapOvr>
-    <a:masterClrMapping/>
-  </p:clrMapOvr>
-</p:sld>
-</file>
-
-<file path=ppt/slides/slide11.xml><?xml version="1.0" encoding="utf-8"?>
-<p:sld xmlns:a="http://schemas.openxmlformats.org/drawingml/2006/main" xmlns:r="http://schemas.openxmlformats.org/officeDocument/2006/relationships" xmlns:p="http://schemas.openxmlformats.org/presentationml/2006/main">
-  <p:cSld>
-    <p:spTree>
-      <p:nvGrpSpPr>
-        <p:cNvPr id="1" name=""/>
-        <p:cNvGrpSpPr/>
-        <p:nvPr/>
-      </p:nvGrpSpPr>
-      <p:grpSpPr>
-        <a:xfrm>
-          <a:off x="0" y="0"/>
-          <a:ext cx="0" cy="0"/>
-          <a:chOff x="0" y="0"/>
-          <a:chExt cx="0" cy="0"/>
-        </a:xfrm>
-      </p:grpSpPr>
-      <p:sp>
-        <p:nvSpPr>
-          <p:cNvPr id="5" name="TextBox 4"/>
-          <p:cNvSpPr txBox="1"/>
-          <p:nvPr/>
-        </p:nvSpPr>
-        <p:spPr>
-          <a:xfrm>
-            <a:off x="-1" y="0"/>
-            <a:ext cx="8984343" cy="954107"/>
-          </a:xfrm>
-          <a:prstGeom prst="rect">
-            <a:avLst/>
-          </a:prstGeom>
-        </p:spPr>
-        <p:txBody>
-          <a:bodyPr wrap="square" rtlCol="0">
-            <a:spAutoFit/>
-          </a:bodyPr>
-          <a:lstStyle/>
-          <a:p>
-            <a:r>
-              <a:rPr lang="en-US" sz="2800" dirty="0">
-                <a:solidFill>
-                  <a:srgbClr val="002060"/>
-                </a:solidFill>
-              </a:rPr>
-              <a:t>Step #10: Build the circuitry to decode the instruction + create the control signals</a:t>
-            </a:r>
-          </a:p>
-        </p:txBody>
-      </p:sp>
-      <p:pic>
-        <p:nvPicPr>
-          <p:cNvPr id="3" name="Picture 2">
-            <a:extLst>
-              <a:ext uri="{FF2B5EF4-FFF2-40B4-BE49-F238E27FC236}">
-                <a16:creationId xmlns:a16="http://schemas.microsoft.com/office/drawing/2014/main" id="{4E6D321C-4C41-42FA-8DD2-8AEE6865C4AE}"/>
-              </a:ext>
-            </a:extLst>
-          </p:cNvPr>
-          <p:cNvPicPr>
-            <a:picLocks noChangeAspect="1"/>
-          </p:cNvPicPr>
-          <p:nvPr/>
-        </p:nvPicPr>
-        <p:blipFill>
-          <a:blip r:embed="rId3"/>
-          <a:stretch>
-            <a:fillRect/>
-          </a:stretch>
-        </p:blipFill>
-        <p:spPr>
-          <a:xfrm>
-            <a:off x="304799" y="1460175"/>
-            <a:ext cx="5149424" cy="2062688"/>
-          </a:xfrm>
-          <a:prstGeom prst="rect">
-            <a:avLst/>
-          </a:prstGeom>
-        </p:spPr>
-      </p:pic>
-      <p:sp>
-        <p:nvSpPr>
-          <p:cNvPr id="4" name="TextBox 3">
-            <a:extLst>
-              <a:ext uri="{FF2B5EF4-FFF2-40B4-BE49-F238E27FC236}">
-                <a16:creationId xmlns:a16="http://schemas.microsoft.com/office/drawing/2014/main" id="{544D9D51-F2AF-4DC7-9280-ACB64598CB3C}"/>
-              </a:ext>
-            </a:extLst>
-          </p:cNvPr>
-          <p:cNvSpPr txBox="1"/>
-          <p:nvPr/>
-        </p:nvSpPr>
-        <p:spPr>
-          <a:xfrm>
-            <a:off x="157740" y="979445"/>
-            <a:ext cx="5152571" cy="430887"/>
-          </a:xfrm>
-          <a:prstGeom prst="rect">
-            <a:avLst/>
-          </a:prstGeom>
-          <a:noFill/>
-        </p:spPr>
-        <p:txBody>
-          <a:bodyPr wrap="square" rtlCol="0">
-            <a:spAutoFit/>
-          </a:bodyPr>
-          <a:lstStyle/>
-          <a:p>
-            <a:r>
-              <a:rPr lang="en-US" sz="2200" dirty="0"/>
-              <a:t>A figure is provided for you: </a:t>
-            </a:r>
-          </a:p>
-        </p:txBody>
-      </p:sp>
-      <p:sp>
-        <p:nvSpPr>
-          <p:cNvPr id="9" name="TextBox 8">
-            <a:extLst>
-              <a:ext uri="{FF2B5EF4-FFF2-40B4-BE49-F238E27FC236}">
-                <a16:creationId xmlns:a16="http://schemas.microsoft.com/office/drawing/2014/main" id="{3887113F-BABE-4611-919F-1B3D9FDFE7ED}"/>
-              </a:ext>
-            </a:extLst>
-          </p:cNvPr>
-          <p:cNvSpPr txBox="1"/>
-          <p:nvPr/>
-        </p:nvSpPr>
-        <p:spPr>
-          <a:xfrm>
-            <a:off x="5862198" y="1014484"/>
-            <a:ext cx="2823028" cy="5016758"/>
-          </a:xfrm>
-          <a:prstGeom prst="rect">
-            <a:avLst/>
-          </a:prstGeom>
-          <a:noFill/>
-        </p:spPr>
-        <p:txBody>
-          <a:bodyPr wrap="square" rtlCol="0">
-            <a:spAutoFit/>
-          </a:bodyPr>
-          <a:lstStyle/>
-          <a:p>
-            <a:r>
-              <a:rPr lang="en-US" sz="2000" dirty="0">
-                <a:solidFill>
-                  <a:srgbClr val="0070C0"/>
-                </a:solidFill>
-              </a:rPr>
-              <a:t>This circuit will take the 4 input bits of the opcode, and map them onto a two-bit input for the </a:t>
-            </a:r>
-            <a:r>
-              <a:rPr lang="en-US" sz="2000" dirty="0" err="1">
-                <a:solidFill>
-                  <a:srgbClr val="0070C0"/>
-                </a:solidFill>
-              </a:rPr>
-              <a:t>ALUop</a:t>
-            </a:r>
-            <a:r>
-              <a:rPr lang="en-US" sz="2000" dirty="0">
-                <a:solidFill>
-                  <a:srgbClr val="0070C0"/>
-                </a:solidFill>
-              </a:rPr>
-              <a:t> MUX, and a 1 bit input to decide whether to write the immediate value or ALU output to the register file.</a:t>
-            </a:r>
-          </a:p>
-          <a:p>
-            <a:endParaRPr lang="en-US" sz="2000" dirty="0">
-              <a:solidFill>
-                <a:srgbClr val="0070C0"/>
-              </a:solidFill>
-            </a:endParaRPr>
-          </a:p>
-          <a:p>
-            <a:r>
-              <a:rPr lang="en-US" sz="2000" dirty="0">
-                <a:solidFill>
-                  <a:srgbClr val="0070C0"/>
-                </a:solidFill>
-              </a:rPr>
-              <a:t>The circuit can be derived by finding the logical expression for the truth table mapping the opcodes to the desired MUX inputs.</a:t>
-            </a:r>
-          </a:p>
-        </p:txBody>
-      </p:sp>
-      <p:pic>
-        <p:nvPicPr>
-          <p:cNvPr id="10" name="Picture 9">
-            <a:extLst>
-              <a:ext uri="{FF2B5EF4-FFF2-40B4-BE49-F238E27FC236}">
-                <a16:creationId xmlns:a16="http://schemas.microsoft.com/office/drawing/2014/main" id="{CE63D47A-141E-454B-AF62-1E127DD41FD9}"/>
-              </a:ext>
-            </a:extLst>
-          </p:cNvPr>
-          <p:cNvPicPr>
-            <a:picLocks noChangeAspect="1"/>
-          </p:cNvPicPr>
-          <p:nvPr/>
-        </p:nvPicPr>
-        <p:blipFill rotWithShape="1">
-          <a:blip r:embed="rId4"/>
-          <a:srcRect r="7793"/>
-          <a:stretch/>
-        </p:blipFill>
-        <p:spPr>
-          <a:xfrm>
-            <a:off x="-1" y="3780010"/>
-            <a:ext cx="5468055" cy="954107"/>
-          </a:xfrm>
-          <a:prstGeom prst="rect">
-            <a:avLst/>
-          </a:prstGeom>
-        </p:spPr>
-      </p:pic>
-      <p:pic>
-        <p:nvPicPr>
-          <p:cNvPr id="11" name="Picture 10">
-            <a:extLst>
-              <a:ext uri="{FF2B5EF4-FFF2-40B4-BE49-F238E27FC236}">
-                <a16:creationId xmlns:a16="http://schemas.microsoft.com/office/drawing/2014/main" id="{199011F2-6104-4640-8A57-AD5623347DD0}"/>
-              </a:ext>
-            </a:extLst>
-          </p:cNvPr>
-          <p:cNvPicPr>
-            <a:picLocks noChangeAspect="1"/>
-          </p:cNvPicPr>
-          <p:nvPr/>
-        </p:nvPicPr>
-        <p:blipFill>
-          <a:blip r:embed="rId5"/>
-          <a:stretch>
-            <a:fillRect/>
-          </a:stretch>
-        </p:blipFill>
-        <p:spPr>
-          <a:xfrm>
-            <a:off x="157740" y="4734117"/>
-            <a:ext cx="4159794" cy="1789909"/>
-          </a:xfrm>
-          <a:prstGeom prst="rect">
-            <a:avLst/>
-          </a:prstGeom>
-        </p:spPr>
-      </p:pic>
-    </p:spTree>
-    <p:extLst>
-      <p:ext uri="{BB962C8B-B14F-4D97-AF65-F5344CB8AC3E}">
-        <p14:creationId xmlns:p14="http://schemas.microsoft.com/office/powerpoint/2010/main" val="3289277431"/>
-      </p:ext>
-    </p:extLst>
-  </p:cSld>
-  <p:clrMapOvr>
-    <a:masterClrMapping/>
-  </p:clrMapOvr>
-</p:sld>
-</file>
-
-<file path=ppt/slides/slide12.xml><?xml version="1.0" encoding="utf-8"?>
-<p:sld xmlns:a="http://schemas.openxmlformats.org/drawingml/2006/main" xmlns:r="http://schemas.openxmlformats.org/officeDocument/2006/relationships" xmlns:p="http://schemas.openxmlformats.org/presentationml/2006/main">
-  <p:cSld>
-    <p:spTree>
-      <p:nvGrpSpPr>
-        <p:cNvPr id="1" name=""/>
-        <p:cNvGrpSpPr/>
-        <p:nvPr/>
-      </p:nvGrpSpPr>
-      <p:grpSpPr>
-        <a:xfrm>
-          <a:off x="0" y="0"/>
-          <a:ext cx="0" cy="0"/>
-          <a:chOff x="0" y="0"/>
-          <a:chExt cx="0" cy="0"/>
-        </a:xfrm>
-      </p:grpSpPr>
-      <p:sp>
-        <p:nvSpPr>
-          <p:cNvPr id="5" name="TextBox 4"/>
-          <p:cNvSpPr txBox="1"/>
-          <p:nvPr/>
-        </p:nvSpPr>
-        <p:spPr>
-          <a:xfrm>
-            <a:off x="-1" y="0"/>
-            <a:ext cx="8984343" cy="523220"/>
-          </a:xfrm>
-          <a:prstGeom prst="rect">
-            <a:avLst/>
-          </a:prstGeom>
-        </p:spPr>
-        <p:txBody>
-          <a:bodyPr wrap="square" rtlCol="0">
-            <a:spAutoFit/>
-          </a:bodyPr>
-          <a:lstStyle/>
-          <a:p>
-            <a:r>
-              <a:rPr lang="en-US" sz="2800" dirty="0">
-                <a:solidFill>
-                  <a:srgbClr val="002060"/>
-                </a:solidFill>
-              </a:rPr>
-              <a:t>Steps #10-12: Wire the remaining components together</a:t>
-            </a:r>
-          </a:p>
-        </p:txBody>
-      </p:sp>
-      <p:sp>
-        <p:nvSpPr>
-          <p:cNvPr id="2" name="TextBox 1">
-            <a:extLst>
-              <a:ext uri="{FF2B5EF4-FFF2-40B4-BE49-F238E27FC236}">
-                <a16:creationId xmlns:a16="http://schemas.microsoft.com/office/drawing/2014/main" id="{FFDEC25B-079B-4F13-A699-4AA43F44F051}"/>
-              </a:ext>
-            </a:extLst>
-          </p:cNvPr>
-          <p:cNvSpPr txBox="1"/>
-          <p:nvPr/>
-        </p:nvSpPr>
-        <p:spPr>
-          <a:xfrm>
-            <a:off x="319313" y="899886"/>
-            <a:ext cx="6952343" cy="3785652"/>
-          </a:xfrm>
-          <a:prstGeom prst="rect">
-            <a:avLst/>
-          </a:prstGeom>
-          <a:noFill/>
-        </p:spPr>
-        <p:txBody>
-          <a:bodyPr wrap="square" rtlCol="0">
-            <a:spAutoFit/>
-          </a:bodyPr>
-          <a:lstStyle/>
-          <a:p>
-            <a:pPr marL="457200" indent="-457200">
-              <a:buFont typeface="+mj-lt"/>
-              <a:buAutoNum type="arabicPeriod"/>
-            </a:pPr>
-            <a:r>
-              <a:rPr lang="en-US" sz="2400" dirty="0"/>
-              <a:t>Inputs/outputs/selection signals to the appropriate pins</a:t>
-            </a:r>
-          </a:p>
-          <a:p>
-            <a:pPr marL="457200" indent="-457200">
-              <a:buFont typeface="+mj-lt"/>
-              <a:buAutoNum type="arabicPeriod"/>
-            </a:pPr>
-            <a:endParaRPr lang="en-US" sz="2400" dirty="0"/>
-          </a:p>
-          <a:p>
-            <a:pPr marL="457200" indent="-457200">
-              <a:buFont typeface="+mj-lt"/>
-              <a:buAutoNum type="arabicPeriod"/>
-            </a:pPr>
-            <a:r>
-              <a:rPr lang="en-US" sz="2400" dirty="0"/>
-              <a:t>Use the $r subfield (from the splitter), combined with logic gates, to write to the appropriate register (note writes occur on every cycle).</a:t>
-            </a:r>
-          </a:p>
-          <a:p>
-            <a:pPr marL="457200" indent="-457200">
-              <a:buFont typeface="+mj-lt"/>
-              <a:buAutoNum type="arabicPeriod"/>
-            </a:pPr>
-            <a:endParaRPr lang="en-US" sz="2400" dirty="0"/>
-          </a:p>
-          <a:p>
-            <a:pPr marL="457200" indent="-457200">
-              <a:buFont typeface="+mj-lt"/>
-              <a:buAutoNum type="arabicPeriod"/>
-            </a:pPr>
-            <a:r>
-              <a:rPr lang="en-US" sz="2400" dirty="0"/>
-              <a:t>Add the clock + connect it to all the registers</a:t>
-            </a:r>
-          </a:p>
-          <a:p>
-            <a:pPr marL="457200" indent="-457200">
-              <a:buFont typeface="+mj-lt"/>
-              <a:buAutoNum type="arabicPeriod"/>
-            </a:pPr>
-            <a:endParaRPr lang="en-US" sz="2400" dirty="0"/>
-          </a:p>
-          <a:p>
-            <a:pPr marL="457200" indent="-457200">
-              <a:buFont typeface="+mj-lt"/>
-              <a:buAutoNum type="arabicPeriod"/>
-            </a:pPr>
-            <a:endParaRPr lang="en-US" sz="2400" dirty="0"/>
-          </a:p>
-        </p:txBody>
-      </p:sp>
-    </p:spTree>
-    <p:extLst>
-      <p:ext uri="{BB962C8B-B14F-4D97-AF65-F5344CB8AC3E}">
-        <p14:creationId xmlns:p14="http://schemas.microsoft.com/office/powerpoint/2010/main" val="800222025"/>
-      </p:ext>
-    </p:extLst>
-  </p:cSld>
-  <p:clrMapOvr>
-    <a:masterClrMapping/>
-  </p:clrMapOvr>
-</p:sld>
-</file>
-
-<file path=ppt/slides/slide13.xml><?xml version="1.0" encoding="utf-8"?>
-<p:sld xmlns:a="http://schemas.openxmlformats.org/drawingml/2006/main" xmlns:r="http://schemas.openxmlformats.org/officeDocument/2006/relationships" xmlns:p="http://schemas.openxmlformats.org/presentationml/2006/main">
-  <p:cSld>
-    <p:spTree>
-      <p:nvGrpSpPr>
-        <p:cNvPr id="1" name=""/>
-        <p:cNvGrpSpPr/>
-        <p:nvPr/>
-      </p:nvGrpSpPr>
-      <p:grpSpPr>
-        <a:xfrm>
-          <a:off x="0" y="0"/>
-          <a:ext cx="0" cy="0"/>
-          <a:chOff x="0" y="0"/>
-          <a:chExt cx="0" cy="0"/>
-        </a:xfrm>
-      </p:grpSpPr>
-      <p:sp>
-        <p:nvSpPr>
-          <p:cNvPr id="5" name="TextBox 4"/>
-          <p:cNvSpPr txBox="1"/>
-          <p:nvPr/>
-        </p:nvSpPr>
-        <p:spPr>
-          <a:xfrm>
-            <a:off x="-1" y="0"/>
-            <a:ext cx="8984343" cy="523220"/>
-          </a:xfrm>
-          <a:prstGeom prst="rect">
-            <a:avLst/>
-          </a:prstGeom>
-        </p:spPr>
-        <p:txBody>
-          <a:bodyPr wrap="square" rtlCol="0">
-            <a:spAutoFit/>
-          </a:bodyPr>
-          <a:lstStyle/>
-          <a:p>
-            <a:r>
-              <a:rPr lang="en-US" sz="2800" dirty="0">
-                <a:solidFill>
-                  <a:srgbClr val="002060"/>
-                </a:solidFill>
-              </a:rPr>
-              <a:t>Steps 13-14: Test</a:t>
-            </a:r>
-          </a:p>
-        </p:txBody>
-      </p:sp>
-      <p:sp>
-        <p:nvSpPr>
-          <p:cNvPr id="2" name="TextBox 1">
-            <a:extLst>
-              <a:ext uri="{FF2B5EF4-FFF2-40B4-BE49-F238E27FC236}">
-                <a16:creationId xmlns:a16="http://schemas.microsoft.com/office/drawing/2014/main" id="{FFDEC25B-079B-4F13-A699-4AA43F44F051}"/>
-              </a:ext>
-            </a:extLst>
-          </p:cNvPr>
-          <p:cNvSpPr txBox="1"/>
-          <p:nvPr/>
-        </p:nvSpPr>
-        <p:spPr>
-          <a:xfrm>
-            <a:off x="319313" y="899886"/>
-            <a:ext cx="6952343" cy="3785652"/>
-          </a:xfrm>
-          <a:prstGeom prst="rect">
-            <a:avLst/>
-          </a:prstGeom>
-          <a:noFill/>
-        </p:spPr>
-        <p:txBody>
-          <a:bodyPr wrap="square" rtlCol="0">
-            <a:spAutoFit/>
-          </a:bodyPr>
-          <a:lstStyle/>
-          <a:p>
-            <a:pPr marL="457200" indent="-457200">
-              <a:buFont typeface="+mj-lt"/>
-              <a:buAutoNum type="arabicPeriod"/>
-            </a:pPr>
-            <a:r>
-              <a:rPr lang="en-US" sz="2400" dirty="0"/>
-              <a:t>Add some instructions to the first few entries of the ROM</a:t>
-            </a:r>
-          </a:p>
-          <a:p>
-            <a:pPr marL="914400" lvl="1" indent="-457200">
-              <a:buFont typeface="Arial" panose="020B0604020202020204" pitchFamily="34" charset="0"/>
-              <a:buChar char="•"/>
-            </a:pPr>
-            <a:r>
-              <a:rPr lang="en-US" sz="2400" dirty="0"/>
-              <a:t>You’ll need to get the equivalent hex representation for each instruction</a:t>
-            </a:r>
-          </a:p>
-          <a:p>
-            <a:pPr marL="914400" lvl="1" indent="-457200">
-              <a:buFont typeface="Arial" panose="020B0604020202020204" pitchFamily="34" charset="0"/>
-              <a:buChar char="•"/>
-            </a:pPr>
-            <a:endParaRPr lang="en-US" sz="2400" dirty="0"/>
-          </a:p>
-          <a:p>
-            <a:pPr marL="457200" indent="-457200">
-              <a:buFont typeface="+mj-lt"/>
-              <a:buAutoNum type="arabicPeriod"/>
-            </a:pPr>
-            <a:r>
-              <a:rPr lang="en-US" sz="2400" dirty="0"/>
-              <a:t>Use “Simulation Enabled” in the Simulate menu to automate the clock and watch the processor work.</a:t>
-            </a:r>
-          </a:p>
-          <a:p>
-            <a:pPr marL="457200" indent="-457200">
-              <a:buFont typeface="+mj-lt"/>
-              <a:buAutoNum type="arabicPeriod"/>
-            </a:pPr>
-            <a:endParaRPr lang="en-US" sz="2400" dirty="0"/>
-          </a:p>
-          <a:p>
-            <a:pPr marL="457200" indent="-457200">
-              <a:buFont typeface="+mj-lt"/>
-              <a:buAutoNum type="arabicPeriod"/>
-            </a:pPr>
-            <a:endParaRPr lang="en-US" sz="2400" dirty="0"/>
-          </a:p>
-          <a:p>
-            <a:pPr marL="457200" indent="-457200">
-              <a:buFont typeface="+mj-lt"/>
-              <a:buAutoNum type="arabicPeriod"/>
-            </a:pPr>
-            <a:endParaRPr lang="en-US" sz="2400" dirty="0"/>
-          </a:p>
-        </p:txBody>
-      </p:sp>
-    </p:spTree>
-    <p:extLst>
-      <p:ext uri="{BB962C8B-B14F-4D97-AF65-F5344CB8AC3E}">
-        <p14:creationId xmlns:p14="http://schemas.microsoft.com/office/powerpoint/2010/main" val="227358084"/>
-      </p:ext>
-    </p:extLst>
-  </p:cSld>
-  <p:clrMapOvr>
-    <a:masterClrMapping/>
-  </p:clrMapOvr>
-</p:sld>
-</file>
-
-<file path=ppt/slides/slide14.xml><?xml version="1.0" encoding="utf-8"?>
-<p:sld xmlns:a="http://schemas.openxmlformats.org/drawingml/2006/main" xmlns:r="http://schemas.openxmlformats.org/officeDocument/2006/relationships" xmlns:p="http://schemas.openxmlformats.org/presentationml/2006/main">
-  <p:cSld>
-    <p:spTree>
-      <p:nvGrpSpPr>
-        <p:cNvPr id="1" name=""/>
-        <p:cNvGrpSpPr/>
-        <p:nvPr/>
-      </p:nvGrpSpPr>
-      <p:grpSpPr>
-        <a:xfrm>
-          <a:off x="0" y="0"/>
-          <a:ext cx="0" cy="0"/>
-          <a:chOff x="0" y="0"/>
-          <a:chExt cx="0" cy="0"/>
-        </a:xfrm>
-      </p:grpSpPr>
-      <p:sp>
-        <p:nvSpPr>
-          <p:cNvPr id="5" name="TextBox 4"/>
-          <p:cNvSpPr txBox="1"/>
-          <p:nvPr/>
-        </p:nvSpPr>
-        <p:spPr>
-          <a:xfrm>
-            <a:off x="-1" y="0"/>
-            <a:ext cx="8984343" cy="523220"/>
-          </a:xfrm>
-          <a:prstGeom prst="rect">
-            <a:avLst/>
-          </a:prstGeom>
-        </p:spPr>
-        <p:txBody>
-          <a:bodyPr wrap="square" rtlCol="0">
-            <a:spAutoFit/>
-          </a:bodyPr>
-          <a:lstStyle/>
-          <a:p>
-            <a:r>
-              <a:rPr lang="en-US" sz="2800" dirty="0">
-                <a:solidFill>
-                  <a:srgbClr val="002060"/>
-                </a:solidFill>
-              </a:rPr>
-              <a:t>Demo during class</a:t>
-            </a:r>
-          </a:p>
-        </p:txBody>
-      </p:sp>
-      <p:sp>
-        <p:nvSpPr>
-          <p:cNvPr id="2" name="TextBox 1">
-            <a:extLst>
-              <a:ext uri="{FF2B5EF4-FFF2-40B4-BE49-F238E27FC236}">
-                <a16:creationId xmlns:a16="http://schemas.microsoft.com/office/drawing/2014/main" id="{FFDEC25B-079B-4F13-A699-4AA43F44F051}"/>
-              </a:ext>
-            </a:extLst>
-          </p:cNvPr>
-          <p:cNvSpPr txBox="1"/>
-          <p:nvPr/>
-        </p:nvSpPr>
-        <p:spPr>
-          <a:xfrm>
-            <a:off x="319313" y="899886"/>
-            <a:ext cx="6952343" cy="3416320"/>
-          </a:xfrm>
-          <a:prstGeom prst="rect">
-            <a:avLst/>
-          </a:prstGeom>
-          <a:noFill/>
-        </p:spPr>
-        <p:txBody>
-          <a:bodyPr wrap="square" rtlCol="0">
-            <a:spAutoFit/>
-          </a:bodyPr>
-          <a:lstStyle/>
-          <a:p>
-            <a:pPr marL="457200" indent="-457200">
-              <a:buFont typeface="+mj-lt"/>
-              <a:buAutoNum type="arabicPeriod"/>
-            </a:pPr>
-            <a:r>
-              <a:rPr lang="en-US" sz="2400" dirty="0"/>
-              <a:t>To get checked off during recitation, you’ll be asked to demonstrate that one of each of the five instructions works (writing to either the A or B registers). </a:t>
-            </a:r>
-          </a:p>
-          <a:p>
-            <a:pPr marL="457200" indent="-457200">
-              <a:buFont typeface="+mj-lt"/>
-              <a:buAutoNum type="arabicPeriod"/>
-            </a:pPr>
-            <a:endParaRPr lang="en-US" sz="2400" dirty="0"/>
-          </a:p>
-          <a:p>
-            <a:pPr marL="457200" indent="-457200">
-              <a:buFont typeface="+mj-lt"/>
-              <a:buAutoNum type="arabicPeriod"/>
-            </a:pPr>
-            <a:r>
-              <a:rPr lang="en-US" sz="2400" dirty="0"/>
-              <a:t>Remember to submit via </a:t>
-            </a:r>
-            <a:r>
-              <a:rPr lang="en-US" sz="2400" dirty="0" err="1"/>
-              <a:t>Courseweb</a:t>
-            </a:r>
-            <a:r>
-              <a:rPr lang="en-US" sz="2400" dirty="0"/>
-              <a:t>!</a:t>
-            </a:r>
-          </a:p>
-          <a:p>
-            <a:pPr marL="457200" indent="-457200">
-              <a:buFont typeface="+mj-lt"/>
-              <a:buAutoNum type="arabicPeriod"/>
-            </a:pPr>
-            <a:endParaRPr lang="en-US" sz="2400" dirty="0"/>
-          </a:p>
-          <a:p>
-            <a:pPr marL="457200" indent="-457200">
-              <a:buFont typeface="+mj-lt"/>
-              <a:buAutoNum type="arabicPeriod"/>
-            </a:pPr>
-            <a:endParaRPr lang="en-US" sz="2400" dirty="0"/>
-          </a:p>
-          <a:p>
-            <a:pPr marL="457200" indent="-457200">
-              <a:buFont typeface="+mj-lt"/>
-              <a:buAutoNum type="arabicPeriod"/>
-            </a:pPr>
-            <a:endParaRPr lang="en-US" sz="2400" dirty="0"/>
-          </a:p>
-        </p:txBody>
-      </p:sp>
-    </p:spTree>
-    <p:extLst>
-      <p:ext uri="{BB962C8B-B14F-4D97-AF65-F5344CB8AC3E}">
-        <p14:creationId xmlns:p14="http://schemas.microsoft.com/office/powerpoint/2010/main" val="1145703578"/>
-      </p:ext>
-    </p:extLst>
-  </p:cSld>
-  <p:clrMapOvr>
-    <a:masterClrMapping/>
-  </p:clrMapOvr>
-</p:sld>
-</file>
-
 <file path=ppt/slides/slide2.xml><?xml version="1.0" encoding="utf-8"?>
 <p:sld xmlns:a="http://schemas.openxmlformats.org/drawingml/2006/main" xmlns:r="http://schemas.openxmlformats.org/officeDocument/2006/relationships" xmlns:p="http://schemas.openxmlformats.org/presentationml/2006/main">
   <p:cSld>
@@ -5375,6 +3651,13 @@
   <p:clrMapOvr>
     <a:masterClrMapping/>
   </p:clrMapOvr>
+  <p:timing>
+    <p:tnLst>
+      <p:par>
+        <p:cTn id="1" dur="indefinite" restart="never" nodeType="tmRoot"/>
+      </p:par>
+    </p:tnLst>
+  </p:timing>
 </p:sld>
 </file>
 
@@ -5947,7 +4230,7 @@
         <p:spPr>
           <a:xfrm>
             <a:off x="4217651" y="638979"/>
-            <a:ext cx="4605051" cy="5570756"/>
+            <a:ext cx="4605051" cy="4893647"/>
           </a:xfrm>
           <a:prstGeom prst="rect">
             <a:avLst/>
@@ -6042,7 +4325,7 @@
                   <a:srgbClr val="002060"/>
                 </a:solidFill>
               </a:rPr>
-              <a:t>Right click to edit values (or poke a field and start typing)</a:t>
+              <a:t>Right click to edit values</a:t>
             </a:r>
           </a:p>
           <a:p>
@@ -6076,7 +4359,7 @@
                   <a:srgbClr val="002060"/>
                 </a:solidFill>
               </a:rPr>
-              <a:t>”: wire a constant of ‘1’ to this; it will enable the ROM</a:t>
+              <a:t>”: wire a constant of ‘1’ to this</a:t>
             </a:r>
           </a:p>
           <a:p>
@@ -6098,6 +4381,13 @@
   <p:clrMapOvr>
     <a:masterClrMapping/>
   </p:clrMapOvr>
+  <p:timing>
+    <p:tnLst>
+      <p:par>
+        <p:cTn id="1" dur="indefinite" restart="never" nodeType="tmRoot"/>
+      </p:par>
+    </p:tnLst>
+  </p:timing>
 </p:sld>
 </file>
 
@@ -6140,25 +4430,40 @@
           <a:lstStyle/>
           <a:p>
             <a:r>
+              <a:rPr lang="en-US" sz="2800" dirty="0" smtClean="0">
+                <a:solidFill>
+                  <a:srgbClr val="002060"/>
+                </a:solidFill>
+              </a:rPr>
+              <a:t>Steps </a:t>
+            </a:r>
+            <a:r>
               <a:rPr lang="en-US" sz="2800" dirty="0">
                 <a:solidFill>
                   <a:srgbClr val="002060"/>
                 </a:solidFill>
               </a:rPr>
-              <a:t>Steps #3-4: Complete the “fetch” circuitry</a:t>
-            </a:r>
+              <a:t>#</a:t>
+            </a:r>
+            <a:r>
+              <a:rPr lang="en-US" sz="2800" dirty="0" smtClean="0">
+                <a:solidFill>
+                  <a:srgbClr val="002060"/>
+                </a:solidFill>
+              </a:rPr>
+              <a:t>3-4: Create the program counter register ($PC)</a:t>
+            </a:r>
+            <a:endParaRPr lang="en-US" sz="2800" dirty="0">
+              <a:solidFill>
+                <a:srgbClr val="002060"/>
+              </a:solidFill>
+            </a:endParaRPr>
           </a:p>
         </p:txBody>
       </p:sp>
       <p:pic>
         <p:nvPicPr>
-          <p:cNvPr id="3" name="Picture 2" descr="Logisim: main of Untitled">
-            <a:extLst>
-              <a:ext uri="{FF2B5EF4-FFF2-40B4-BE49-F238E27FC236}">
-                <a16:creationId xmlns:a16="http://schemas.microsoft.com/office/drawing/2014/main" id="{CAA09900-2891-41DC-A199-348595BD2BCA}"/>
-              </a:ext>
-            </a:extLst>
-          </p:cNvPr>
+          <p:cNvPr id="2" name="Picture 1" descr="Logisim: main of Untitled"/>
           <p:cNvPicPr>
             <a:picLocks noChangeAspect="1"/>
           </p:cNvPicPr>
@@ -6172,13 +4477,13 @@
               </a:ext>
             </a:extLst>
           </a:blip>
-          <a:srcRect l="31739" t="22608" r="51884" b="44818"/>
+          <a:srcRect l="54195" t="31845" r="30123" b="50809"/>
           <a:stretch/>
         </p:blipFill>
         <p:spPr>
           <a:xfrm>
-            <a:off x="463828" y="684462"/>
-            <a:ext cx="2377440" cy="2545757"/>
+            <a:off x="719091" y="967665"/>
+            <a:ext cx="2194560" cy="1873063"/>
           </a:xfrm>
           <a:prstGeom prst="rect">
             <a:avLst/>
@@ -6187,20 +4492,14 @@
       </p:pic>
       <p:sp>
         <p:nvSpPr>
-          <p:cNvPr id="4" name="TextBox 3">
-            <a:extLst>
-              <a:ext uri="{FF2B5EF4-FFF2-40B4-BE49-F238E27FC236}">
-                <a16:creationId xmlns:a16="http://schemas.microsoft.com/office/drawing/2014/main" id="{5075D05B-7A5D-458F-A32C-8DC22C0D51D1}"/>
-              </a:ext>
-            </a:extLst>
-          </p:cNvPr>
+          <p:cNvPr id="3" name="TextBox 2"/>
           <p:cNvSpPr txBox="1"/>
           <p:nvPr/>
         </p:nvSpPr>
         <p:spPr>
           <a:xfrm>
-            <a:off x="3270519" y="742437"/>
-            <a:ext cx="4651513" cy="2492990"/>
+            <a:off x="3551069" y="958789"/>
+            <a:ext cx="3808520" cy="1508105"/>
           </a:xfrm>
           <a:prstGeom prst="rect">
             <a:avLst/>
@@ -6214,58 +4513,41 @@
           <a:lstStyle/>
           <a:p>
             <a:r>
-              <a:rPr lang="en-US" sz="2400" dirty="0"/>
-              <a:t>Create the PC register.</a:t>
-            </a:r>
-          </a:p>
-          <a:p>
-            <a:pPr marL="342900" indent="-342900">
+              <a:rPr lang="en-US" sz="2000" dirty="0" smtClean="0"/>
+              <a:t>Default bit width = 8</a:t>
+            </a:r>
+          </a:p>
+          <a:p>
+            <a:pPr marL="285750" indent="-285750">
               <a:buFont typeface="Arial" panose="020B0604020202020204" pitchFamily="34" charset="0"/>
               <a:buChar char="•"/>
             </a:pPr>
             <a:r>
-              <a:rPr lang="en-US" sz="2200" dirty="0"/>
-              <a:t>Default 8-bit data width is good for our 8-bit addresses.</a:t>
-            </a:r>
-          </a:p>
-          <a:p>
-            <a:pPr marL="342900" indent="-342900">
-              <a:buFont typeface="Arial" panose="020B0604020202020204" pitchFamily="34" charset="0"/>
-              <a:buChar char="•"/>
-            </a:pPr>
-            <a:r>
-              <a:rPr lang="en-US" sz="2200" dirty="0"/>
-              <a:t>Use output of this register to supply the address information to the ROM</a:t>
-            </a:r>
-          </a:p>
-          <a:p>
-            <a:pPr marL="342900" indent="-342900">
-              <a:buFont typeface="Arial" panose="020B0604020202020204" pitchFamily="34" charset="0"/>
-              <a:buChar char="•"/>
-            </a:pPr>
-            <a:r>
-              <a:rPr lang="en-US" sz="2200" dirty="0"/>
-              <a:t>How can we update the address on each clock cycle?</a:t>
-            </a:r>
-          </a:p>
-        </p:txBody>
-      </p:sp>
-      <p:sp>
-        <p:nvSpPr>
-          <p:cNvPr id="7" name="TextBox 6">
-            <a:extLst>
-              <a:ext uri="{FF2B5EF4-FFF2-40B4-BE49-F238E27FC236}">
-                <a16:creationId xmlns:a16="http://schemas.microsoft.com/office/drawing/2014/main" id="{306D5ECE-8AB9-4104-A126-756944ADD9AE}"/>
-              </a:ext>
-            </a:extLst>
-          </p:cNvPr>
+              <a:rPr lang="en-US" dirty="0" smtClean="0"/>
+              <a:t>OK for 8-bit wide addresses</a:t>
+            </a:r>
+          </a:p>
+          <a:p>
+            <a:endParaRPr lang="en-US" dirty="0"/>
+          </a:p>
+          <a:p>
+            <a:r>
+              <a:rPr lang="en-US" dirty="0" smtClean="0"/>
+              <a:t>Address can be fetched from Q pin, and sent to A pin of ROM.</a:t>
+            </a:r>
+          </a:p>
+        </p:txBody>
+      </p:sp>
+      <p:sp>
+        <p:nvSpPr>
+          <p:cNvPr id="6" name="TextBox 5"/>
           <p:cNvSpPr txBox="1"/>
           <p:nvPr/>
         </p:nvSpPr>
         <p:spPr>
           <a:xfrm>
-            <a:off x="3270519" y="3429000"/>
-            <a:ext cx="4651513" cy="1200329"/>
+            <a:off x="3551069" y="2609908"/>
+            <a:ext cx="3808520" cy="646331"/>
           </a:xfrm>
           <a:prstGeom prst="rect">
             <a:avLst/>
@@ -6279,32 +4561,26 @@
           <a:lstStyle/>
           <a:p>
             <a:r>
-              <a:rPr lang="en-US" sz="2400" dirty="0">
+              <a:rPr lang="en-US" dirty="0" smtClean="0">
                 <a:solidFill>
                   <a:srgbClr val="002060"/>
                 </a:solidFill>
               </a:rPr>
-              <a:t>To update:  Use a loop (Q to D), an adder, and a constant.  How large should the constant be? </a:t>
-            </a:r>
-          </a:p>
-        </p:txBody>
-      </p:sp>
-      <p:sp>
-        <p:nvSpPr>
-          <p:cNvPr id="9" name="TextBox 8">
-            <a:extLst>
-              <a:ext uri="{FF2B5EF4-FFF2-40B4-BE49-F238E27FC236}">
-                <a16:creationId xmlns:a16="http://schemas.microsoft.com/office/drawing/2014/main" id="{3E4FB70E-4CFB-4B2B-91AC-6250879290E4}"/>
-              </a:ext>
-            </a:extLst>
-          </p:cNvPr>
+              <a:t>How do we update the register to fetch the next address?</a:t>
+            </a:r>
+          </a:p>
+        </p:txBody>
+      </p:sp>
+      <p:sp>
+        <p:nvSpPr>
+          <p:cNvPr id="7" name="TextBox 6"/>
           <p:cNvSpPr txBox="1"/>
           <p:nvPr/>
         </p:nvSpPr>
         <p:spPr>
           <a:xfrm>
-            <a:off x="3270519" y="4799648"/>
-            <a:ext cx="4651513" cy="830997"/>
+            <a:off x="3551069" y="3371647"/>
+            <a:ext cx="3808520" cy="2585323"/>
           </a:xfrm>
           <a:prstGeom prst="rect">
             <a:avLst/>
@@ -6317,54 +4593,61 @@
           </a:bodyPr>
           <a:lstStyle/>
           <a:p>
-            <a:r>
-              <a:rPr lang="en-US" sz="2400" dirty="0">
+            <a:pPr marL="342900" indent="-342900">
+              <a:buFont typeface="+mj-lt"/>
+              <a:buAutoNum type="arabicPeriod"/>
+            </a:pPr>
+            <a:r>
+              <a:rPr lang="en-US" dirty="0" smtClean="0">
                 <a:solidFill>
-                  <a:srgbClr val="7030A0"/>
+                  <a:srgbClr val="0070C0"/>
                 </a:solidFill>
               </a:rPr>
-              <a:t>Constant = 1 (instruction addresses are 1 byte long, not 1 word long)</a:t>
-            </a:r>
-          </a:p>
-        </p:txBody>
-      </p:sp>
-      <p:sp>
-        <p:nvSpPr>
-          <p:cNvPr id="12" name="TextBox 11">
-            <a:extLst>
-              <a:ext uri="{FF2B5EF4-FFF2-40B4-BE49-F238E27FC236}">
-                <a16:creationId xmlns:a16="http://schemas.microsoft.com/office/drawing/2014/main" id="{D0EA3FC2-543C-425F-9B87-411AFE5405C7}"/>
-              </a:ext>
-            </a:extLst>
-          </p:cNvPr>
-          <p:cNvSpPr txBox="1"/>
-          <p:nvPr/>
-        </p:nvSpPr>
-        <p:spPr>
-          <a:xfrm>
-            <a:off x="3270519" y="5700064"/>
-            <a:ext cx="4651513" cy="830997"/>
-          </a:xfrm>
-          <a:prstGeom prst="rect">
-            <a:avLst/>
-          </a:prstGeom>
-          <a:noFill/>
-        </p:spPr>
-        <p:txBody>
-          <a:bodyPr wrap="square" rtlCol="0">
-            <a:spAutoFit/>
-          </a:bodyPr>
-          <a:lstStyle/>
-          <a:p>
-            <a:r>
-              <a:rPr lang="en-US" sz="2400" dirty="0">
+              <a:t>Use a loop from Q to D, an adder, and a constant.</a:t>
+            </a:r>
+          </a:p>
+          <a:p>
+            <a:pPr marL="800100" lvl="1" indent="-342900">
+              <a:buFont typeface="Arial" panose="020B0604020202020204" pitchFamily="34" charset="0"/>
+              <a:buChar char="•"/>
+            </a:pPr>
+            <a:r>
+              <a:rPr lang="en-US" dirty="0" smtClean="0">
                 <a:solidFill>
-                  <a:schemeClr val="bg1">
-                    <a:lumMod val="50000"/>
-                  </a:schemeClr>
+                  <a:srgbClr val="0070C0"/>
                 </a:solidFill>
               </a:rPr>
-              <a:t>Make sure writes are enabled (can reuse constant of 1 used for ROM)</a:t>
+              <a:t>Constant = </a:t>
+            </a:r>
+            <a:r>
+              <a:rPr lang="en-US" b="1" dirty="0" smtClean="0">
+                <a:solidFill>
+                  <a:srgbClr val="0070C0"/>
+                </a:solidFill>
+              </a:rPr>
+              <a:t>1</a:t>
+            </a:r>
+            <a:r>
+              <a:rPr lang="en-US" dirty="0" smtClean="0">
+                <a:solidFill>
+                  <a:srgbClr val="0070C0"/>
+                </a:solidFill>
+              </a:rPr>
+              <a:t> (not 4), because our addresses are only one byte wide (not one word wide).</a:t>
+            </a:r>
+          </a:p>
+          <a:p>
+            <a:pPr marL="342900" indent="-342900">
+              <a:buFont typeface="+mj-lt"/>
+              <a:buAutoNum type="arabicPeriod"/>
+            </a:pPr>
+            <a:r>
+              <a:rPr lang="en-US" dirty="0" smtClean="0">
+                <a:solidFill>
+                  <a:srgbClr val="0070C0"/>
+                </a:solidFill>
+              </a:rPr>
+              <a:t>Wire in a constant 1 to the enable pin (can reuse input to ROM), to enable writes.</a:t>
             </a:r>
           </a:p>
         </p:txBody>
@@ -6413,7 +4696,7 @@
                                           </p:stCondLst>
                                         </p:cTn>
                                         <p:tgtEl>
-                                          <p:spTgt spid="7"/>
+                                          <p:spTgt spid="6"/>
                                         </p:tgtEl>
                                         <p:attrNameLst>
                                           <p:attrName>style.visibility</p:attrName>
@@ -6458,52 +4741,7 @@
                                           </p:stCondLst>
                                         </p:cTn>
                                         <p:tgtEl>
-                                          <p:spTgt spid="9"/>
-                                        </p:tgtEl>
-                                        <p:attrNameLst>
-                                          <p:attrName>style.visibility</p:attrName>
-                                        </p:attrNameLst>
-                                      </p:cBhvr>
-                                      <p:to>
-                                        <p:strVal val="visible"/>
-                                      </p:to>
-                                    </p:set>
-                                  </p:childTnLst>
-                                </p:cTn>
-                              </p:par>
-                            </p:childTnLst>
-                          </p:cTn>
-                        </p:par>
-                      </p:childTnLst>
-                    </p:cTn>
-                  </p:par>
-                  <p:par>
-                    <p:cTn id="11" fill="hold">
-                      <p:stCondLst>
-                        <p:cond delay="indefinite"/>
-                      </p:stCondLst>
-                      <p:childTnLst>
-                        <p:par>
-                          <p:cTn id="12" fill="hold">
-                            <p:stCondLst>
-                              <p:cond delay="0"/>
-                            </p:stCondLst>
-                            <p:childTnLst>
-                              <p:par>
-                                <p:cTn id="13" presetID="1" presetClass="entr" presetSubtype="0" fill="hold" grpId="0" nodeType="clickEffect">
-                                  <p:stCondLst>
-                                    <p:cond delay="0"/>
-                                  </p:stCondLst>
-                                  <p:childTnLst>
-                                    <p:set>
-                                      <p:cBhvr>
-                                        <p:cTn id="14" dur="1" fill="hold">
-                                          <p:stCondLst>
-                                            <p:cond delay="0"/>
-                                          </p:stCondLst>
-                                        </p:cTn>
-                                        <p:tgtEl>
-                                          <p:spTgt spid="12"/>
+                                          <p:spTgt spid="7"/>
                                         </p:tgtEl>
                                         <p:attrNameLst>
                                           <p:attrName>style.visibility</p:attrName>
@@ -6544,9 +4782,8 @@
       </p:par>
     </p:tnLst>
     <p:bldLst>
+      <p:bldP spid="6" grpId="0"/>
       <p:bldP spid="7" grpId="0"/>
-      <p:bldP spid="9" grpId="0"/>
-      <p:bldP spid="12" grpId="0"/>
     </p:bldLst>
   </p:timing>
 </p:sld>
@@ -6591,45 +4828,60 @@
           <a:lstStyle/>
           <a:p>
             <a:r>
+              <a:rPr lang="en-US" sz="2800" dirty="0" smtClean="0">
+                <a:solidFill>
+                  <a:srgbClr val="002060"/>
+                </a:solidFill>
+              </a:rPr>
+              <a:t>Step #</a:t>
+            </a:r>
+            <a:r>
               <a:rPr lang="en-US" sz="2800" dirty="0">
                 <a:solidFill>
                   <a:srgbClr val="002060"/>
                 </a:solidFill>
               </a:rPr>
-              <a:t>Step #5: Create the two data registers.</a:t>
-            </a:r>
+              <a:t>5</a:t>
+            </a:r>
+            <a:r>
+              <a:rPr lang="en-US" sz="2800" dirty="0" smtClean="0">
+                <a:solidFill>
+                  <a:srgbClr val="002060"/>
+                </a:solidFill>
+              </a:rPr>
+              <a:t>: Create the registers</a:t>
+            </a:r>
+            <a:endParaRPr lang="en-US" sz="2800" dirty="0">
+              <a:solidFill>
+                <a:srgbClr val="002060"/>
+              </a:solidFill>
+            </a:endParaRPr>
           </a:p>
         </p:txBody>
       </p:sp>
       <p:pic>
         <p:nvPicPr>
-          <p:cNvPr id="6" name="Picture 5" descr="Logisim: main of Untitled">
-            <a:extLst>
-              <a:ext uri="{FF2B5EF4-FFF2-40B4-BE49-F238E27FC236}">
-                <a16:creationId xmlns:a16="http://schemas.microsoft.com/office/drawing/2014/main" id="{B242D252-B6B8-4C94-A6A7-FBC2ED909644}"/>
-              </a:ext>
-            </a:extLst>
-          </p:cNvPr>
+          <p:cNvPr id="4" name="Picture 3" descr="Logisim: main of Untitled"/>
           <p:cNvPicPr>
             <a:picLocks noChangeAspect="1"/>
           </p:cNvPicPr>
           <p:nvPr/>
         </p:nvPicPr>
         <p:blipFill rotWithShape="1">
-          <a:blip r:embed="rId3">
+          <a:blip r:embed="rId2">
             <a:extLst>
               <a:ext uri="{28A0092B-C50C-407E-A947-70E740481C1C}">
                 <a14:useLocalDpi xmlns:a14="http://schemas.microsoft.com/office/drawing/2010/main" val="0"/>
               </a:ext>
             </a:extLst>
           </a:blip>
-          <a:srcRect l="33333" t="25160" r="54762" b="26486"/>
+          <a:srcRect l="54695" t="25891" r="29923" b="31909"/>
           <a:stretch/>
         </p:blipFill>
         <p:spPr>
           <a:xfrm>
-            <a:off x="464454" y="629895"/>
-            <a:ext cx="2103120" cy="4598827"/>
+            <a:off x="674703" y="852255"/>
+            <a:ext cx="1367161" cy="2894121"/>
           </a:xfrm>
           <a:prstGeom prst="rect">
             <a:avLst/>
@@ -6638,20 +4890,14 @@
       </p:pic>
       <p:sp>
         <p:nvSpPr>
-          <p:cNvPr id="10" name="TextBox 9">
-            <a:extLst>
-              <a:ext uri="{FF2B5EF4-FFF2-40B4-BE49-F238E27FC236}">
-                <a16:creationId xmlns:a16="http://schemas.microsoft.com/office/drawing/2014/main" id="{2603B1B8-4BD9-4B75-A530-292F9A2AC029}"/>
-              </a:ext>
-            </a:extLst>
-          </p:cNvPr>
+          <p:cNvPr id="8" name="TextBox 7"/>
           <p:cNvSpPr txBox="1"/>
           <p:nvPr/>
         </p:nvSpPr>
         <p:spPr>
           <a:xfrm>
-            <a:off x="3256005" y="1221408"/>
-            <a:ext cx="4651513" cy="430887"/>
+            <a:off x="2441360" y="1545262"/>
+            <a:ext cx="3808520" cy="400110"/>
           </a:xfrm>
           <a:prstGeom prst="rect">
             <a:avLst/>
@@ -6665,8 +4911,8 @@
           <a:lstStyle/>
           <a:p>
             <a:r>
-              <a:rPr lang="en-US" sz="2200" dirty="0"/>
-              <a:t>Again, default 8-bit with works.</a:t>
+              <a:rPr lang="en-US" sz="2000" dirty="0" smtClean="0"/>
+              <a:t>Again, default bit width of 8 works.</a:t>
             </a:r>
           </a:p>
         </p:txBody>
@@ -6674,13 +4920,20 @@
     </p:spTree>
     <p:extLst>
       <p:ext uri="{BB962C8B-B14F-4D97-AF65-F5344CB8AC3E}">
-        <p14:creationId xmlns:p14="http://schemas.microsoft.com/office/powerpoint/2010/main" val="1968565047"/>
+        <p14:creationId xmlns:p14="http://schemas.microsoft.com/office/powerpoint/2010/main" val="1766629654"/>
       </p:ext>
     </p:extLst>
   </p:cSld>
   <p:clrMapOvr>
     <a:masterClrMapping/>
   </p:clrMapOvr>
+  <p:timing>
+    <p:tnLst>
+      <p:par>
+        <p:cTn id="1" dur="indefinite" restart="never" nodeType="tmRoot"/>
+      </p:par>
+    </p:tnLst>
+  </p:timing>
 </p:sld>
 </file>
 
@@ -6723,32 +4976,31 @@
           <a:lstStyle/>
           <a:p>
             <a:r>
-              <a:rPr lang="en-US" sz="2800" dirty="0">
+              <a:rPr lang="en-US" sz="2800" dirty="0" smtClean="0">
                 <a:solidFill>
                   <a:srgbClr val="002060"/>
                 </a:solidFill>
               </a:rPr>
-              <a:t>Step #6: Create the ALU</a:t>
-            </a:r>
-          </a:p>
-        </p:txBody>
-      </p:sp>
-      <p:sp>
-        <p:nvSpPr>
-          <p:cNvPr id="10" name="TextBox 9">
-            <a:extLst>
-              <a:ext uri="{FF2B5EF4-FFF2-40B4-BE49-F238E27FC236}">
-                <a16:creationId xmlns:a16="http://schemas.microsoft.com/office/drawing/2014/main" id="{2603B1B8-4BD9-4B75-A530-292F9A2AC029}"/>
-              </a:ext>
-            </a:extLst>
-          </p:cNvPr>
+              <a:t>Step #6: Build a 4-function ALU</a:t>
+            </a:r>
+            <a:endParaRPr lang="en-US" sz="2800" dirty="0">
+              <a:solidFill>
+                <a:srgbClr val="002060"/>
+              </a:solidFill>
+            </a:endParaRPr>
+          </a:p>
+        </p:txBody>
+      </p:sp>
+      <p:sp>
+        <p:nvSpPr>
+          <p:cNvPr id="6" name="TextBox 5"/>
           <p:cNvSpPr txBox="1"/>
           <p:nvPr/>
         </p:nvSpPr>
         <p:spPr>
           <a:xfrm>
-            <a:off x="295090" y="943428"/>
-            <a:ext cx="4625253" cy="3847207"/>
+            <a:off x="168676" y="666373"/>
+            <a:ext cx="4252404" cy="1323439"/>
           </a:xfrm>
           <a:prstGeom prst="rect">
             <a:avLst/>
@@ -6762,137 +5014,40 @@
           <a:lstStyle/>
           <a:p>
             <a:r>
-              <a:rPr lang="en-US" sz="2200" dirty="0"/>
-              <a:t>Somewhat like the Lab #8 ALU (see figure), with a few differences:</a:t>
-            </a:r>
+              <a:rPr lang="en-US" sz="2000" dirty="0" smtClean="0"/>
+              <a:t>Somewhat like Lab #8 (see figure), except: </a:t>
+            </a:r>
+          </a:p>
+          <a:p>
+            <a:endParaRPr lang="en-US" sz="2000" dirty="0" smtClean="0"/>
           </a:p>
           <a:p>
             <a:pPr marL="342900" indent="-342900">
               <a:buFont typeface="Arial" panose="020B0604020202020204" pitchFamily="34" charset="0"/>
               <a:buChar char="•"/>
             </a:pPr>
-            <a:r>
-              <a:rPr lang="en-US" sz="2000" dirty="0">
-                <a:solidFill>
-                  <a:srgbClr val="002060"/>
-                </a:solidFill>
-              </a:rPr>
-              <a:t>All inputs/outputs/operations should act on 8 bits, not 1.</a:t>
-            </a:r>
-          </a:p>
-          <a:p>
-            <a:pPr marL="342900" indent="-342900">
-              <a:buFont typeface="Arial" panose="020B0604020202020204" pitchFamily="34" charset="0"/>
-              <a:buChar char="•"/>
-            </a:pPr>
-            <a:r>
-              <a:rPr lang="en-US" sz="2000" dirty="0">
-                <a:solidFill>
-                  <a:srgbClr val="002060"/>
-                </a:solidFill>
-              </a:rPr>
-              <a:t>No need for a set less than operation (just and/or/add/sub)</a:t>
-            </a:r>
-          </a:p>
-          <a:p>
-            <a:pPr marL="342900" indent="-342900">
-              <a:buFont typeface="Arial" panose="020B0604020202020204" pitchFamily="34" charset="0"/>
-              <a:buChar char="•"/>
-            </a:pPr>
-            <a:r>
-              <a:rPr lang="en-US" sz="2000" dirty="0">
-                <a:solidFill>
-                  <a:srgbClr val="002060"/>
-                </a:solidFill>
-              </a:rPr>
-              <a:t>It will be in a </a:t>
-            </a:r>
-            <a:r>
-              <a:rPr lang="en-US" sz="2000" dirty="0" err="1">
-                <a:solidFill>
-                  <a:srgbClr val="002060"/>
-                </a:solidFill>
-              </a:rPr>
-              <a:t>subcircuit</a:t>
-            </a:r>
-            <a:endParaRPr lang="en-US" sz="2000" dirty="0">
-              <a:solidFill>
-                <a:srgbClr val="002060"/>
-              </a:solidFill>
-            </a:endParaRPr>
-          </a:p>
-          <a:p>
-            <a:pPr marL="800100" lvl="1" indent="-342900">
-              <a:buFont typeface="Arial" panose="020B0604020202020204" pitchFamily="34" charset="0"/>
-              <a:buChar char="•"/>
-            </a:pPr>
-            <a:r>
-              <a:rPr lang="en-US" sz="2000" dirty="0">
-                <a:solidFill>
-                  <a:srgbClr val="002060"/>
-                </a:solidFill>
-              </a:rPr>
-              <a:t>The </a:t>
-            </a:r>
-            <a:r>
-              <a:rPr lang="en-US" sz="2000" dirty="0" err="1">
-                <a:solidFill>
-                  <a:srgbClr val="002060"/>
-                </a:solidFill>
-              </a:rPr>
-              <a:t>subcircuit</a:t>
-            </a:r>
-            <a:r>
-              <a:rPr lang="en-US" sz="2000" dirty="0">
-                <a:solidFill>
-                  <a:srgbClr val="002060"/>
-                </a:solidFill>
-              </a:rPr>
-              <a:t> will need some labeled input/output/selection pins to allow the ALU to be accessed from outside</a:t>
-            </a:r>
-          </a:p>
-          <a:p>
-            <a:pPr marL="342900" indent="-342900">
-              <a:buFont typeface="Arial" panose="020B0604020202020204" pitchFamily="34" charset="0"/>
-              <a:buChar char="•"/>
-            </a:pPr>
-            <a:endParaRPr lang="en-US" sz="2000" dirty="0">
-              <a:solidFill>
-                <a:srgbClr val="002060"/>
-              </a:solidFill>
-            </a:endParaRPr>
+            <a:endParaRPr lang="en-US" sz="2000" dirty="0" smtClean="0"/>
           </a:p>
         </p:txBody>
       </p:sp>
       <p:pic>
         <p:nvPicPr>
-          <p:cNvPr id="3" name="Picture 2" descr="lab08_ALU.pdf - Adobe Acrobat Reader DC">
-            <a:extLst>
-              <a:ext uri="{FF2B5EF4-FFF2-40B4-BE49-F238E27FC236}">
-                <a16:creationId xmlns:a16="http://schemas.microsoft.com/office/drawing/2014/main" id="{F1CD3532-2A7B-4A7B-98E0-5E8D9ADA7B60}"/>
-              </a:ext>
-            </a:extLst>
-          </p:cNvPr>
+          <p:cNvPr id="2" name="Picture 1"/>
           <p:cNvPicPr>
             <a:picLocks noChangeAspect="1"/>
           </p:cNvPicPr>
           <p:nvPr/>
         </p:nvPicPr>
-        <p:blipFill rotWithShape="1">
-          <a:blip r:embed="rId3">
-            <a:extLst>
-              <a:ext uri="{28A0092B-C50C-407E-A947-70E740481C1C}">
-                <a14:useLocalDpi xmlns:a14="http://schemas.microsoft.com/office/drawing/2010/main" val="0"/>
-              </a:ext>
-            </a:extLst>
-          </a:blip>
-          <a:srcRect l="19206" t="21326" r="38413" b="18523"/>
-          <a:stretch/>
+        <p:blipFill>
+          <a:blip r:embed="rId2"/>
+          <a:stretch>
+            <a:fillRect/>
+          </a:stretch>
         </p:blipFill>
         <p:spPr>
           <a:xfrm>
-            <a:off x="4920343" y="1132113"/>
-            <a:ext cx="3875314" cy="2961055"/>
+            <a:off x="4672677" y="737395"/>
+            <a:ext cx="4471323" cy="3301945"/>
           </a:xfrm>
           <a:prstGeom prst="rect">
             <a:avLst/>
@@ -6902,437 +5057,20 @@
     </p:spTree>
     <p:extLst>
       <p:ext uri="{BB962C8B-B14F-4D97-AF65-F5344CB8AC3E}">
-        <p14:creationId xmlns:p14="http://schemas.microsoft.com/office/powerpoint/2010/main" val="2439009468"/>
+        <p14:creationId xmlns:p14="http://schemas.microsoft.com/office/powerpoint/2010/main" val="1440952913"/>
       </p:ext>
     </p:extLst>
   </p:cSld>
   <p:clrMapOvr>
     <a:masterClrMapping/>
   </p:clrMapOvr>
-</p:sld>
-</file>
-
-<file path=ppt/slides/slide8.xml><?xml version="1.0" encoding="utf-8"?>
-<p:sld xmlns:a="http://schemas.openxmlformats.org/drawingml/2006/main" xmlns:r="http://schemas.openxmlformats.org/officeDocument/2006/relationships" xmlns:p="http://schemas.openxmlformats.org/presentationml/2006/main">
-  <p:cSld>
-    <p:spTree>
-      <p:nvGrpSpPr>
-        <p:cNvPr id="1" name=""/>
-        <p:cNvGrpSpPr/>
-        <p:nvPr/>
-      </p:nvGrpSpPr>
-      <p:grpSpPr>
-        <a:xfrm>
-          <a:off x="0" y="0"/>
-          <a:ext cx="0" cy="0"/>
-          <a:chOff x="0" y="0"/>
-          <a:chExt cx="0" cy="0"/>
-        </a:xfrm>
-      </p:grpSpPr>
-      <p:sp>
-        <p:nvSpPr>
-          <p:cNvPr id="5" name="TextBox 4"/>
-          <p:cNvSpPr txBox="1"/>
-          <p:nvPr/>
-        </p:nvSpPr>
-        <p:spPr>
-          <a:xfrm>
-            <a:off x="0" y="0"/>
-            <a:ext cx="8134066" cy="523220"/>
-          </a:xfrm>
-          <a:prstGeom prst="rect">
-            <a:avLst/>
-          </a:prstGeom>
-        </p:spPr>
-        <p:txBody>
-          <a:bodyPr rtlCol="0">
-            <a:spAutoFit/>
-          </a:bodyPr>
-          <a:lstStyle/>
-          <a:p>
-            <a:r>
-              <a:rPr lang="en-US" sz="2800" dirty="0">
-                <a:solidFill>
-                  <a:srgbClr val="002060"/>
-                </a:solidFill>
-              </a:rPr>
-              <a:t>Step #7: Continue wiring the circuit together</a:t>
-            </a:r>
-          </a:p>
-        </p:txBody>
-      </p:sp>
-      <p:sp>
-        <p:nvSpPr>
-          <p:cNvPr id="10" name="TextBox 9">
-            <a:extLst>
-              <a:ext uri="{FF2B5EF4-FFF2-40B4-BE49-F238E27FC236}">
-                <a16:creationId xmlns:a16="http://schemas.microsoft.com/office/drawing/2014/main" id="{2603B1B8-4BD9-4B75-A530-292F9A2AC029}"/>
-              </a:ext>
-            </a:extLst>
-          </p:cNvPr>
-          <p:cNvSpPr txBox="1"/>
-          <p:nvPr/>
-        </p:nvSpPr>
-        <p:spPr>
-          <a:xfrm>
-            <a:off x="295090" y="943428"/>
-            <a:ext cx="4625253" cy="3816429"/>
-          </a:xfrm>
-          <a:prstGeom prst="rect">
-            <a:avLst/>
-          </a:prstGeom>
-          <a:noFill/>
-        </p:spPr>
-        <p:txBody>
-          <a:bodyPr wrap="square" rtlCol="0">
-            <a:spAutoFit/>
-          </a:bodyPr>
-          <a:lstStyle/>
-          <a:p>
-            <a:r>
-              <a:rPr lang="en-US" sz="2200" u="sng" dirty="0">
-                <a:solidFill>
-                  <a:srgbClr val="002060"/>
-                </a:solidFill>
-              </a:rPr>
-              <a:t>ALU inputs</a:t>
-            </a:r>
-            <a:r>
-              <a:rPr lang="en-US" sz="2200" dirty="0">
-                <a:solidFill>
-                  <a:srgbClr val="002060"/>
-                </a:solidFill>
-              </a:rPr>
-              <a:t>: Directly from the A and B registers</a:t>
-            </a:r>
-          </a:p>
-          <a:p>
-            <a:endParaRPr lang="en-US" sz="2200" u="sng" dirty="0">
-              <a:solidFill>
-                <a:srgbClr val="002060"/>
-              </a:solidFill>
-            </a:endParaRPr>
-          </a:p>
-          <a:p>
-            <a:r>
-              <a:rPr lang="en-US" sz="2200" u="sng" dirty="0">
-                <a:solidFill>
-                  <a:srgbClr val="002060"/>
-                </a:solidFill>
-              </a:rPr>
-              <a:t>Writes to A and B registers</a:t>
-            </a:r>
-            <a:r>
-              <a:rPr lang="en-US" sz="2200" dirty="0">
-                <a:solidFill>
-                  <a:srgbClr val="002060"/>
-                </a:solidFill>
-              </a:rPr>
-              <a:t>: </a:t>
-            </a:r>
-          </a:p>
-          <a:p>
-            <a:r>
-              <a:rPr lang="en-US" sz="2200" dirty="0">
-                <a:solidFill>
-                  <a:srgbClr val="002060"/>
-                </a:solidFill>
-              </a:rPr>
-              <a:t>Can be from either: </a:t>
-            </a:r>
-          </a:p>
-          <a:p>
-            <a:pPr marL="342900" indent="-342900">
-              <a:buFont typeface="Arial" panose="020B0604020202020204" pitchFamily="34" charset="0"/>
-              <a:buChar char="•"/>
-            </a:pPr>
-            <a:r>
-              <a:rPr lang="en-US" sz="2200" dirty="0">
-                <a:solidFill>
-                  <a:srgbClr val="002060"/>
-                </a:solidFill>
-              </a:rPr>
-              <a:t>ALU output</a:t>
-            </a:r>
-          </a:p>
-          <a:p>
-            <a:pPr marL="342900" indent="-342900">
-              <a:buFont typeface="Arial" panose="020B0604020202020204" pitchFamily="34" charset="0"/>
-              <a:buChar char="•"/>
-            </a:pPr>
-            <a:r>
-              <a:rPr lang="en-US" sz="2200" dirty="0">
-                <a:solidFill>
-                  <a:srgbClr val="002060"/>
-                </a:solidFill>
-              </a:rPr>
-              <a:t>Immediate supplied to set instruction</a:t>
-            </a:r>
-          </a:p>
-          <a:p>
-            <a:pPr marL="342900" indent="-342900">
-              <a:buFont typeface="Arial" panose="020B0604020202020204" pitchFamily="34" charset="0"/>
-              <a:buChar char="•"/>
-            </a:pPr>
-            <a:r>
-              <a:rPr lang="en-US" sz="2200" dirty="0" err="1">
-                <a:solidFill>
-                  <a:srgbClr val="002060"/>
-                </a:solidFill>
-              </a:rPr>
-              <a:t>MUXes</a:t>
-            </a:r>
-            <a:r>
-              <a:rPr lang="en-US" sz="2200" dirty="0">
-                <a:solidFill>
-                  <a:srgbClr val="002060"/>
-                </a:solidFill>
-              </a:rPr>
-              <a:t> can be placed before each of the registers to select either of these inputs for the write</a:t>
-            </a:r>
-          </a:p>
-        </p:txBody>
-      </p:sp>
-      <p:pic>
-        <p:nvPicPr>
-          <p:cNvPr id="6" name="Picture 5">
-            <a:extLst>
-              <a:ext uri="{FF2B5EF4-FFF2-40B4-BE49-F238E27FC236}">
-                <a16:creationId xmlns:a16="http://schemas.microsoft.com/office/drawing/2014/main" id="{12C426D6-7AFE-46F2-A108-ED5B97A63180}"/>
-              </a:ext>
-            </a:extLst>
-          </p:cNvPr>
-          <p:cNvPicPr>
-            <a:picLocks noChangeAspect="1"/>
-          </p:cNvPicPr>
-          <p:nvPr/>
-        </p:nvPicPr>
-        <p:blipFill>
-          <a:blip r:embed="rId3"/>
-          <a:stretch>
-            <a:fillRect/>
-          </a:stretch>
-        </p:blipFill>
-        <p:spPr>
-          <a:xfrm>
-            <a:off x="4824809" y="3354052"/>
-            <a:ext cx="4159794" cy="1789909"/>
-          </a:xfrm>
-          <a:prstGeom prst="rect">
-            <a:avLst/>
-          </a:prstGeom>
-        </p:spPr>
-      </p:pic>
-      <p:pic>
-        <p:nvPicPr>
-          <p:cNvPr id="7" name="Picture 6" descr="Logisim: main of Untitled">
-            <a:extLst>
-              <a:ext uri="{FF2B5EF4-FFF2-40B4-BE49-F238E27FC236}">
-                <a16:creationId xmlns:a16="http://schemas.microsoft.com/office/drawing/2014/main" id="{72C4082A-ACF7-4CC7-B43F-417C539F3CC2}"/>
-              </a:ext>
-            </a:extLst>
-          </p:cNvPr>
-          <p:cNvPicPr>
-            <a:picLocks noChangeAspect="1"/>
-          </p:cNvPicPr>
-          <p:nvPr/>
-        </p:nvPicPr>
-        <p:blipFill rotWithShape="1">
-          <a:blip r:embed="rId4">
-            <a:extLst>
-              <a:ext uri="{28A0092B-C50C-407E-A947-70E740481C1C}">
-                <a14:useLocalDpi xmlns:a14="http://schemas.microsoft.com/office/drawing/2010/main" val="0"/>
-              </a:ext>
-            </a:extLst>
-          </a:blip>
-          <a:srcRect l="33333" t="27669" r="54762" b="34170"/>
-          <a:stretch/>
-        </p:blipFill>
-        <p:spPr>
-          <a:xfrm>
-            <a:off x="6962763" y="420914"/>
-            <a:ext cx="1554480" cy="2682587"/>
-          </a:xfrm>
-          <a:prstGeom prst="rect">
-            <a:avLst/>
-          </a:prstGeom>
-        </p:spPr>
-      </p:pic>
-    </p:spTree>
-    <p:extLst>
-      <p:ext uri="{BB962C8B-B14F-4D97-AF65-F5344CB8AC3E}">
-        <p14:creationId xmlns:p14="http://schemas.microsoft.com/office/powerpoint/2010/main" val="3612042431"/>
-      </p:ext>
-    </p:extLst>
-  </p:cSld>
-  <p:clrMapOvr>
-    <a:masterClrMapping/>
-  </p:clrMapOvr>
-</p:sld>
-</file>
-
-<file path=ppt/slides/slide9.xml><?xml version="1.0" encoding="utf-8"?>
-<p:sld xmlns:a="http://schemas.openxmlformats.org/drawingml/2006/main" xmlns:r="http://schemas.openxmlformats.org/officeDocument/2006/relationships" xmlns:p="http://schemas.openxmlformats.org/presentationml/2006/main">
-  <p:cSld>
-    <p:spTree>
-      <p:nvGrpSpPr>
-        <p:cNvPr id="1" name=""/>
-        <p:cNvGrpSpPr/>
-        <p:nvPr/>
-      </p:nvGrpSpPr>
-      <p:grpSpPr>
-        <a:xfrm>
-          <a:off x="0" y="0"/>
-          <a:ext cx="0" cy="0"/>
-          <a:chOff x="0" y="0"/>
-          <a:chExt cx="0" cy="0"/>
-        </a:xfrm>
-      </p:grpSpPr>
-      <p:sp>
-        <p:nvSpPr>
-          <p:cNvPr id="5" name="TextBox 4"/>
-          <p:cNvSpPr txBox="1"/>
-          <p:nvPr/>
-        </p:nvSpPr>
-        <p:spPr>
-          <a:xfrm>
-            <a:off x="0" y="0"/>
-            <a:ext cx="8134066" cy="523220"/>
-          </a:xfrm>
-          <a:prstGeom prst="rect">
-            <a:avLst/>
-          </a:prstGeom>
-        </p:spPr>
-        <p:txBody>
-          <a:bodyPr rtlCol="0">
-            <a:spAutoFit/>
-          </a:bodyPr>
-          <a:lstStyle/>
-          <a:p>
-            <a:r>
-              <a:rPr lang="en-US" sz="2800" dirty="0">
-                <a:solidFill>
-                  <a:srgbClr val="002060"/>
-                </a:solidFill>
-              </a:rPr>
-              <a:t>Step #8: Split up the instruction into its bitfields</a:t>
-            </a:r>
-          </a:p>
-        </p:txBody>
-      </p:sp>
-      <p:pic>
-        <p:nvPicPr>
-          <p:cNvPr id="8" name="Picture 7" descr="Logisim: main of Untitled">
-            <a:extLst>
-              <a:ext uri="{FF2B5EF4-FFF2-40B4-BE49-F238E27FC236}">
-                <a16:creationId xmlns:a16="http://schemas.microsoft.com/office/drawing/2014/main" id="{757FF483-DC88-461C-8273-99E0E9B32822}"/>
-              </a:ext>
-            </a:extLst>
-          </p:cNvPr>
-          <p:cNvPicPr>
-            <a:picLocks noChangeAspect="1"/>
-          </p:cNvPicPr>
-          <p:nvPr/>
-        </p:nvPicPr>
-        <p:blipFill rotWithShape="1">
-          <a:blip r:embed="rId3">
-            <a:extLst>
-              <a:ext uri="{28A0092B-C50C-407E-A947-70E740481C1C}">
-                <a14:useLocalDpi xmlns:a14="http://schemas.microsoft.com/office/drawing/2010/main" val="0"/>
-              </a:ext>
-            </a:extLst>
-          </a:blip>
-          <a:srcRect l="28073" t="28830" r="48915" b="46499"/>
-          <a:stretch/>
-        </p:blipFill>
-        <p:spPr>
-          <a:xfrm>
-            <a:off x="5140041" y="523220"/>
-            <a:ext cx="3657600" cy="2125630"/>
-          </a:xfrm>
-          <a:prstGeom prst="rect">
-            <a:avLst/>
-          </a:prstGeom>
-        </p:spPr>
-      </p:pic>
-      <p:pic>
-        <p:nvPicPr>
-          <p:cNvPr id="13" name="Picture 12">
-            <a:extLst>
-              <a:ext uri="{FF2B5EF4-FFF2-40B4-BE49-F238E27FC236}">
-                <a16:creationId xmlns:a16="http://schemas.microsoft.com/office/drawing/2014/main" id="{76FEE75E-7352-4C3A-A7B4-B8B36EFBB031}"/>
-              </a:ext>
-            </a:extLst>
-          </p:cNvPr>
-          <p:cNvPicPr>
-            <a:picLocks noChangeAspect="1"/>
-          </p:cNvPicPr>
-          <p:nvPr/>
-        </p:nvPicPr>
-        <p:blipFill rotWithShape="1">
-          <a:blip r:embed="rId4"/>
-          <a:srcRect r="7793"/>
-          <a:stretch/>
-        </p:blipFill>
-        <p:spPr>
-          <a:xfrm>
-            <a:off x="2790454" y="2648850"/>
-            <a:ext cx="6353546" cy="1108614"/>
-          </a:xfrm>
-          <a:prstGeom prst="rect">
-            <a:avLst/>
-          </a:prstGeom>
-        </p:spPr>
-      </p:pic>
-      <p:sp>
-        <p:nvSpPr>
-          <p:cNvPr id="2" name="TextBox 1">
-            <a:extLst>
-              <a:ext uri="{FF2B5EF4-FFF2-40B4-BE49-F238E27FC236}">
-                <a16:creationId xmlns:a16="http://schemas.microsoft.com/office/drawing/2014/main" id="{9E4202FC-72DA-4841-8DD2-352B716D36AD}"/>
-              </a:ext>
-            </a:extLst>
-          </p:cNvPr>
-          <p:cNvSpPr txBox="1"/>
-          <p:nvPr/>
-        </p:nvSpPr>
-        <p:spPr>
-          <a:xfrm>
-            <a:off x="146192" y="821671"/>
-            <a:ext cx="3920841" cy="1569660"/>
-          </a:xfrm>
-          <a:prstGeom prst="rect">
-            <a:avLst/>
-          </a:prstGeom>
-          <a:noFill/>
-        </p:spPr>
-        <p:txBody>
-          <a:bodyPr wrap="square" rtlCol="0">
-            <a:spAutoFit/>
-          </a:bodyPr>
-          <a:lstStyle/>
-          <a:p>
-            <a:r>
-              <a:rPr lang="en-US" sz="2400" dirty="0">
-                <a:solidFill>
-                  <a:srgbClr val="00B050"/>
-                </a:solidFill>
-              </a:rPr>
-              <a:t>Use a splitter to pull out the three subfields that you need from the instruction (from the ROM).  </a:t>
-            </a:r>
-          </a:p>
-        </p:txBody>
-      </p:sp>
-    </p:spTree>
-    <p:extLst>
-      <p:ext uri="{BB962C8B-B14F-4D97-AF65-F5344CB8AC3E}">
-        <p14:creationId xmlns:p14="http://schemas.microsoft.com/office/powerpoint/2010/main" val="2255651173"/>
-      </p:ext>
-    </p:extLst>
-  </p:cSld>
-  <p:clrMapOvr>
-    <a:masterClrMapping/>
-  </p:clrMapOvr>
+  <p:timing>
+    <p:tnLst>
+      <p:par>
+        <p:cTn id="1" dur="indefinite" restart="never" nodeType="tmRoot"/>
+      </p:par>
+    </p:tnLst>
+  </p:timing>
 </p:sld>
 </file>
 
